--- a/pelatihan_ros_2.pptx
+++ b/pelatihan_ros_2.pptx
@@ -5,15 +5,18 @@
     <p:sldMasterId id="2147483648" r:id="rId2"/>
     <p:sldMasterId id="2147483661" r:id="rId3"/>
     <p:sldMasterId id="2147483674" r:id="rId4"/>
+    <p:sldMasterId id="2147483687" r:id="rId5"/>
   </p:sldMasterIdLst>
   <p:sldIdLst>
-    <p:sldId id="256" r:id="rId5"/>
-    <p:sldId id="257" r:id="rId6"/>
-    <p:sldId id="258" r:id="rId7"/>
-    <p:sldId id="259" r:id="rId8"/>
-    <p:sldId id="260" r:id="rId9"/>
-    <p:sldId id="261" r:id="rId10"/>
-    <p:sldId id="262" r:id="rId11"/>
+    <p:sldId id="256" r:id="rId6"/>
+    <p:sldId id="257" r:id="rId7"/>
+    <p:sldId id="258" r:id="rId8"/>
+    <p:sldId id="259" r:id="rId9"/>
+    <p:sldId id="260" r:id="rId10"/>
+    <p:sldId id="261" r:id="rId11"/>
+    <p:sldId id="262" r:id="rId12"/>
+    <p:sldId id="263" r:id="rId13"/>
+    <p:sldId id="264" r:id="rId14"/>
   </p:sldIdLst>
   <p:sldSz cx="10080625" cy="7559675"/>
   <p:notesSz cx="7559675" cy="10691812"/>
@@ -72,7 +75,7 @@
         <p:spPr>
           <a:xfrm>
             <a:off x="504000" y="301320"/>
-            <a:ext cx="9071280" cy="1261800"/>
+            <a:ext cx="9072000" cy="1261800"/>
           </a:xfrm>
           <a:prstGeom prst="rect">
             <a:avLst/>
@@ -108,8 +111,8 @@
         </p:nvSpPr>
         <p:spPr>
           <a:xfrm>
-            <a:off x="504000" y="1769040"/>
-            <a:ext cx="9071280" cy="2090880"/>
+            <a:off x="504000" y="1768680"/>
+            <a:ext cx="9072000" cy="2090880"/>
           </a:xfrm>
           <a:prstGeom prst="rect">
             <a:avLst/>
@@ -144,8 +147,8 @@
         </p:nvSpPr>
         <p:spPr>
           <a:xfrm>
-            <a:off x="504000" y="4059000"/>
-            <a:ext cx="9071280" cy="2090880"/>
+            <a:off x="504000" y="4058640"/>
+            <a:ext cx="9072000" cy="2090880"/>
           </a:xfrm>
           <a:prstGeom prst="rect">
             <a:avLst/>
@@ -203,7 +206,7 @@
         <p:spPr>
           <a:xfrm>
             <a:off x="504000" y="301320"/>
-            <a:ext cx="9071280" cy="1261800"/>
+            <a:ext cx="9072000" cy="1261800"/>
           </a:xfrm>
           <a:prstGeom prst="rect">
             <a:avLst/>
@@ -239,8 +242,8 @@
         </p:nvSpPr>
         <p:spPr>
           <a:xfrm>
-            <a:off x="504000" y="1769040"/>
-            <a:ext cx="4426560" cy="2090880"/>
+            <a:off x="504000" y="1768680"/>
+            <a:ext cx="4426920" cy="2090880"/>
           </a:xfrm>
           <a:prstGeom prst="rect">
             <a:avLst/>
@@ -275,8 +278,8 @@
         </p:nvSpPr>
         <p:spPr>
           <a:xfrm>
-            <a:off x="5152320" y="1769040"/>
-            <a:ext cx="4426560" cy="2090880"/>
+            <a:off x="5152680" y="1768680"/>
+            <a:ext cx="4426920" cy="2090880"/>
           </a:xfrm>
           <a:prstGeom prst="rect">
             <a:avLst/>
@@ -311,8 +314,8 @@
         </p:nvSpPr>
         <p:spPr>
           <a:xfrm>
-            <a:off x="5152320" y="4059000"/>
-            <a:ext cx="4426560" cy="2090880"/>
+            <a:off x="5152680" y="4058640"/>
+            <a:ext cx="4426920" cy="2090880"/>
           </a:xfrm>
           <a:prstGeom prst="rect">
             <a:avLst/>
@@ -347,8 +350,8 @@
         </p:nvSpPr>
         <p:spPr>
           <a:xfrm>
-            <a:off x="504000" y="4059000"/>
-            <a:ext cx="4426560" cy="2090880"/>
+            <a:off x="504000" y="4058640"/>
+            <a:ext cx="4426920" cy="2090880"/>
           </a:xfrm>
           <a:prstGeom prst="rect">
             <a:avLst/>
@@ -406,7 +409,7 @@
         <p:spPr>
           <a:xfrm>
             <a:off x="504000" y="301320"/>
-            <a:ext cx="9071280" cy="1261800"/>
+            <a:ext cx="9072000" cy="1261800"/>
           </a:xfrm>
           <a:prstGeom prst="rect">
             <a:avLst/>
@@ -442,8 +445,8 @@
         </p:nvSpPr>
         <p:spPr>
           <a:xfrm>
-            <a:off x="504000" y="1769040"/>
-            <a:ext cx="9071280" cy="4384080"/>
+            <a:off x="504000" y="1768680"/>
+            <a:ext cx="9072000" cy="4384080"/>
           </a:xfrm>
           <a:prstGeom prst="rect">
             <a:avLst/>
@@ -478,8 +481,8 @@
         </p:nvSpPr>
         <p:spPr>
           <a:xfrm>
-            <a:off x="504000" y="1769040"/>
-            <a:ext cx="9071280" cy="4384080"/>
+            <a:off x="504000" y="1768680"/>
+            <a:ext cx="9072000" cy="4384080"/>
           </a:xfrm>
           <a:prstGeom prst="rect">
             <a:avLst/>
@@ -514,7 +517,7 @@
         </p:blipFill>
         <p:spPr>
           <a:xfrm>
-            <a:off x="2292120" y="1769040"/>
+            <a:off x="2292480" y="1768680"/>
             <a:ext cx="5494680" cy="4384080"/>
           </a:xfrm>
           <a:prstGeom prst="rect">
@@ -537,7 +540,7 @@
         </p:blipFill>
         <p:spPr>
           <a:xfrm>
-            <a:off x="2292120" y="1769040"/>
+            <a:off x="2292480" y="1768680"/>
             <a:ext cx="5494680" cy="4384080"/>
           </a:xfrm>
           <a:prstGeom prst="rect">
@@ -605,7 +608,7 @@
         <p:spPr>
           <a:xfrm>
             <a:off x="504000" y="301320"/>
-            <a:ext cx="9071280" cy="1261800"/>
+            <a:ext cx="9072000" cy="1261800"/>
           </a:xfrm>
           <a:prstGeom prst="rect">
             <a:avLst/>
@@ -641,8 +644,8 @@
         </p:nvSpPr>
         <p:spPr>
           <a:xfrm>
-            <a:off x="504000" y="1769040"/>
-            <a:ext cx="9071280" cy="4384080"/>
+            <a:off x="504000" y="1768680"/>
+            <a:ext cx="9072000" cy="4384080"/>
           </a:xfrm>
           <a:prstGeom prst="rect">
             <a:avLst/>
@@ -701,7 +704,7 @@
         <p:spPr>
           <a:xfrm>
             <a:off x="504000" y="301320"/>
-            <a:ext cx="9071280" cy="1261800"/>
+            <a:ext cx="9072000" cy="1261800"/>
           </a:xfrm>
           <a:prstGeom prst="rect">
             <a:avLst/>
@@ -737,8 +740,8 @@
         </p:nvSpPr>
         <p:spPr>
           <a:xfrm>
-            <a:off x="504000" y="1769040"/>
-            <a:ext cx="9071280" cy="4384080"/>
+            <a:off x="504000" y="1768680"/>
+            <a:ext cx="9072000" cy="4384080"/>
           </a:xfrm>
           <a:prstGeom prst="rect">
             <a:avLst/>
@@ -796,7 +799,7 @@
         <p:spPr>
           <a:xfrm>
             <a:off x="504000" y="301320"/>
-            <a:ext cx="9071280" cy="1261800"/>
+            <a:ext cx="9072000" cy="1261800"/>
           </a:xfrm>
           <a:prstGeom prst="rect">
             <a:avLst/>
@@ -832,8 +835,8 @@
         </p:nvSpPr>
         <p:spPr>
           <a:xfrm>
-            <a:off x="504000" y="1769040"/>
-            <a:ext cx="4426560" cy="4384080"/>
+            <a:off x="504000" y="1768680"/>
+            <a:ext cx="4426920" cy="4384080"/>
           </a:xfrm>
           <a:prstGeom prst="rect">
             <a:avLst/>
@@ -868,8 +871,8 @@
         </p:nvSpPr>
         <p:spPr>
           <a:xfrm>
-            <a:off x="5152320" y="1769040"/>
-            <a:ext cx="4426560" cy="4384080"/>
+            <a:off x="5152680" y="1768680"/>
+            <a:ext cx="4426920" cy="4384080"/>
           </a:xfrm>
           <a:prstGeom prst="rect">
             <a:avLst/>
@@ -927,7 +930,7 @@
         <p:spPr>
           <a:xfrm>
             <a:off x="504000" y="301320"/>
-            <a:ext cx="9071280" cy="1261800"/>
+            <a:ext cx="9072000" cy="1261800"/>
           </a:xfrm>
           <a:prstGeom prst="rect">
             <a:avLst/>
@@ -986,7 +989,7 @@
         <p:spPr>
           <a:xfrm>
             <a:off x="504000" y="301320"/>
-            <a:ext cx="9071280" cy="5850360"/>
+            <a:ext cx="9072000" cy="5850360"/>
           </a:xfrm>
           <a:prstGeom prst="rect">
             <a:avLst/>
@@ -1045,7 +1048,7 @@
         <p:spPr>
           <a:xfrm>
             <a:off x="504000" y="301320"/>
-            <a:ext cx="9071280" cy="1261800"/>
+            <a:ext cx="9072000" cy="1261800"/>
           </a:xfrm>
           <a:prstGeom prst="rect">
             <a:avLst/>
@@ -1081,8 +1084,8 @@
         </p:nvSpPr>
         <p:spPr>
           <a:xfrm>
-            <a:off x="504000" y="1769040"/>
-            <a:ext cx="4426560" cy="2090880"/>
+            <a:off x="504000" y="1768680"/>
+            <a:ext cx="4426920" cy="2090880"/>
           </a:xfrm>
           <a:prstGeom prst="rect">
             <a:avLst/>
@@ -1117,8 +1120,8 @@
         </p:nvSpPr>
         <p:spPr>
           <a:xfrm>
-            <a:off x="504000" y="4059000"/>
-            <a:ext cx="4426560" cy="2090880"/>
+            <a:off x="504000" y="4058640"/>
+            <a:ext cx="4426920" cy="2090880"/>
           </a:xfrm>
           <a:prstGeom prst="rect">
             <a:avLst/>
@@ -1153,8 +1156,8 @@
         </p:nvSpPr>
         <p:spPr>
           <a:xfrm>
-            <a:off x="5152320" y="1769040"/>
-            <a:ext cx="4426560" cy="4384080"/>
+            <a:off x="5152680" y="1768680"/>
+            <a:ext cx="4426920" cy="4384080"/>
           </a:xfrm>
           <a:prstGeom prst="rect">
             <a:avLst/>
@@ -1212,7 +1215,7 @@
         <p:spPr>
           <a:xfrm>
             <a:off x="504000" y="301320"/>
-            <a:ext cx="9071280" cy="1261800"/>
+            <a:ext cx="9072000" cy="1261800"/>
           </a:xfrm>
           <a:prstGeom prst="rect">
             <a:avLst/>
@@ -1248,8 +1251,8 @@
         </p:nvSpPr>
         <p:spPr>
           <a:xfrm>
-            <a:off x="504000" y="1769040"/>
-            <a:ext cx="9071280" cy="4384080"/>
+            <a:off x="504000" y="1768680"/>
+            <a:ext cx="9072000" cy="4384080"/>
           </a:xfrm>
           <a:prstGeom prst="rect">
             <a:avLst/>
@@ -1308,7 +1311,7 @@
         <p:spPr>
           <a:xfrm>
             <a:off x="504000" y="301320"/>
-            <a:ext cx="9071280" cy="1261800"/>
+            <a:ext cx="9072000" cy="1261800"/>
           </a:xfrm>
           <a:prstGeom prst="rect">
             <a:avLst/>
@@ -1344,8 +1347,8 @@
         </p:nvSpPr>
         <p:spPr>
           <a:xfrm>
-            <a:off x="504000" y="1769040"/>
-            <a:ext cx="4426560" cy="4384080"/>
+            <a:off x="504000" y="1768680"/>
+            <a:ext cx="4426920" cy="4384080"/>
           </a:xfrm>
           <a:prstGeom prst="rect">
             <a:avLst/>
@@ -1380,8 +1383,8 @@
         </p:nvSpPr>
         <p:spPr>
           <a:xfrm>
-            <a:off x="5152320" y="1769040"/>
-            <a:ext cx="4426560" cy="2090880"/>
+            <a:off x="5152680" y="1768680"/>
+            <a:ext cx="4426920" cy="2090880"/>
           </a:xfrm>
           <a:prstGeom prst="rect">
             <a:avLst/>
@@ -1416,8 +1419,8 @@
         </p:nvSpPr>
         <p:spPr>
           <a:xfrm>
-            <a:off x="5152320" y="4059000"/>
-            <a:ext cx="4426560" cy="2090880"/>
+            <a:off x="5152680" y="4058640"/>
+            <a:ext cx="4426920" cy="2090880"/>
           </a:xfrm>
           <a:prstGeom prst="rect">
             <a:avLst/>
@@ -1475,7 +1478,7 @@
         <p:spPr>
           <a:xfrm>
             <a:off x="504000" y="301320"/>
-            <a:ext cx="9071280" cy="1261800"/>
+            <a:ext cx="9072000" cy="1261800"/>
           </a:xfrm>
           <a:prstGeom prst="rect">
             <a:avLst/>
@@ -1511,8 +1514,8 @@
         </p:nvSpPr>
         <p:spPr>
           <a:xfrm>
-            <a:off x="504000" y="1769040"/>
-            <a:ext cx="4426560" cy="2090880"/>
+            <a:off x="504000" y="1768680"/>
+            <a:ext cx="4426920" cy="2090880"/>
           </a:xfrm>
           <a:prstGeom prst="rect">
             <a:avLst/>
@@ -1547,8 +1550,8 @@
         </p:nvSpPr>
         <p:spPr>
           <a:xfrm>
-            <a:off x="5152320" y="1769040"/>
-            <a:ext cx="4426560" cy="2090880"/>
+            <a:off x="5152680" y="1768680"/>
+            <a:ext cx="4426920" cy="2090880"/>
           </a:xfrm>
           <a:prstGeom prst="rect">
             <a:avLst/>
@@ -1583,8 +1586,8 @@
         </p:nvSpPr>
         <p:spPr>
           <a:xfrm>
-            <a:off x="504000" y="4059000"/>
-            <a:ext cx="9071280" cy="2090880"/>
+            <a:off x="504000" y="4058640"/>
+            <a:ext cx="9072000" cy="2090880"/>
           </a:xfrm>
           <a:prstGeom prst="rect">
             <a:avLst/>
@@ -1642,7 +1645,7 @@
         <p:spPr>
           <a:xfrm>
             <a:off x="504000" y="301320"/>
-            <a:ext cx="9071280" cy="1261800"/>
+            <a:ext cx="9072000" cy="1261800"/>
           </a:xfrm>
           <a:prstGeom prst="rect">
             <a:avLst/>
@@ -1678,8 +1681,8 @@
         </p:nvSpPr>
         <p:spPr>
           <a:xfrm>
-            <a:off x="504000" y="1769040"/>
-            <a:ext cx="9071280" cy="2090880"/>
+            <a:off x="504000" y="1768680"/>
+            <a:ext cx="9072000" cy="2090880"/>
           </a:xfrm>
           <a:prstGeom prst="rect">
             <a:avLst/>
@@ -1714,8 +1717,8 @@
         </p:nvSpPr>
         <p:spPr>
           <a:xfrm>
-            <a:off x="504000" y="4059000"/>
-            <a:ext cx="9071280" cy="2090880"/>
+            <a:off x="504000" y="4058640"/>
+            <a:ext cx="9072000" cy="2090880"/>
           </a:xfrm>
           <a:prstGeom prst="rect">
             <a:avLst/>
@@ -1773,7 +1776,7 @@
         <p:spPr>
           <a:xfrm>
             <a:off x="504000" y="301320"/>
-            <a:ext cx="9071280" cy="1261800"/>
+            <a:ext cx="9072000" cy="1261800"/>
           </a:xfrm>
           <a:prstGeom prst="rect">
             <a:avLst/>
@@ -1809,8 +1812,8 @@
         </p:nvSpPr>
         <p:spPr>
           <a:xfrm>
-            <a:off x="504000" y="1769040"/>
-            <a:ext cx="4426560" cy="2090880"/>
+            <a:off x="504000" y="1768680"/>
+            <a:ext cx="4426920" cy="2090880"/>
           </a:xfrm>
           <a:prstGeom prst="rect">
             <a:avLst/>
@@ -1845,8 +1848,8 @@
         </p:nvSpPr>
         <p:spPr>
           <a:xfrm>
-            <a:off x="5152320" y="1769040"/>
-            <a:ext cx="4426560" cy="2090880"/>
+            <a:off x="5152680" y="1768680"/>
+            <a:ext cx="4426920" cy="2090880"/>
           </a:xfrm>
           <a:prstGeom prst="rect">
             <a:avLst/>
@@ -1881,8 +1884,8 @@
         </p:nvSpPr>
         <p:spPr>
           <a:xfrm>
-            <a:off x="5152320" y="4059000"/>
-            <a:ext cx="4426560" cy="2090880"/>
+            <a:off x="5152680" y="4058640"/>
+            <a:ext cx="4426920" cy="2090880"/>
           </a:xfrm>
           <a:prstGeom prst="rect">
             <a:avLst/>
@@ -1917,8 +1920,8 @@
         </p:nvSpPr>
         <p:spPr>
           <a:xfrm>
-            <a:off x="504000" y="4059000"/>
-            <a:ext cx="4426560" cy="2090880"/>
+            <a:off x="504000" y="4058640"/>
+            <a:ext cx="4426920" cy="2090880"/>
           </a:xfrm>
           <a:prstGeom prst="rect">
             <a:avLst/>
@@ -1976,7 +1979,7 @@
         <p:spPr>
           <a:xfrm>
             <a:off x="504000" y="301320"/>
-            <a:ext cx="9071280" cy="1261800"/>
+            <a:ext cx="9072000" cy="1261800"/>
           </a:xfrm>
           <a:prstGeom prst="rect">
             <a:avLst/>
@@ -2012,8 +2015,8 @@
         </p:nvSpPr>
         <p:spPr>
           <a:xfrm>
-            <a:off x="504000" y="1769040"/>
-            <a:ext cx="9071280" cy="4384080"/>
+            <a:off x="504000" y="1768680"/>
+            <a:ext cx="9072000" cy="4384080"/>
           </a:xfrm>
           <a:prstGeom prst="rect">
             <a:avLst/>
@@ -2048,8 +2051,8 @@
         </p:nvSpPr>
         <p:spPr>
           <a:xfrm>
-            <a:off x="504000" y="1769040"/>
-            <a:ext cx="9071280" cy="4384080"/>
+            <a:off x="504000" y="1768680"/>
+            <a:ext cx="9072000" cy="4384080"/>
           </a:xfrm>
           <a:prstGeom prst="rect">
             <a:avLst/>
@@ -2084,7 +2087,7 @@
         </p:blipFill>
         <p:spPr>
           <a:xfrm>
-            <a:off x="2292120" y="1769040"/>
+            <a:off x="2292480" y="1768680"/>
             <a:ext cx="5494680" cy="4384080"/>
           </a:xfrm>
           <a:prstGeom prst="rect">
@@ -2107,7 +2110,7 @@
         </p:blipFill>
         <p:spPr>
           <a:xfrm>
-            <a:off x="2292120" y="1769040"/>
+            <a:off x="2292480" y="1768680"/>
             <a:ext cx="5494680" cy="4384080"/>
           </a:xfrm>
           <a:prstGeom prst="rect">
@@ -2175,7 +2178,7 @@
         <p:spPr>
           <a:xfrm>
             <a:off x="504000" y="301320"/>
-            <a:ext cx="9071280" cy="1261800"/>
+            <a:ext cx="9072000" cy="1261800"/>
           </a:xfrm>
           <a:prstGeom prst="rect">
             <a:avLst/>
@@ -2211,8 +2214,8 @@
         </p:nvSpPr>
         <p:spPr>
           <a:xfrm>
-            <a:off x="504000" y="1769040"/>
-            <a:ext cx="9071280" cy="4384080"/>
+            <a:off x="504000" y="1768680"/>
+            <a:ext cx="9072000" cy="4384080"/>
           </a:xfrm>
           <a:prstGeom prst="rect">
             <a:avLst/>
@@ -2271,7 +2274,7 @@
         <p:spPr>
           <a:xfrm>
             <a:off x="504000" y="301320"/>
-            <a:ext cx="9071280" cy="1261800"/>
+            <a:ext cx="9072000" cy="1261800"/>
           </a:xfrm>
           <a:prstGeom prst="rect">
             <a:avLst/>
@@ -2307,8 +2310,8 @@
         </p:nvSpPr>
         <p:spPr>
           <a:xfrm>
-            <a:off x="504000" y="1769040"/>
-            <a:ext cx="9071280" cy="4384080"/>
+            <a:off x="504000" y="1768680"/>
+            <a:ext cx="9072000" cy="4384080"/>
           </a:xfrm>
           <a:prstGeom prst="rect">
             <a:avLst/>
@@ -2366,7 +2369,7 @@
         <p:spPr>
           <a:xfrm>
             <a:off x="504000" y="301320"/>
-            <a:ext cx="9071280" cy="1261800"/>
+            <a:ext cx="9072000" cy="1261800"/>
           </a:xfrm>
           <a:prstGeom prst="rect">
             <a:avLst/>
@@ -2402,8 +2405,8 @@
         </p:nvSpPr>
         <p:spPr>
           <a:xfrm>
-            <a:off x="504000" y="1769040"/>
-            <a:ext cx="4426560" cy="4384080"/>
+            <a:off x="504000" y="1768680"/>
+            <a:ext cx="4426920" cy="4384080"/>
           </a:xfrm>
           <a:prstGeom prst="rect">
             <a:avLst/>
@@ -2438,8 +2441,8 @@
         </p:nvSpPr>
         <p:spPr>
           <a:xfrm>
-            <a:off x="5152320" y="1769040"/>
-            <a:ext cx="4426560" cy="4384080"/>
+            <a:off x="5152680" y="1768680"/>
+            <a:ext cx="4426920" cy="4384080"/>
           </a:xfrm>
           <a:prstGeom prst="rect">
             <a:avLst/>
@@ -2497,7 +2500,7 @@
         <p:spPr>
           <a:xfrm>
             <a:off x="504000" y="301320"/>
-            <a:ext cx="9071280" cy="1261800"/>
+            <a:ext cx="9072000" cy="1261800"/>
           </a:xfrm>
           <a:prstGeom prst="rect">
             <a:avLst/>
@@ -2556,7 +2559,7 @@
         <p:spPr>
           <a:xfrm>
             <a:off x="504000" y="301320"/>
-            <a:ext cx="9071280" cy="1261800"/>
+            <a:ext cx="9072000" cy="1261800"/>
           </a:xfrm>
           <a:prstGeom prst="rect">
             <a:avLst/>
@@ -2592,8 +2595,8 @@
         </p:nvSpPr>
         <p:spPr>
           <a:xfrm>
-            <a:off x="504000" y="1769040"/>
-            <a:ext cx="9071280" cy="4384080"/>
+            <a:off x="504000" y="1768680"/>
+            <a:ext cx="9072000" cy="4384080"/>
           </a:xfrm>
           <a:prstGeom prst="rect">
             <a:avLst/>
@@ -2651,7 +2654,7 @@
         <p:spPr>
           <a:xfrm>
             <a:off x="504000" y="301320"/>
-            <a:ext cx="9071280" cy="5850360"/>
+            <a:ext cx="9072000" cy="5850360"/>
           </a:xfrm>
           <a:prstGeom prst="rect">
             <a:avLst/>
@@ -2710,7 +2713,7 @@
         <p:spPr>
           <a:xfrm>
             <a:off x="504000" y="301320"/>
-            <a:ext cx="9071280" cy="1261800"/>
+            <a:ext cx="9072000" cy="1261800"/>
           </a:xfrm>
           <a:prstGeom prst="rect">
             <a:avLst/>
@@ -2746,8 +2749,8 @@
         </p:nvSpPr>
         <p:spPr>
           <a:xfrm>
-            <a:off x="504000" y="1769040"/>
-            <a:ext cx="4426560" cy="2090880"/>
+            <a:off x="504000" y="1768680"/>
+            <a:ext cx="4426920" cy="2090880"/>
           </a:xfrm>
           <a:prstGeom prst="rect">
             <a:avLst/>
@@ -2782,8 +2785,8 @@
         </p:nvSpPr>
         <p:spPr>
           <a:xfrm>
-            <a:off x="504000" y="4059000"/>
-            <a:ext cx="4426560" cy="2090880"/>
+            <a:off x="504000" y="4058640"/>
+            <a:ext cx="4426920" cy="2090880"/>
           </a:xfrm>
           <a:prstGeom prst="rect">
             <a:avLst/>
@@ -2818,8 +2821,8 @@
         </p:nvSpPr>
         <p:spPr>
           <a:xfrm>
-            <a:off x="5152320" y="1769040"/>
-            <a:ext cx="4426560" cy="4384080"/>
+            <a:off x="5152680" y="1768680"/>
+            <a:ext cx="4426920" cy="4384080"/>
           </a:xfrm>
           <a:prstGeom prst="rect">
             <a:avLst/>
@@ -2877,7 +2880,7 @@
         <p:spPr>
           <a:xfrm>
             <a:off x="504000" y="301320"/>
-            <a:ext cx="9071280" cy="1261800"/>
+            <a:ext cx="9072000" cy="1261800"/>
           </a:xfrm>
           <a:prstGeom prst="rect">
             <a:avLst/>
@@ -2913,8 +2916,8 @@
         </p:nvSpPr>
         <p:spPr>
           <a:xfrm>
-            <a:off x="504000" y="1769040"/>
-            <a:ext cx="4426560" cy="4384080"/>
+            <a:off x="504000" y="1768680"/>
+            <a:ext cx="4426920" cy="4384080"/>
           </a:xfrm>
           <a:prstGeom prst="rect">
             <a:avLst/>
@@ -2949,8 +2952,8 @@
         </p:nvSpPr>
         <p:spPr>
           <a:xfrm>
-            <a:off x="5152320" y="1769040"/>
-            <a:ext cx="4426560" cy="2090880"/>
+            <a:off x="5152680" y="1768680"/>
+            <a:ext cx="4426920" cy="2090880"/>
           </a:xfrm>
           <a:prstGeom prst="rect">
             <a:avLst/>
@@ -2985,8 +2988,8 @@
         </p:nvSpPr>
         <p:spPr>
           <a:xfrm>
-            <a:off x="5152320" y="4059000"/>
-            <a:ext cx="4426560" cy="2090880"/>
+            <a:off x="5152680" y="4058640"/>
+            <a:ext cx="4426920" cy="2090880"/>
           </a:xfrm>
           <a:prstGeom prst="rect">
             <a:avLst/>
@@ -3044,7 +3047,7 @@
         <p:spPr>
           <a:xfrm>
             <a:off x="504000" y="301320"/>
-            <a:ext cx="9071280" cy="1261800"/>
+            <a:ext cx="9072000" cy="1261800"/>
           </a:xfrm>
           <a:prstGeom prst="rect">
             <a:avLst/>
@@ -3080,8 +3083,8 @@
         </p:nvSpPr>
         <p:spPr>
           <a:xfrm>
-            <a:off x="504000" y="1769040"/>
-            <a:ext cx="4426560" cy="2090880"/>
+            <a:off x="504000" y="1768680"/>
+            <a:ext cx="4426920" cy="2090880"/>
           </a:xfrm>
           <a:prstGeom prst="rect">
             <a:avLst/>
@@ -3116,8 +3119,8 @@
         </p:nvSpPr>
         <p:spPr>
           <a:xfrm>
-            <a:off x="5152320" y="1769040"/>
-            <a:ext cx="4426560" cy="2090880"/>
+            <a:off x="5152680" y="1768680"/>
+            <a:ext cx="4426920" cy="2090880"/>
           </a:xfrm>
           <a:prstGeom prst="rect">
             <a:avLst/>
@@ -3152,8 +3155,8 @@
         </p:nvSpPr>
         <p:spPr>
           <a:xfrm>
-            <a:off x="504000" y="4059000"/>
-            <a:ext cx="9071280" cy="2090880"/>
+            <a:off x="504000" y="4058640"/>
+            <a:ext cx="9072000" cy="2090880"/>
           </a:xfrm>
           <a:prstGeom prst="rect">
             <a:avLst/>
@@ -3211,7 +3214,7 @@
         <p:spPr>
           <a:xfrm>
             <a:off x="504000" y="301320"/>
-            <a:ext cx="9071280" cy="1261800"/>
+            <a:ext cx="9072000" cy="1261800"/>
           </a:xfrm>
           <a:prstGeom prst="rect">
             <a:avLst/>
@@ -3247,8 +3250,8 @@
         </p:nvSpPr>
         <p:spPr>
           <a:xfrm>
-            <a:off x="504000" y="1769040"/>
-            <a:ext cx="9071280" cy="2090880"/>
+            <a:off x="504000" y="1768680"/>
+            <a:ext cx="9072000" cy="2090880"/>
           </a:xfrm>
           <a:prstGeom prst="rect">
             <a:avLst/>
@@ -3283,8 +3286,8 @@
         </p:nvSpPr>
         <p:spPr>
           <a:xfrm>
-            <a:off x="504000" y="4059000"/>
-            <a:ext cx="9071280" cy="2090880"/>
+            <a:off x="504000" y="4058640"/>
+            <a:ext cx="9072000" cy="2090880"/>
           </a:xfrm>
           <a:prstGeom prst="rect">
             <a:avLst/>
@@ -3342,7 +3345,7 @@
         <p:spPr>
           <a:xfrm>
             <a:off x="504000" y="301320"/>
-            <a:ext cx="9071280" cy="1261800"/>
+            <a:ext cx="9072000" cy="1261800"/>
           </a:xfrm>
           <a:prstGeom prst="rect">
             <a:avLst/>
@@ -3378,8 +3381,8 @@
         </p:nvSpPr>
         <p:spPr>
           <a:xfrm>
-            <a:off x="504000" y="1769040"/>
-            <a:ext cx="4426560" cy="2090880"/>
+            <a:off x="504000" y="1768680"/>
+            <a:ext cx="4426920" cy="2090880"/>
           </a:xfrm>
           <a:prstGeom prst="rect">
             <a:avLst/>
@@ -3414,8 +3417,8 @@
         </p:nvSpPr>
         <p:spPr>
           <a:xfrm>
-            <a:off x="5152320" y="1769040"/>
-            <a:ext cx="4426560" cy="2090880"/>
+            <a:off x="5152680" y="1768680"/>
+            <a:ext cx="4426920" cy="2090880"/>
           </a:xfrm>
           <a:prstGeom prst="rect">
             <a:avLst/>
@@ -3450,8 +3453,8 @@
         </p:nvSpPr>
         <p:spPr>
           <a:xfrm>
-            <a:off x="5152320" y="4059000"/>
-            <a:ext cx="4426560" cy="2090880"/>
+            <a:off x="5152680" y="4058640"/>
+            <a:ext cx="4426920" cy="2090880"/>
           </a:xfrm>
           <a:prstGeom prst="rect">
             <a:avLst/>
@@ -3486,8 +3489,8 @@
         </p:nvSpPr>
         <p:spPr>
           <a:xfrm>
-            <a:off x="504000" y="4059000"/>
-            <a:ext cx="4426560" cy="2090880"/>
+            <a:off x="504000" y="4058640"/>
+            <a:ext cx="4426920" cy="2090880"/>
           </a:xfrm>
           <a:prstGeom prst="rect">
             <a:avLst/>
@@ -3545,7 +3548,7 @@
         <p:spPr>
           <a:xfrm>
             <a:off x="504000" y="301320"/>
-            <a:ext cx="9071280" cy="1261800"/>
+            <a:ext cx="9072000" cy="1261800"/>
           </a:xfrm>
           <a:prstGeom prst="rect">
             <a:avLst/>
@@ -3581,8 +3584,8 @@
         </p:nvSpPr>
         <p:spPr>
           <a:xfrm>
-            <a:off x="504000" y="1769040"/>
-            <a:ext cx="9071280" cy="4384080"/>
+            <a:off x="504000" y="1768680"/>
+            <a:ext cx="9072000" cy="4384080"/>
           </a:xfrm>
           <a:prstGeom prst="rect">
             <a:avLst/>
@@ -3617,8 +3620,8 @@
         </p:nvSpPr>
         <p:spPr>
           <a:xfrm>
-            <a:off x="504000" y="1769040"/>
-            <a:ext cx="9071280" cy="4384080"/>
+            <a:off x="504000" y="1768680"/>
+            <a:ext cx="9072000" cy="4384080"/>
           </a:xfrm>
           <a:prstGeom prst="rect">
             <a:avLst/>
@@ -3653,7 +3656,7 @@
         </p:blipFill>
         <p:spPr>
           <a:xfrm>
-            <a:off x="2292120" y="1769040"/>
+            <a:off x="2292480" y="1768680"/>
             <a:ext cx="5494680" cy="4384080"/>
           </a:xfrm>
           <a:prstGeom prst="rect">
@@ -3676,7 +3679,7 @@
         </p:blipFill>
         <p:spPr>
           <a:xfrm>
-            <a:off x="2292120" y="1769040"/>
+            <a:off x="2292480" y="1768680"/>
             <a:ext cx="5494680" cy="4384080"/>
           </a:xfrm>
           <a:prstGeom prst="rect">
@@ -3687,6 +3690,219 @@
           </a:ln>
         </p:spPr>
       </p:pic>
+    </p:spTree>
+  </p:cSld>
+</p:sldLayout>
+</file>
+
+<file path=ppt/slideLayouts/slideLayout37.xml><?xml version="1.0" encoding="utf-8"?>
+<p:sldLayout xmlns:a="http://schemas.openxmlformats.org/drawingml/2006/main" xmlns:p="http://schemas.openxmlformats.org/presentationml/2006/main" xmlns:r="http://schemas.openxmlformats.org/officeDocument/2006/relationships" xmlns:p14="http://schemas.microsoft.com/office/powerpoint/2010/main" xmlns:p15="http://schemas.microsoft.com/office/powerpoint/2012/main" xmlns:mc="http://schemas.openxmlformats.org/markup-compatibility/2006" type="blank" preserve="1">
+  <p:cSld name="Blank Slide">
+    <p:spTree>
+      <p:nvGrpSpPr>
+        <p:cNvPr id="1" name=""/>
+        <p:cNvGrpSpPr/>
+        <p:nvPr/>
+      </p:nvGrpSpPr>
+      <p:grpSpPr>
+        <a:xfrm>
+          <a:off x="0" y="0"/>
+          <a:ext cx="0" cy="0"/>
+          <a:chOff x="0" y="0"/>
+          <a:chExt cx="0" cy="0"/>
+        </a:xfrm>
+      </p:grpSpPr>
+    </p:spTree>
+  </p:cSld>
+</p:sldLayout>
+</file>
+
+<file path=ppt/slideLayouts/slideLayout38.xml><?xml version="1.0" encoding="utf-8"?>
+<p:sldLayout xmlns:a="http://schemas.openxmlformats.org/drawingml/2006/main" xmlns:p="http://schemas.openxmlformats.org/presentationml/2006/main" xmlns:r="http://schemas.openxmlformats.org/officeDocument/2006/relationships" xmlns:p14="http://schemas.microsoft.com/office/powerpoint/2010/main" xmlns:p15="http://schemas.microsoft.com/office/powerpoint/2012/main" xmlns:mc="http://schemas.openxmlformats.org/markup-compatibility/2006" type="tx" preserve="1">
+  <p:cSld name="Title Slide">
+    <p:spTree>
+      <p:nvGrpSpPr>
+        <p:cNvPr id="1" name=""/>
+        <p:cNvGrpSpPr/>
+        <p:nvPr/>
+      </p:nvGrpSpPr>
+      <p:grpSpPr>
+        <a:xfrm>
+          <a:off x="0" y="0"/>
+          <a:ext cx="0" cy="0"/>
+          <a:chOff x="0" y="0"/>
+          <a:chExt cx="0" cy="0"/>
+        </a:xfrm>
+      </p:grpSpPr>
+      <p:sp>
+        <p:nvSpPr>
+          <p:cNvPr id="110" name="PlaceHolder 1"/>
+          <p:cNvSpPr>
+            <a:spLocks noGrp="1"/>
+          </p:cNvSpPr>
+          <p:nvPr>
+            <p:ph type="title"/>
+          </p:nvPr>
+        </p:nvSpPr>
+        <p:spPr>
+          <a:xfrm>
+            <a:off x="504000" y="301320"/>
+            <a:ext cx="9072000" cy="1261800"/>
+          </a:xfrm>
+          <a:prstGeom prst="rect">
+            <a:avLst/>
+          </a:prstGeom>
+        </p:spPr>
+        <p:txBody>
+          <a:bodyPr lIns="0" rIns="0" tIns="0" bIns="0" anchor="ctr"/>
+          <a:p>
+            <a:pPr algn="ctr"/>
+            <a:endParaRPr b="0" lang="en-US" sz="4400" spc="-1" strike="noStrike">
+              <a:solidFill>
+                <a:srgbClr val="000000"/>
+              </a:solidFill>
+              <a:uFill>
+                <a:solidFill>
+                  <a:srgbClr val="ffffff"/>
+                </a:solidFill>
+              </a:uFill>
+              <a:latin typeface="Arial"/>
+            </a:endParaRPr>
+          </a:p>
+        </p:txBody>
+      </p:sp>
+      <p:sp>
+        <p:nvSpPr>
+          <p:cNvPr id="111" name="PlaceHolder 2"/>
+          <p:cNvSpPr>
+            <a:spLocks noGrp="1"/>
+          </p:cNvSpPr>
+          <p:nvPr>
+            <p:ph type="subTitle"/>
+          </p:nvPr>
+        </p:nvSpPr>
+        <p:spPr>
+          <a:xfrm>
+            <a:off x="504000" y="1768680"/>
+            <a:ext cx="9072000" cy="4384080"/>
+          </a:xfrm>
+          <a:prstGeom prst="rect">
+            <a:avLst/>
+          </a:prstGeom>
+        </p:spPr>
+        <p:txBody>
+          <a:bodyPr lIns="0" rIns="0" tIns="0" bIns="0" anchor="ctr"/>
+          <a:p>
+            <a:pPr algn="ctr"/>
+            <a:endParaRPr b="0" lang="en-US" sz="3200" spc="-1" strike="noStrike">
+              <a:solidFill>
+                <a:srgbClr val="000000"/>
+              </a:solidFill>
+              <a:uFill>
+                <a:solidFill>
+                  <a:srgbClr val="ffffff"/>
+                </a:solidFill>
+              </a:uFill>
+              <a:latin typeface="Arial"/>
+            </a:endParaRPr>
+          </a:p>
+        </p:txBody>
+      </p:sp>
+    </p:spTree>
+  </p:cSld>
+</p:sldLayout>
+</file>
+
+<file path=ppt/slideLayouts/slideLayout39.xml><?xml version="1.0" encoding="utf-8"?>
+<p:sldLayout xmlns:a="http://schemas.openxmlformats.org/drawingml/2006/main" xmlns:p="http://schemas.openxmlformats.org/presentationml/2006/main" xmlns:r="http://schemas.openxmlformats.org/officeDocument/2006/relationships" xmlns:p14="http://schemas.microsoft.com/office/powerpoint/2010/main" xmlns:p15="http://schemas.microsoft.com/office/powerpoint/2012/main" xmlns:mc="http://schemas.openxmlformats.org/markup-compatibility/2006" type="obj" preserve="1">
+  <p:cSld name="Title, Content">
+    <p:spTree>
+      <p:nvGrpSpPr>
+        <p:cNvPr id="1" name=""/>
+        <p:cNvGrpSpPr/>
+        <p:nvPr/>
+      </p:nvGrpSpPr>
+      <p:grpSpPr>
+        <a:xfrm>
+          <a:off x="0" y="0"/>
+          <a:ext cx="0" cy="0"/>
+          <a:chOff x="0" y="0"/>
+          <a:chExt cx="0" cy="0"/>
+        </a:xfrm>
+      </p:grpSpPr>
+      <p:sp>
+        <p:nvSpPr>
+          <p:cNvPr id="112" name="PlaceHolder 1"/>
+          <p:cNvSpPr>
+            <a:spLocks noGrp="1"/>
+          </p:cNvSpPr>
+          <p:nvPr>
+            <p:ph type="title"/>
+          </p:nvPr>
+        </p:nvSpPr>
+        <p:spPr>
+          <a:xfrm>
+            <a:off x="504000" y="301320"/>
+            <a:ext cx="9072000" cy="1261800"/>
+          </a:xfrm>
+          <a:prstGeom prst="rect">
+            <a:avLst/>
+          </a:prstGeom>
+        </p:spPr>
+        <p:txBody>
+          <a:bodyPr lIns="0" rIns="0" tIns="0" bIns="0" anchor="ctr"/>
+          <a:p>
+            <a:pPr algn="ctr"/>
+            <a:endParaRPr b="0" lang="en-US" sz="4400" spc="-1" strike="noStrike">
+              <a:solidFill>
+                <a:srgbClr val="000000"/>
+              </a:solidFill>
+              <a:uFill>
+                <a:solidFill>
+                  <a:srgbClr val="ffffff"/>
+                </a:solidFill>
+              </a:uFill>
+              <a:latin typeface="Arial"/>
+            </a:endParaRPr>
+          </a:p>
+        </p:txBody>
+      </p:sp>
+      <p:sp>
+        <p:nvSpPr>
+          <p:cNvPr id="113" name="PlaceHolder 2"/>
+          <p:cNvSpPr>
+            <a:spLocks noGrp="1"/>
+          </p:cNvSpPr>
+          <p:nvPr>
+            <p:ph type="body"/>
+          </p:nvPr>
+        </p:nvSpPr>
+        <p:spPr>
+          <a:xfrm>
+            <a:off x="504000" y="1768680"/>
+            <a:ext cx="9072000" cy="4384080"/>
+          </a:xfrm>
+          <a:prstGeom prst="rect">
+            <a:avLst/>
+          </a:prstGeom>
+        </p:spPr>
+        <p:txBody>
+          <a:bodyPr lIns="0" rIns="0" tIns="0" bIns="0"/>
+          <a:p>
+            <a:endParaRPr b="0" lang="en-US" sz="3200" spc="-1" strike="noStrike">
+              <a:solidFill>
+                <a:srgbClr val="000000"/>
+              </a:solidFill>
+              <a:uFill>
+                <a:solidFill>
+                  <a:srgbClr val="ffffff"/>
+                </a:solidFill>
+              </a:uFill>
+              <a:latin typeface="Arial"/>
+            </a:endParaRPr>
+          </a:p>
+        </p:txBody>
+      </p:sp>
     </p:spTree>
   </p:cSld>
 </p:sldLayout>
@@ -3722,7 +3938,7 @@
         <p:spPr>
           <a:xfrm>
             <a:off x="504000" y="301320"/>
-            <a:ext cx="9071280" cy="1261800"/>
+            <a:ext cx="9072000" cy="1261800"/>
           </a:xfrm>
           <a:prstGeom prst="rect">
             <a:avLst/>
@@ -3758,8 +3974,8 @@
         </p:nvSpPr>
         <p:spPr>
           <a:xfrm>
-            <a:off x="504000" y="1769040"/>
-            <a:ext cx="4426560" cy="4384080"/>
+            <a:off x="504000" y="1768680"/>
+            <a:ext cx="4426920" cy="4384080"/>
           </a:xfrm>
           <a:prstGeom prst="rect">
             <a:avLst/>
@@ -3794,8 +4010,8 @@
         </p:nvSpPr>
         <p:spPr>
           <a:xfrm>
-            <a:off x="5152320" y="1769040"/>
-            <a:ext cx="4426560" cy="4384080"/>
+            <a:off x="5152680" y="1768680"/>
+            <a:ext cx="4426920" cy="4384080"/>
           </a:xfrm>
           <a:prstGeom prst="rect">
             <a:avLst/>
@@ -3818,6 +4034,1267 @@
           </a:p>
         </p:txBody>
       </p:sp>
+    </p:spTree>
+  </p:cSld>
+</p:sldLayout>
+</file>
+
+<file path=ppt/slideLayouts/slideLayout40.xml><?xml version="1.0" encoding="utf-8"?>
+<p:sldLayout xmlns:a="http://schemas.openxmlformats.org/drawingml/2006/main" xmlns:p="http://schemas.openxmlformats.org/presentationml/2006/main" xmlns:r="http://schemas.openxmlformats.org/officeDocument/2006/relationships" xmlns:p14="http://schemas.microsoft.com/office/powerpoint/2010/main" xmlns:p15="http://schemas.microsoft.com/office/powerpoint/2012/main" xmlns:mc="http://schemas.openxmlformats.org/markup-compatibility/2006" type="twoObj" preserve="1">
+  <p:cSld name="Title, 2 Content">
+    <p:spTree>
+      <p:nvGrpSpPr>
+        <p:cNvPr id="1" name=""/>
+        <p:cNvGrpSpPr/>
+        <p:nvPr/>
+      </p:nvGrpSpPr>
+      <p:grpSpPr>
+        <a:xfrm>
+          <a:off x="0" y="0"/>
+          <a:ext cx="0" cy="0"/>
+          <a:chOff x="0" y="0"/>
+          <a:chExt cx="0" cy="0"/>
+        </a:xfrm>
+      </p:grpSpPr>
+      <p:sp>
+        <p:nvSpPr>
+          <p:cNvPr id="114" name="PlaceHolder 1"/>
+          <p:cNvSpPr>
+            <a:spLocks noGrp="1"/>
+          </p:cNvSpPr>
+          <p:nvPr>
+            <p:ph type="title"/>
+          </p:nvPr>
+        </p:nvSpPr>
+        <p:spPr>
+          <a:xfrm>
+            <a:off x="504000" y="301320"/>
+            <a:ext cx="9072000" cy="1261800"/>
+          </a:xfrm>
+          <a:prstGeom prst="rect">
+            <a:avLst/>
+          </a:prstGeom>
+        </p:spPr>
+        <p:txBody>
+          <a:bodyPr lIns="0" rIns="0" tIns="0" bIns="0" anchor="ctr"/>
+          <a:p>
+            <a:pPr algn="ctr"/>
+            <a:endParaRPr b="0" lang="en-US" sz="4400" spc="-1" strike="noStrike">
+              <a:solidFill>
+                <a:srgbClr val="000000"/>
+              </a:solidFill>
+              <a:uFill>
+                <a:solidFill>
+                  <a:srgbClr val="ffffff"/>
+                </a:solidFill>
+              </a:uFill>
+              <a:latin typeface="Arial"/>
+            </a:endParaRPr>
+          </a:p>
+        </p:txBody>
+      </p:sp>
+      <p:sp>
+        <p:nvSpPr>
+          <p:cNvPr id="115" name="PlaceHolder 2"/>
+          <p:cNvSpPr>
+            <a:spLocks noGrp="1"/>
+          </p:cNvSpPr>
+          <p:nvPr>
+            <p:ph type="body"/>
+          </p:nvPr>
+        </p:nvSpPr>
+        <p:spPr>
+          <a:xfrm>
+            <a:off x="504000" y="1768680"/>
+            <a:ext cx="4426920" cy="4384080"/>
+          </a:xfrm>
+          <a:prstGeom prst="rect">
+            <a:avLst/>
+          </a:prstGeom>
+        </p:spPr>
+        <p:txBody>
+          <a:bodyPr lIns="0" rIns="0" tIns="0" bIns="0"/>
+          <a:p>
+            <a:endParaRPr b="0" lang="en-US" sz="3200" spc="-1" strike="noStrike">
+              <a:solidFill>
+                <a:srgbClr val="000000"/>
+              </a:solidFill>
+              <a:uFill>
+                <a:solidFill>
+                  <a:srgbClr val="ffffff"/>
+                </a:solidFill>
+              </a:uFill>
+              <a:latin typeface="Arial"/>
+            </a:endParaRPr>
+          </a:p>
+        </p:txBody>
+      </p:sp>
+      <p:sp>
+        <p:nvSpPr>
+          <p:cNvPr id="116" name="PlaceHolder 3"/>
+          <p:cNvSpPr>
+            <a:spLocks noGrp="1"/>
+          </p:cNvSpPr>
+          <p:nvPr>
+            <p:ph type="body"/>
+          </p:nvPr>
+        </p:nvSpPr>
+        <p:spPr>
+          <a:xfrm>
+            <a:off x="5152680" y="1768680"/>
+            <a:ext cx="4426920" cy="4384080"/>
+          </a:xfrm>
+          <a:prstGeom prst="rect">
+            <a:avLst/>
+          </a:prstGeom>
+        </p:spPr>
+        <p:txBody>
+          <a:bodyPr lIns="0" rIns="0" tIns="0" bIns="0"/>
+          <a:p>
+            <a:endParaRPr b="0" lang="en-US" sz="3200" spc="-1" strike="noStrike">
+              <a:solidFill>
+                <a:srgbClr val="000000"/>
+              </a:solidFill>
+              <a:uFill>
+                <a:solidFill>
+                  <a:srgbClr val="ffffff"/>
+                </a:solidFill>
+              </a:uFill>
+              <a:latin typeface="Arial"/>
+            </a:endParaRPr>
+          </a:p>
+        </p:txBody>
+      </p:sp>
+    </p:spTree>
+  </p:cSld>
+</p:sldLayout>
+</file>
+
+<file path=ppt/slideLayouts/slideLayout41.xml><?xml version="1.0" encoding="utf-8"?>
+<p:sldLayout xmlns:a="http://schemas.openxmlformats.org/drawingml/2006/main" xmlns:p="http://schemas.openxmlformats.org/presentationml/2006/main" xmlns:r="http://schemas.openxmlformats.org/officeDocument/2006/relationships" xmlns:p14="http://schemas.microsoft.com/office/powerpoint/2010/main" xmlns:p15="http://schemas.microsoft.com/office/powerpoint/2012/main" xmlns:mc="http://schemas.openxmlformats.org/markup-compatibility/2006" type="titleOnly" preserve="1">
+  <p:cSld name="Title Only">
+    <p:spTree>
+      <p:nvGrpSpPr>
+        <p:cNvPr id="1" name=""/>
+        <p:cNvGrpSpPr/>
+        <p:nvPr/>
+      </p:nvGrpSpPr>
+      <p:grpSpPr>
+        <a:xfrm>
+          <a:off x="0" y="0"/>
+          <a:ext cx="0" cy="0"/>
+          <a:chOff x="0" y="0"/>
+          <a:chExt cx="0" cy="0"/>
+        </a:xfrm>
+      </p:grpSpPr>
+      <p:sp>
+        <p:nvSpPr>
+          <p:cNvPr id="117" name="PlaceHolder 1"/>
+          <p:cNvSpPr>
+            <a:spLocks noGrp="1"/>
+          </p:cNvSpPr>
+          <p:nvPr>
+            <p:ph type="title"/>
+          </p:nvPr>
+        </p:nvSpPr>
+        <p:spPr>
+          <a:xfrm>
+            <a:off x="504000" y="301320"/>
+            <a:ext cx="9072000" cy="1261800"/>
+          </a:xfrm>
+          <a:prstGeom prst="rect">
+            <a:avLst/>
+          </a:prstGeom>
+        </p:spPr>
+        <p:txBody>
+          <a:bodyPr lIns="0" rIns="0" tIns="0" bIns="0" anchor="ctr"/>
+          <a:p>
+            <a:pPr algn="ctr"/>
+            <a:endParaRPr b="0" lang="en-US" sz="4400" spc="-1" strike="noStrike">
+              <a:solidFill>
+                <a:srgbClr val="000000"/>
+              </a:solidFill>
+              <a:uFill>
+                <a:solidFill>
+                  <a:srgbClr val="ffffff"/>
+                </a:solidFill>
+              </a:uFill>
+              <a:latin typeface="Arial"/>
+            </a:endParaRPr>
+          </a:p>
+        </p:txBody>
+      </p:sp>
+    </p:spTree>
+  </p:cSld>
+</p:sldLayout>
+</file>
+
+<file path=ppt/slideLayouts/slideLayout42.xml><?xml version="1.0" encoding="utf-8"?>
+<p:sldLayout xmlns:a="http://schemas.openxmlformats.org/drawingml/2006/main" xmlns:p="http://schemas.openxmlformats.org/presentationml/2006/main" xmlns:r="http://schemas.openxmlformats.org/officeDocument/2006/relationships" xmlns:p14="http://schemas.microsoft.com/office/powerpoint/2010/main" xmlns:p15="http://schemas.microsoft.com/office/powerpoint/2012/main" xmlns:mc="http://schemas.openxmlformats.org/markup-compatibility/2006" type="objOnly" preserve="1">
+  <p:cSld name="Centered Text">
+    <p:spTree>
+      <p:nvGrpSpPr>
+        <p:cNvPr id="1" name=""/>
+        <p:cNvGrpSpPr/>
+        <p:nvPr/>
+      </p:nvGrpSpPr>
+      <p:grpSpPr>
+        <a:xfrm>
+          <a:off x="0" y="0"/>
+          <a:ext cx="0" cy="0"/>
+          <a:chOff x="0" y="0"/>
+          <a:chExt cx="0" cy="0"/>
+        </a:xfrm>
+      </p:grpSpPr>
+      <p:sp>
+        <p:nvSpPr>
+          <p:cNvPr id="118" name="PlaceHolder 1"/>
+          <p:cNvSpPr>
+            <a:spLocks noGrp="1"/>
+          </p:cNvSpPr>
+          <p:nvPr>
+            <p:ph type="subTitle"/>
+          </p:nvPr>
+        </p:nvSpPr>
+        <p:spPr>
+          <a:xfrm>
+            <a:off x="504000" y="301320"/>
+            <a:ext cx="9072000" cy="5850360"/>
+          </a:xfrm>
+          <a:prstGeom prst="rect">
+            <a:avLst/>
+          </a:prstGeom>
+        </p:spPr>
+        <p:txBody>
+          <a:bodyPr lIns="0" rIns="0" tIns="0" bIns="0" anchor="ctr"/>
+          <a:p>
+            <a:pPr algn="ctr"/>
+            <a:endParaRPr b="0" lang="en-US" sz="3200" spc="-1" strike="noStrike">
+              <a:solidFill>
+                <a:srgbClr val="000000"/>
+              </a:solidFill>
+              <a:uFill>
+                <a:solidFill>
+                  <a:srgbClr val="ffffff"/>
+                </a:solidFill>
+              </a:uFill>
+              <a:latin typeface="Arial"/>
+            </a:endParaRPr>
+          </a:p>
+        </p:txBody>
+      </p:sp>
+    </p:spTree>
+  </p:cSld>
+</p:sldLayout>
+</file>
+
+<file path=ppt/slideLayouts/slideLayout43.xml><?xml version="1.0" encoding="utf-8"?>
+<p:sldLayout xmlns:a="http://schemas.openxmlformats.org/drawingml/2006/main" xmlns:p="http://schemas.openxmlformats.org/presentationml/2006/main" xmlns:r="http://schemas.openxmlformats.org/officeDocument/2006/relationships" xmlns:p14="http://schemas.microsoft.com/office/powerpoint/2010/main" xmlns:p15="http://schemas.microsoft.com/office/powerpoint/2012/main" xmlns:mc="http://schemas.openxmlformats.org/markup-compatibility/2006" type="twoObjAndObj" preserve="1">
+  <p:cSld name="Title, 2 Content and Content">
+    <p:spTree>
+      <p:nvGrpSpPr>
+        <p:cNvPr id="1" name=""/>
+        <p:cNvGrpSpPr/>
+        <p:nvPr/>
+      </p:nvGrpSpPr>
+      <p:grpSpPr>
+        <a:xfrm>
+          <a:off x="0" y="0"/>
+          <a:ext cx="0" cy="0"/>
+          <a:chOff x="0" y="0"/>
+          <a:chExt cx="0" cy="0"/>
+        </a:xfrm>
+      </p:grpSpPr>
+      <p:sp>
+        <p:nvSpPr>
+          <p:cNvPr id="119" name="PlaceHolder 1"/>
+          <p:cNvSpPr>
+            <a:spLocks noGrp="1"/>
+          </p:cNvSpPr>
+          <p:nvPr>
+            <p:ph type="title"/>
+          </p:nvPr>
+        </p:nvSpPr>
+        <p:spPr>
+          <a:xfrm>
+            <a:off x="504000" y="301320"/>
+            <a:ext cx="9072000" cy="1261800"/>
+          </a:xfrm>
+          <a:prstGeom prst="rect">
+            <a:avLst/>
+          </a:prstGeom>
+        </p:spPr>
+        <p:txBody>
+          <a:bodyPr lIns="0" rIns="0" tIns="0" bIns="0" anchor="ctr"/>
+          <a:p>
+            <a:pPr algn="ctr"/>
+            <a:endParaRPr b="0" lang="en-US" sz="4400" spc="-1" strike="noStrike">
+              <a:solidFill>
+                <a:srgbClr val="000000"/>
+              </a:solidFill>
+              <a:uFill>
+                <a:solidFill>
+                  <a:srgbClr val="ffffff"/>
+                </a:solidFill>
+              </a:uFill>
+              <a:latin typeface="Arial"/>
+            </a:endParaRPr>
+          </a:p>
+        </p:txBody>
+      </p:sp>
+      <p:sp>
+        <p:nvSpPr>
+          <p:cNvPr id="120" name="PlaceHolder 2"/>
+          <p:cNvSpPr>
+            <a:spLocks noGrp="1"/>
+          </p:cNvSpPr>
+          <p:nvPr>
+            <p:ph type="body"/>
+          </p:nvPr>
+        </p:nvSpPr>
+        <p:spPr>
+          <a:xfrm>
+            <a:off x="504000" y="1768680"/>
+            <a:ext cx="4426920" cy="2090880"/>
+          </a:xfrm>
+          <a:prstGeom prst="rect">
+            <a:avLst/>
+          </a:prstGeom>
+        </p:spPr>
+        <p:txBody>
+          <a:bodyPr lIns="0" rIns="0" tIns="0" bIns="0"/>
+          <a:p>
+            <a:endParaRPr b="0" lang="en-US" sz="3200" spc="-1" strike="noStrike">
+              <a:solidFill>
+                <a:srgbClr val="000000"/>
+              </a:solidFill>
+              <a:uFill>
+                <a:solidFill>
+                  <a:srgbClr val="ffffff"/>
+                </a:solidFill>
+              </a:uFill>
+              <a:latin typeface="Arial"/>
+            </a:endParaRPr>
+          </a:p>
+        </p:txBody>
+      </p:sp>
+      <p:sp>
+        <p:nvSpPr>
+          <p:cNvPr id="121" name="PlaceHolder 3"/>
+          <p:cNvSpPr>
+            <a:spLocks noGrp="1"/>
+          </p:cNvSpPr>
+          <p:nvPr>
+            <p:ph type="body"/>
+          </p:nvPr>
+        </p:nvSpPr>
+        <p:spPr>
+          <a:xfrm>
+            <a:off x="504000" y="4058640"/>
+            <a:ext cx="4426920" cy="2090880"/>
+          </a:xfrm>
+          <a:prstGeom prst="rect">
+            <a:avLst/>
+          </a:prstGeom>
+        </p:spPr>
+        <p:txBody>
+          <a:bodyPr lIns="0" rIns="0" tIns="0" bIns="0"/>
+          <a:p>
+            <a:endParaRPr b="0" lang="en-US" sz="3200" spc="-1" strike="noStrike">
+              <a:solidFill>
+                <a:srgbClr val="000000"/>
+              </a:solidFill>
+              <a:uFill>
+                <a:solidFill>
+                  <a:srgbClr val="ffffff"/>
+                </a:solidFill>
+              </a:uFill>
+              <a:latin typeface="Arial"/>
+            </a:endParaRPr>
+          </a:p>
+        </p:txBody>
+      </p:sp>
+      <p:sp>
+        <p:nvSpPr>
+          <p:cNvPr id="122" name="PlaceHolder 4"/>
+          <p:cNvSpPr>
+            <a:spLocks noGrp="1"/>
+          </p:cNvSpPr>
+          <p:nvPr>
+            <p:ph type="body"/>
+          </p:nvPr>
+        </p:nvSpPr>
+        <p:spPr>
+          <a:xfrm>
+            <a:off x="5152680" y="1768680"/>
+            <a:ext cx="4426920" cy="4384080"/>
+          </a:xfrm>
+          <a:prstGeom prst="rect">
+            <a:avLst/>
+          </a:prstGeom>
+        </p:spPr>
+        <p:txBody>
+          <a:bodyPr lIns="0" rIns="0" tIns="0" bIns="0"/>
+          <a:p>
+            <a:endParaRPr b="0" lang="en-US" sz="3200" spc="-1" strike="noStrike">
+              <a:solidFill>
+                <a:srgbClr val="000000"/>
+              </a:solidFill>
+              <a:uFill>
+                <a:solidFill>
+                  <a:srgbClr val="ffffff"/>
+                </a:solidFill>
+              </a:uFill>
+              <a:latin typeface="Arial"/>
+            </a:endParaRPr>
+          </a:p>
+        </p:txBody>
+      </p:sp>
+    </p:spTree>
+  </p:cSld>
+</p:sldLayout>
+</file>
+
+<file path=ppt/slideLayouts/slideLayout44.xml><?xml version="1.0" encoding="utf-8"?>
+<p:sldLayout xmlns:a="http://schemas.openxmlformats.org/drawingml/2006/main" xmlns:p="http://schemas.openxmlformats.org/presentationml/2006/main" xmlns:r="http://schemas.openxmlformats.org/officeDocument/2006/relationships" xmlns:p14="http://schemas.microsoft.com/office/powerpoint/2010/main" xmlns:p15="http://schemas.microsoft.com/office/powerpoint/2012/main" xmlns:mc="http://schemas.openxmlformats.org/markup-compatibility/2006" type="objAndTwoObj" preserve="1">
+  <p:cSld name="Title Content and 2 Content">
+    <p:spTree>
+      <p:nvGrpSpPr>
+        <p:cNvPr id="1" name=""/>
+        <p:cNvGrpSpPr/>
+        <p:nvPr/>
+      </p:nvGrpSpPr>
+      <p:grpSpPr>
+        <a:xfrm>
+          <a:off x="0" y="0"/>
+          <a:ext cx="0" cy="0"/>
+          <a:chOff x="0" y="0"/>
+          <a:chExt cx="0" cy="0"/>
+        </a:xfrm>
+      </p:grpSpPr>
+      <p:sp>
+        <p:nvSpPr>
+          <p:cNvPr id="123" name="PlaceHolder 1"/>
+          <p:cNvSpPr>
+            <a:spLocks noGrp="1"/>
+          </p:cNvSpPr>
+          <p:nvPr>
+            <p:ph type="title"/>
+          </p:nvPr>
+        </p:nvSpPr>
+        <p:spPr>
+          <a:xfrm>
+            <a:off x="504000" y="301320"/>
+            <a:ext cx="9072000" cy="1261800"/>
+          </a:xfrm>
+          <a:prstGeom prst="rect">
+            <a:avLst/>
+          </a:prstGeom>
+        </p:spPr>
+        <p:txBody>
+          <a:bodyPr lIns="0" rIns="0" tIns="0" bIns="0" anchor="ctr"/>
+          <a:p>
+            <a:pPr algn="ctr"/>
+            <a:endParaRPr b="0" lang="en-US" sz="4400" spc="-1" strike="noStrike">
+              <a:solidFill>
+                <a:srgbClr val="000000"/>
+              </a:solidFill>
+              <a:uFill>
+                <a:solidFill>
+                  <a:srgbClr val="ffffff"/>
+                </a:solidFill>
+              </a:uFill>
+              <a:latin typeface="Arial"/>
+            </a:endParaRPr>
+          </a:p>
+        </p:txBody>
+      </p:sp>
+      <p:sp>
+        <p:nvSpPr>
+          <p:cNvPr id="124" name="PlaceHolder 2"/>
+          <p:cNvSpPr>
+            <a:spLocks noGrp="1"/>
+          </p:cNvSpPr>
+          <p:nvPr>
+            <p:ph type="body"/>
+          </p:nvPr>
+        </p:nvSpPr>
+        <p:spPr>
+          <a:xfrm>
+            <a:off x="504000" y="1768680"/>
+            <a:ext cx="4426920" cy="4384080"/>
+          </a:xfrm>
+          <a:prstGeom prst="rect">
+            <a:avLst/>
+          </a:prstGeom>
+        </p:spPr>
+        <p:txBody>
+          <a:bodyPr lIns="0" rIns="0" tIns="0" bIns="0"/>
+          <a:p>
+            <a:endParaRPr b="0" lang="en-US" sz="3200" spc="-1" strike="noStrike">
+              <a:solidFill>
+                <a:srgbClr val="000000"/>
+              </a:solidFill>
+              <a:uFill>
+                <a:solidFill>
+                  <a:srgbClr val="ffffff"/>
+                </a:solidFill>
+              </a:uFill>
+              <a:latin typeface="Arial"/>
+            </a:endParaRPr>
+          </a:p>
+        </p:txBody>
+      </p:sp>
+      <p:sp>
+        <p:nvSpPr>
+          <p:cNvPr id="125" name="PlaceHolder 3"/>
+          <p:cNvSpPr>
+            <a:spLocks noGrp="1"/>
+          </p:cNvSpPr>
+          <p:nvPr>
+            <p:ph type="body"/>
+          </p:nvPr>
+        </p:nvSpPr>
+        <p:spPr>
+          <a:xfrm>
+            <a:off x="5152680" y="1768680"/>
+            <a:ext cx="4426920" cy="2090880"/>
+          </a:xfrm>
+          <a:prstGeom prst="rect">
+            <a:avLst/>
+          </a:prstGeom>
+        </p:spPr>
+        <p:txBody>
+          <a:bodyPr lIns="0" rIns="0" tIns="0" bIns="0"/>
+          <a:p>
+            <a:endParaRPr b="0" lang="en-US" sz="3200" spc="-1" strike="noStrike">
+              <a:solidFill>
+                <a:srgbClr val="000000"/>
+              </a:solidFill>
+              <a:uFill>
+                <a:solidFill>
+                  <a:srgbClr val="ffffff"/>
+                </a:solidFill>
+              </a:uFill>
+              <a:latin typeface="Arial"/>
+            </a:endParaRPr>
+          </a:p>
+        </p:txBody>
+      </p:sp>
+      <p:sp>
+        <p:nvSpPr>
+          <p:cNvPr id="126" name="PlaceHolder 4"/>
+          <p:cNvSpPr>
+            <a:spLocks noGrp="1"/>
+          </p:cNvSpPr>
+          <p:nvPr>
+            <p:ph type="body"/>
+          </p:nvPr>
+        </p:nvSpPr>
+        <p:spPr>
+          <a:xfrm>
+            <a:off x="5152680" y="4058640"/>
+            <a:ext cx="4426920" cy="2090880"/>
+          </a:xfrm>
+          <a:prstGeom prst="rect">
+            <a:avLst/>
+          </a:prstGeom>
+        </p:spPr>
+        <p:txBody>
+          <a:bodyPr lIns="0" rIns="0" tIns="0" bIns="0"/>
+          <a:p>
+            <a:endParaRPr b="0" lang="en-US" sz="3200" spc="-1" strike="noStrike">
+              <a:solidFill>
+                <a:srgbClr val="000000"/>
+              </a:solidFill>
+              <a:uFill>
+                <a:solidFill>
+                  <a:srgbClr val="ffffff"/>
+                </a:solidFill>
+              </a:uFill>
+              <a:latin typeface="Arial"/>
+            </a:endParaRPr>
+          </a:p>
+        </p:txBody>
+      </p:sp>
+    </p:spTree>
+  </p:cSld>
+</p:sldLayout>
+</file>
+
+<file path=ppt/slideLayouts/slideLayout45.xml><?xml version="1.0" encoding="utf-8"?>
+<p:sldLayout xmlns:a="http://schemas.openxmlformats.org/drawingml/2006/main" xmlns:p="http://schemas.openxmlformats.org/presentationml/2006/main" xmlns:r="http://schemas.openxmlformats.org/officeDocument/2006/relationships" xmlns:p14="http://schemas.microsoft.com/office/powerpoint/2010/main" xmlns:p15="http://schemas.microsoft.com/office/powerpoint/2012/main" xmlns:mc="http://schemas.openxmlformats.org/markup-compatibility/2006" type="twoObjOverTx" preserve="1">
+  <p:cSld name="Title, 2 Content over Content">
+    <p:spTree>
+      <p:nvGrpSpPr>
+        <p:cNvPr id="1" name=""/>
+        <p:cNvGrpSpPr/>
+        <p:nvPr/>
+      </p:nvGrpSpPr>
+      <p:grpSpPr>
+        <a:xfrm>
+          <a:off x="0" y="0"/>
+          <a:ext cx="0" cy="0"/>
+          <a:chOff x="0" y="0"/>
+          <a:chExt cx="0" cy="0"/>
+        </a:xfrm>
+      </p:grpSpPr>
+      <p:sp>
+        <p:nvSpPr>
+          <p:cNvPr id="127" name="PlaceHolder 1"/>
+          <p:cNvSpPr>
+            <a:spLocks noGrp="1"/>
+          </p:cNvSpPr>
+          <p:nvPr>
+            <p:ph type="title"/>
+          </p:nvPr>
+        </p:nvSpPr>
+        <p:spPr>
+          <a:xfrm>
+            <a:off x="504000" y="301320"/>
+            <a:ext cx="9072000" cy="1261800"/>
+          </a:xfrm>
+          <a:prstGeom prst="rect">
+            <a:avLst/>
+          </a:prstGeom>
+        </p:spPr>
+        <p:txBody>
+          <a:bodyPr lIns="0" rIns="0" tIns="0" bIns="0" anchor="ctr"/>
+          <a:p>
+            <a:pPr algn="ctr"/>
+            <a:endParaRPr b="0" lang="en-US" sz="4400" spc="-1" strike="noStrike">
+              <a:solidFill>
+                <a:srgbClr val="000000"/>
+              </a:solidFill>
+              <a:uFill>
+                <a:solidFill>
+                  <a:srgbClr val="ffffff"/>
+                </a:solidFill>
+              </a:uFill>
+              <a:latin typeface="Arial"/>
+            </a:endParaRPr>
+          </a:p>
+        </p:txBody>
+      </p:sp>
+      <p:sp>
+        <p:nvSpPr>
+          <p:cNvPr id="128" name="PlaceHolder 2"/>
+          <p:cNvSpPr>
+            <a:spLocks noGrp="1"/>
+          </p:cNvSpPr>
+          <p:nvPr>
+            <p:ph type="body"/>
+          </p:nvPr>
+        </p:nvSpPr>
+        <p:spPr>
+          <a:xfrm>
+            <a:off x="504000" y="1768680"/>
+            <a:ext cx="4426920" cy="2090880"/>
+          </a:xfrm>
+          <a:prstGeom prst="rect">
+            <a:avLst/>
+          </a:prstGeom>
+        </p:spPr>
+        <p:txBody>
+          <a:bodyPr lIns="0" rIns="0" tIns="0" bIns="0"/>
+          <a:p>
+            <a:endParaRPr b="0" lang="en-US" sz="3200" spc="-1" strike="noStrike">
+              <a:solidFill>
+                <a:srgbClr val="000000"/>
+              </a:solidFill>
+              <a:uFill>
+                <a:solidFill>
+                  <a:srgbClr val="ffffff"/>
+                </a:solidFill>
+              </a:uFill>
+              <a:latin typeface="Arial"/>
+            </a:endParaRPr>
+          </a:p>
+        </p:txBody>
+      </p:sp>
+      <p:sp>
+        <p:nvSpPr>
+          <p:cNvPr id="129" name="PlaceHolder 3"/>
+          <p:cNvSpPr>
+            <a:spLocks noGrp="1"/>
+          </p:cNvSpPr>
+          <p:nvPr>
+            <p:ph type="body"/>
+          </p:nvPr>
+        </p:nvSpPr>
+        <p:spPr>
+          <a:xfrm>
+            <a:off x="5152680" y="1768680"/>
+            <a:ext cx="4426920" cy="2090880"/>
+          </a:xfrm>
+          <a:prstGeom prst="rect">
+            <a:avLst/>
+          </a:prstGeom>
+        </p:spPr>
+        <p:txBody>
+          <a:bodyPr lIns="0" rIns="0" tIns="0" bIns="0"/>
+          <a:p>
+            <a:endParaRPr b="0" lang="en-US" sz="3200" spc="-1" strike="noStrike">
+              <a:solidFill>
+                <a:srgbClr val="000000"/>
+              </a:solidFill>
+              <a:uFill>
+                <a:solidFill>
+                  <a:srgbClr val="ffffff"/>
+                </a:solidFill>
+              </a:uFill>
+              <a:latin typeface="Arial"/>
+            </a:endParaRPr>
+          </a:p>
+        </p:txBody>
+      </p:sp>
+      <p:sp>
+        <p:nvSpPr>
+          <p:cNvPr id="130" name="PlaceHolder 4"/>
+          <p:cNvSpPr>
+            <a:spLocks noGrp="1"/>
+          </p:cNvSpPr>
+          <p:nvPr>
+            <p:ph type="body"/>
+          </p:nvPr>
+        </p:nvSpPr>
+        <p:spPr>
+          <a:xfrm>
+            <a:off x="504000" y="4058640"/>
+            <a:ext cx="9072000" cy="2090880"/>
+          </a:xfrm>
+          <a:prstGeom prst="rect">
+            <a:avLst/>
+          </a:prstGeom>
+        </p:spPr>
+        <p:txBody>
+          <a:bodyPr lIns="0" rIns="0" tIns="0" bIns="0"/>
+          <a:p>
+            <a:endParaRPr b="0" lang="en-US" sz="3200" spc="-1" strike="noStrike">
+              <a:solidFill>
+                <a:srgbClr val="000000"/>
+              </a:solidFill>
+              <a:uFill>
+                <a:solidFill>
+                  <a:srgbClr val="ffffff"/>
+                </a:solidFill>
+              </a:uFill>
+              <a:latin typeface="Arial"/>
+            </a:endParaRPr>
+          </a:p>
+        </p:txBody>
+      </p:sp>
+    </p:spTree>
+  </p:cSld>
+</p:sldLayout>
+</file>
+
+<file path=ppt/slideLayouts/slideLayout46.xml><?xml version="1.0" encoding="utf-8"?>
+<p:sldLayout xmlns:a="http://schemas.openxmlformats.org/drawingml/2006/main" xmlns:p="http://schemas.openxmlformats.org/presentationml/2006/main" xmlns:r="http://schemas.openxmlformats.org/officeDocument/2006/relationships" xmlns:p14="http://schemas.microsoft.com/office/powerpoint/2010/main" xmlns:p15="http://schemas.microsoft.com/office/powerpoint/2012/main" xmlns:mc="http://schemas.openxmlformats.org/markup-compatibility/2006" type="objOverTx" preserve="1">
+  <p:cSld name="Title, Content over Content">
+    <p:spTree>
+      <p:nvGrpSpPr>
+        <p:cNvPr id="1" name=""/>
+        <p:cNvGrpSpPr/>
+        <p:nvPr/>
+      </p:nvGrpSpPr>
+      <p:grpSpPr>
+        <a:xfrm>
+          <a:off x="0" y="0"/>
+          <a:ext cx="0" cy="0"/>
+          <a:chOff x="0" y="0"/>
+          <a:chExt cx="0" cy="0"/>
+        </a:xfrm>
+      </p:grpSpPr>
+      <p:sp>
+        <p:nvSpPr>
+          <p:cNvPr id="131" name="PlaceHolder 1"/>
+          <p:cNvSpPr>
+            <a:spLocks noGrp="1"/>
+          </p:cNvSpPr>
+          <p:nvPr>
+            <p:ph type="title"/>
+          </p:nvPr>
+        </p:nvSpPr>
+        <p:spPr>
+          <a:xfrm>
+            <a:off x="504000" y="301320"/>
+            <a:ext cx="9072000" cy="1261800"/>
+          </a:xfrm>
+          <a:prstGeom prst="rect">
+            <a:avLst/>
+          </a:prstGeom>
+        </p:spPr>
+        <p:txBody>
+          <a:bodyPr lIns="0" rIns="0" tIns="0" bIns="0" anchor="ctr"/>
+          <a:p>
+            <a:pPr algn="ctr"/>
+            <a:endParaRPr b="0" lang="en-US" sz="4400" spc="-1" strike="noStrike">
+              <a:solidFill>
+                <a:srgbClr val="000000"/>
+              </a:solidFill>
+              <a:uFill>
+                <a:solidFill>
+                  <a:srgbClr val="ffffff"/>
+                </a:solidFill>
+              </a:uFill>
+              <a:latin typeface="Arial"/>
+            </a:endParaRPr>
+          </a:p>
+        </p:txBody>
+      </p:sp>
+      <p:sp>
+        <p:nvSpPr>
+          <p:cNvPr id="132" name="PlaceHolder 2"/>
+          <p:cNvSpPr>
+            <a:spLocks noGrp="1"/>
+          </p:cNvSpPr>
+          <p:nvPr>
+            <p:ph type="body"/>
+          </p:nvPr>
+        </p:nvSpPr>
+        <p:spPr>
+          <a:xfrm>
+            <a:off x="504000" y="1768680"/>
+            <a:ext cx="9072000" cy="2090880"/>
+          </a:xfrm>
+          <a:prstGeom prst="rect">
+            <a:avLst/>
+          </a:prstGeom>
+        </p:spPr>
+        <p:txBody>
+          <a:bodyPr lIns="0" rIns="0" tIns="0" bIns="0"/>
+          <a:p>
+            <a:endParaRPr b="0" lang="en-US" sz="3200" spc="-1" strike="noStrike">
+              <a:solidFill>
+                <a:srgbClr val="000000"/>
+              </a:solidFill>
+              <a:uFill>
+                <a:solidFill>
+                  <a:srgbClr val="ffffff"/>
+                </a:solidFill>
+              </a:uFill>
+              <a:latin typeface="Arial"/>
+            </a:endParaRPr>
+          </a:p>
+        </p:txBody>
+      </p:sp>
+      <p:sp>
+        <p:nvSpPr>
+          <p:cNvPr id="133" name="PlaceHolder 3"/>
+          <p:cNvSpPr>
+            <a:spLocks noGrp="1"/>
+          </p:cNvSpPr>
+          <p:nvPr>
+            <p:ph type="body"/>
+          </p:nvPr>
+        </p:nvSpPr>
+        <p:spPr>
+          <a:xfrm>
+            <a:off x="504000" y="4058640"/>
+            <a:ext cx="9072000" cy="2090880"/>
+          </a:xfrm>
+          <a:prstGeom prst="rect">
+            <a:avLst/>
+          </a:prstGeom>
+        </p:spPr>
+        <p:txBody>
+          <a:bodyPr lIns="0" rIns="0" tIns="0" bIns="0"/>
+          <a:p>
+            <a:endParaRPr b="0" lang="en-US" sz="3200" spc="-1" strike="noStrike">
+              <a:solidFill>
+                <a:srgbClr val="000000"/>
+              </a:solidFill>
+              <a:uFill>
+                <a:solidFill>
+                  <a:srgbClr val="ffffff"/>
+                </a:solidFill>
+              </a:uFill>
+              <a:latin typeface="Arial"/>
+            </a:endParaRPr>
+          </a:p>
+        </p:txBody>
+      </p:sp>
+    </p:spTree>
+  </p:cSld>
+</p:sldLayout>
+</file>
+
+<file path=ppt/slideLayouts/slideLayout47.xml><?xml version="1.0" encoding="utf-8"?>
+<p:sldLayout xmlns:a="http://schemas.openxmlformats.org/drawingml/2006/main" xmlns:p="http://schemas.openxmlformats.org/presentationml/2006/main" xmlns:r="http://schemas.openxmlformats.org/officeDocument/2006/relationships" xmlns:p14="http://schemas.microsoft.com/office/powerpoint/2010/main" xmlns:p15="http://schemas.microsoft.com/office/powerpoint/2012/main" xmlns:mc="http://schemas.openxmlformats.org/markup-compatibility/2006" type="fourObj" preserve="1">
+  <p:cSld name="Title, 4 Content">
+    <p:spTree>
+      <p:nvGrpSpPr>
+        <p:cNvPr id="1" name=""/>
+        <p:cNvGrpSpPr/>
+        <p:nvPr/>
+      </p:nvGrpSpPr>
+      <p:grpSpPr>
+        <a:xfrm>
+          <a:off x="0" y="0"/>
+          <a:ext cx="0" cy="0"/>
+          <a:chOff x="0" y="0"/>
+          <a:chExt cx="0" cy="0"/>
+        </a:xfrm>
+      </p:grpSpPr>
+      <p:sp>
+        <p:nvSpPr>
+          <p:cNvPr id="134" name="PlaceHolder 1"/>
+          <p:cNvSpPr>
+            <a:spLocks noGrp="1"/>
+          </p:cNvSpPr>
+          <p:nvPr>
+            <p:ph type="title"/>
+          </p:nvPr>
+        </p:nvSpPr>
+        <p:spPr>
+          <a:xfrm>
+            <a:off x="504000" y="301320"/>
+            <a:ext cx="9072000" cy="1261800"/>
+          </a:xfrm>
+          <a:prstGeom prst="rect">
+            <a:avLst/>
+          </a:prstGeom>
+        </p:spPr>
+        <p:txBody>
+          <a:bodyPr lIns="0" rIns="0" tIns="0" bIns="0" anchor="ctr"/>
+          <a:p>
+            <a:pPr algn="ctr"/>
+            <a:endParaRPr b="0" lang="en-US" sz="4400" spc="-1" strike="noStrike">
+              <a:solidFill>
+                <a:srgbClr val="000000"/>
+              </a:solidFill>
+              <a:uFill>
+                <a:solidFill>
+                  <a:srgbClr val="ffffff"/>
+                </a:solidFill>
+              </a:uFill>
+              <a:latin typeface="Arial"/>
+            </a:endParaRPr>
+          </a:p>
+        </p:txBody>
+      </p:sp>
+      <p:sp>
+        <p:nvSpPr>
+          <p:cNvPr id="135" name="PlaceHolder 2"/>
+          <p:cNvSpPr>
+            <a:spLocks noGrp="1"/>
+          </p:cNvSpPr>
+          <p:nvPr>
+            <p:ph type="body"/>
+          </p:nvPr>
+        </p:nvSpPr>
+        <p:spPr>
+          <a:xfrm>
+            <a:off x="504000" y="1768680"/>
+            <a:ext cx="4426920" cy="2090880"/>
+          </a:xfrm>
+          <a:prstGeom prst="rect">
+            <a:avLst/>
+          </a:prstGeom>
+        </p:spPr>
+        <p:txBody>
+          <a:bodyPr lIns="0" rIns="0" tIns="0" bIns="0"/>
+          <a:p>
+            <a:endParaRPr b="0" lang="en-US" sz="3200" spc="-1" strike="noStrike">
+              <a:solidFill>
+                <a:srgbClr val="000000"/>
+              </a:solidFill>
+              <a:uFill>
+                <a:solidFill>
+                  <a:srgbClr val="ffffff"/>
+                </a:solidFill>
+              </a:uFill>
+              <a:latin typeface="Arial"/>
+            </a:endParaRPr>
+          </a:p>
+        </p:txBody>
+      </p:sp>
+      <p:sp>
+        <p:nvSpPr>
+          <p:cNvPr id="136" name="PlaceHolder 3"/>
+          <p:cNvSpPr>
+            <a:spLocks noGrp="1"/>
+          </p:cNvSpPr>
+          <p:nvPr>
+            <p:ph type="body"/>
+          </p:nvPr>
+        </p:nvSpPr>
+        <p:spPr>
+          <a:xfrm>
+            <a:off x="5152680" y="1768680"/>
+            <a:ext cx="4426920" cy="2090880"/>
+          </a:xfrm>
+          <a:prstGeom prst="rect">
+            <a:avLst/>
+          </a:prstGeom>
+        </p:spPr>
+        <p:txBody>
+          <a:bodyPr lIns="0" rIns="0" tIns="0" bIns="0"/>
+          <a:p>
+            <a:endParaRPr b="0" lang="en-US" sz="3200" spc="-1" strike="noStrike">
+              <a:solidFill>
+                <a:srgbClr val="000000"/>
+              </a:solidFill>
+              <a:uFill>
+                <a:solidFill>
+                  <a:srgbClr val="ffffff"/>
+                </a:solidFill>
+              </a:uFill>
+              <a:latin typeface="Arial"/>
+            </a:endParaRPr>
+          </a:p>
+        </p:txBody>
+      </p:sp>
+      <p:sp>
+        <p:nvSpPr>
+          <p:cNvPr id="137" name="PlaceHolder 4"/>
+          <p:cNvSpPr>
+            <a:spLocks noGrp="1"/>
+          </p:cNvSpPr>
+          <p:nvPr>
+            <p:ph type="body"/>
+          </p:nvPr>
+        </p:nvSpPr>
+        <p:spPr>
+          <a:xfrm>
+            <a:off x="5152680" y="4058640"/>
+            <a:ext cx="4426920" cy="2090880"/>
+          </a:xfrm>
+          <a:prstGeom prst="rect">
+            <a:avLst/>
+          </a:prstGeom>
+        </p:spPr>
+        <p:txBody>
+          <a:bodyPr lIns="0" rIns="0" tIns="0" bIns="0"/>
+          <a:p>
+            <a:endParaRPr b="0" lang="en-US" sz="3200" spc="-1" strike="noStrike">
+              <a:solidFill>
+                <a:srgbClr val="000000"/>
+              </a:solidFill>
+              <a:uFill>
+                <a:solidFill>
+                  <a:srgbClr val="ffffff"/>
+                </a:solidFill>
+              </a:uFill>
+              <a:latin typeface="Arial"/>
+            </a:endParaRPr>
+          </a:p>
+        </p:txBody>
+      </p:sp>
+      <p:sp>
+        <p:nvSpPr>
+          <p:cNvPr id="138" name="PlaceHolder 5"/>
+          <p:cNvSpPr>
+            <a:spLocks noGrp="1"/>
+          </p:cNvSpPr>
+          <p:nvPr>
+            <p:ph type="body"/>
+          </p:nvPr>
+        </p:nvSpPr>
+        <p:spPr>
+          <a:xfrm>
+            <a:off x="504000" y="4058640"/>
+            <a:ext cx="4426920" cy="2090880"/>
+          </a:xfrm>
+          <a:prstGeom prst="rect">
+            <a:avLst/>
+          </a:prstGeom>
+        </p:spPr>
+        <p:txBody>
+          <a:bodyPr lIns="0" rIns="0" tIns="0" bIns="0"/>
+          <a:p>
+            <a:endParaRPr b="0" lang="en-US" sz="3200" spc="-1" strike="noStrike">
+              <a:solidFill>
+                <a:srgbClr val="000000"/>
+              </a:solidFill>
+              <a:uFill>
+                <a:solidFill>
+                  <a:srgbClr val="ffffff"/>
+                </a:solidFill>
+              </a:uFill>
+              <a:latin typeface="Arial"/>
+            </a:endParaRPr>
+          </a:p>
+        </p:txBody>
+      </p:sp>
+    </p:spTree>
+  </p:cSld>
+</p:sldLayout>
+</file>
+
+<file path=ppt/slideLayouts/slideLayout48.xml><?xml version="1.0" encoding="utf-8"?>
+<p:sldLayout xmlns:a="http://schemas.openxmlformats.org/drawingml/2006/main" xmlns:p="http://schemas.openxmlformats.org/presentationml/2006/main" xmlns:r="http://schemas.openxmlformats.org/officeDocument/2006/relationships" xmlns:p14="http://schemas.microsoft.com/office/powerpoint/2010/main" xmlns:p15="http://schemas.microsoft.com/office/powerpoint/2012/main" xmlns:mc="http://schemas.openxmlformats.org/markup-compatibility/2006" type="blank" preserve="1">
+  <p:cSld name="Title, 6 Content">
+    <p:spTree>
+      <p:nvGrpSpPr>
+        <p:cNvPr id="1" name=""/>
+        <p:cNvGrpSpPr/>
+        <p:nvPr/>
+      </p:nvGrpSpPr>
+      <p:grpSpPr>
+        <a:xfrm>
+          <a:off x="0" y="0"/>
+          <a:ext cx="0" cy="0"/>
+          <a:chOff x="0" y="0"/>
+          <a:chExt cx="0" cy="0"/>
+        </a:xfrm>
+      </p:grpSpPr>
+      <p:sp>
+        <p:nvSpPr>
+          <p:cNvPr id="139" name="PlaceHolder 1"/>
+          <p:cNvSpPr>
+            <a:spLocks noGrp="1"/>
+          </p:cNvSpPr>
+          <p:nvPr>
+            <p:ph type="title"/>
+          </p:nvPr>
+        </p:nvSpPr>
+        <p:spPr>
+          <a:xfrm>
+            <a:off x="504000" y="301320"/>
+            <a:ext cx="9072000" cy="1261800"/>
+          </a:xfrm>
+          <a:prstGeom prst="rect">
+            <a:avLst/>
+          </a:prstGeom>
+        </p:spPr>
+        <p:txBody>
+          <a:bodyPr lIns="0" rIns="0" tIns="0" bIns="0" anchor="ctr"/>
+          <a:p>
+            <a:pPr algn="ctr"/>
+            <a:endParaRPr b="0" lang="en-US" sz="4400" spc="-1" strike="noStrike">
+              <a:solidFill>
+                <a:srgbClr val="000000"/>
+              </a:solidFill>
+              <a:uFill>
+                <a:solidFill>
+                  <a:srgbClr val="ffffff"/>
+                </a:solidFill>
+              </a:uFill>
+              <a:latin typeface="Arial"/>
+            </a:endParaRPr>
+          </a:p>
+        </p:txBody>
+      </p:sp>
+      <p:sp>
+        <p:nvSpPr>
+          <p:cNvPr id="140" name="PlaceHolder 2"/>
+          <p:cNvSpPr>
+            <a:spLocks noGrp="1"/>
+          </p:cNvSpPr>
+          <p:nvPr>
+            <p:ph type="body"/>
+          </p:nvPr>
+        </p:nvSpPr>
+        <p:spPr>
+          <a:xfrm>
+            <a:off x="504000" y="1768680"/>
+            <a:ext cx="9072000" cy="4384080"/>
+          </a:xfrm>
+          <a:prstGeom prst="rect">
+            <a:avLst/>
+          </a:prstGeom>
+        </p:spPr>
+        <p:txBody>
+          <a:bodyPr lIns="0" rIns="0" tIns="0" bIns="0"/>
+          <a:p>
+            <a:endParaRPr b="0" lang="en-US" sz="3200" spc="-1" strike="noStrike">
+              <a:solidFill>
+                <a:srgbClr val="000000"/>
+              </a:solidFill>
+              <a:uFill>
+                <a:solidFill>
+                  <a:srgbClr val="ffffff"/>
+                </a:solidFill>
+              </a:uFill>
+              <a:latin typeface="Arial"/>
+            </a:endParaRPr>
+          </a:p>
+        </p:txBody>
+      </p:sp>
+      <p:sp>
+        <p:nvSpPr>
+          <p:cNvPr id="141" name="PlaceHolder 3"/>
+          <p:cNvSpPr>
+            <a:spLocks noGrp="1"/>
+          </p:cNvSpPr>
+          <p:nvPr>
+            <p:ph type="body"/>
+          </p:nvPr>
+        </p:nvSpPr>
+        <p:spPr>
+          <a:xfrm>
+            <a:off x="504000" y="1768680"/>
+            <a:ext cx="9072000" cy="4384080"/>
+          </a:xfrm>
+          <a:prstGeom prst="rect">
+            <a:avLst/>
+          </a:prstGeom>
+        </p:spPr>
+        <p:txBody>
+          <a:bodyPr lIns="0" rIns="0" tIns="0" bIns="0"/>
+          <a:p>
+            <a:endParaRPr b="0" lang="en-US" sz="3200" spc="-1" strike="noStrike">
+              <a:solidFill>
+                <a:srgbClr val="000000"/>
+              </a:solidFill>
+              <a:uFill>
+                <a:solidFill>
+                  <a:srgbClr val="ffffff"/>
+                </a:solidFill>
+              </a:uFill>
+              <a:latin typeface="Arial"/>
+            </a:endParaRPr>
+          </a:p>
+        </p:txBody>
+      </p:sp>
+      <p:pic>
+        <p:nvPicPr>
+          <p:cNvPr id="142" name="" descr=""/>
+          <p:cNvPicPr/>
+          <p:nvPr/>
+        </p:nvPicPr>
+        <p:blipFill>
+          <a:blip r:embed="rId2"/>
+          <a:stretch/>
+        </p:blipFill>
+        <p:spPr>
+          <a:xfrm>
+            <a:off x="2292480" y="1768680"/>
+            <a:ext cx="5494680" cy="4384080"/>
+          </a:xfrm>
+          <a:prstGeom prst="rect">
+            <a:avLst/>
+          </a:prstGeom>
+          <a:ln>
+            <a:noFill/>
+          </a:ln>
+        </p:spPr>
+      </p:pic>
+      <p:pic>
+        <p:nvPicPr>
+          <p:cNvPr id="143" name="" descr=""/>
+          <p:cNvPicPr/>
+          <p:nvPr/>
+        </p:nvPicPr>
+        <p:blipFill>
+          <a:blip r:embed="rId3"/>
+          <a:stretch/>
+        </p:blipFill>
+        <p:spPr>
+          <a:xfrm>
+            <a:off x="2292480" y="1768680"/>
+            <a:ext cx="5494680" cy="4384080"/>
+          </a:xfrm>
+          <a:prstGeom prst="rect">
+            <a:avLst/>
+          </a:prstGeom>
+          <a:ln>
+            <a:noFill/>
+          </a:ln>
+        </p:spPr>
+      </p:pic>
     </p:spTree>
   </p:cSld>
 </p:sldLayout>
@@ -3853,7 +5330,7 @@
         <p:spPr>
           <a:xfrm>
             <a:off x="504000" y="301320"/>
-            <a:ext cx="9071280" cy="1261800"/>
+            <a:ext cx="9072000" cy="1261800"/>
           </a:xfrm>
           <a:prstGeom prst="rect">
             <a:avLst/>
@@ -3912,7 +5389,7 @@
         <p:spPr>
           <a:xfrm>
             <a:off x="504000" y="301320"/>
-            <a:ext cx="9071280" cy="5850360"/>
+            <a:ext cx="9072000" cy="5850360"/>
           </a:xfrm>
           <a:prstGeom prst="rect">
             <a:avLst/>
@@ -3971,7 +5448,7 @@
         <p:spPr>
           <a:xfrm>
             <a:off x="504000" y="301320"/>
-            <a:ext cx="9071280" cy="1261800"/>
+            <a:ext cx="9072000" cy="1261800"/>
           </a:xfrm>
           <a:prstGeom prst="rect">
             <a:avLst/>
@@ -4007,8 +5484,8 @@
         </p:nvSpPr>
         <p:spPr>
           <a:xfrm>
-            <a:off x="504000" y="1769040"/>
-            <a:ext cx="4426560" cy="2090880"/>
+            <a:off x="504000" y="1768680"/>
+            <a:ext cx="4426920" cy="2090880"/>
           </a:xfrm>
           <a:prstGeom prst="rect">
             <a:avLst/>
@@ -4043,8 +5520,8 @@
         </p:nvSpPr>
         <p:spPr>
           <a:xfrm>
-            <a:off x="504000" y="4059000"/>
-            <a:ext cx="4426560" cy="2090880"/>
+            <a:off x="504000" y="4058640"/>
+            <a:ext cx="4426920" cy="2090880"/>
           </a:xfrm>
           <a:prstGeom prst="rect">
             <a:avLst/>
@@ -4079,8 +5556,8 @@
         </p:nvSpPr>
         <p:spPr>
           <a:xfrm>
-            <a:off x="5152320" y="1769040"/>
-            <a:ext cx="4426560" cy="4384080"/>
+            <a:off x="5152680" y="1768680"/>
+            <a:ext cx="4426920" cy="4384080"/>
           </a:xfrm>
           <a:prstGeom prst="rect">
             <a:avLst/>
@@ -4138,7 +5615,7 @@
         <p:spPr>
           <a:xfrm>
             <a:off x="504000" y="301320"/>
-            <a:ext cx="9071280" cy="1261800"/>
+            <a:ext cx="9072000" cy="1261800"/>
           </a:xfrm>
           <a:prstGeom prst="rect">
             <a:avLst/>
@@ -4174,8 +5651,8 @@
         </p:nvSpPr>
         <p:spPr>
           <a:xfrm>
-            <a:off x="504000" y="1769040"/>
-            <a:ext cx="4426560" cy="4384080"/>
+            <a:off x="504000" y="1768680"/>
+            <a:ext cx="4426920" cy="4384080"/>
           </a:xfrm>
           <a:prstGeom prst="rect">
             <a:avLst/>
@@ -4210,8 +5687,8 @@
         </p:nvSpPr>
         <p:spPr>
           <a:xfrm>
-            <a:off x="5152320" y="1769040"/>
-            <a:ext cx="4426560" cy="2090880"/>
+            <a:off x="5152680" y="1768680"/>
+            <a:ext cx="4426920" cy="2090880"/>
           </a:xfrm>
           <a:prstGeom prst="rect">
             <a:avLst/>
@@ -4246,8 +5723,8 @@
         </p:nvSpPr>
         <p:spPr>
           <a:xfrm>
-            <a:off x="5152320" y="4059000"/>
-            <a:ext cx="4426560" cy="2090880"/>
+            <a:off x="5152680" y="4058640"/>
+            <a:ext cx="4426920" cy="2090880"/>
           </a:xfrm>
           <a:prstGeom prst="rect">
             <a:avLst/>
@@ -4305,7 +5782,7 @@
         <p:spPr>
           <a:xfrm>
             <a:off x="504000" y="301320"/>
-            <a:ext cx="9071280" cy="1261800"/>
+            <a:ext cx="9072000" cy="1261800"/>
           </a:xfrm>
           <a:prstGeom prst="rect">
             <a:avLst/>
@@ -4341,8 +5818,8 @@
         </p:nvSpPr>
         <p:spPr>
           <a:xfrm>
-            <a:off x="504000" y="1769040"/>
-            <a:ext cx="4426560" cy="2090880"/>
+            <a:off x="504000" y="1768680"/>
+            <a:ext cx="4426920" cy="2090880"/>
           </a:xfrm>
           <a:prstGeom prst="rect">
             <a:avLst/>
@@ -4377,8 +5854,8 @@
         </p:nvSpPr>
         <p:spPr>
           <a:xfrm>
-            <a:off x="5152320" y="1769040"/>
-            <a:ext cx="4426560" cy="2090880"/>
+            <a:off x="5152680" y="1768680"/>
+            <a:ext cx="4426920" cy="2090880"/>
           </a:xfrm>
           <a:prstGeom prst="rect">
             <a:avLst/>
@@ -4413,8 +5890,8 @@
         </p:nvSpPr>
         <p:spPr>
           <a:xfrm>
-            <a:off x="504000" y="4059000"/>
-            <a:ext cx="9071280" cy="2090880"/>
+            <a:off x="504000" y="4058640"/>
+            <a:ext cx="9072000" cy="2090880"/>
           </a:xfrm>
           <a:prstGeom prst="rect">
             <a:avLst/>
@@ -4472,7 +5949,7 @@
         <p:spPr>
           <a:xfrm>
             <a:off x="504000" y="301320"/>
-            <a:ext cx="9071280" cy="1261800"/>
+            <a:ext cx="9072000" cy="1261800"/>
           </a:xfrm>
           <a:prstGeom prst="rect">
             <a:avLst/>
@@ -4482,6 +5959,20 @@
           <a:bodyPr lIns="0" rIns="0" tIns="0" bIns="0" anchor="ctr"/>
           <a:p>
             <a:pPr algn="ctr"/>
+            <a:r>
+              <a:rPr b="0" lang="en-US" sz="4400" spc="-1" strike="noStrike">
+                <a:solidFill>
+                  <a:srgbClr val="000000"/>
+                </a:solidFill>
+                <a:uFill>
+                  <a:solidFill>
+                    <a:srgbClr val="ffffff"/>
+                  </a:solidFill>
+                </a:uFill>
+                <a:latin typeface="Arial"/>
+              </a:rPr>
+              <a:t>Click to edit the title text format</a:t>
+            </a:r>
             <a:endParaRPr b="0" lang="en-US" sz="4400" spc="-1" strike="noStrike">
               <a:solidFill>
                 <a:srgbClr val="000000"/>
@@ -4814,7 +6305,7 @@
         <p:spPr>
           <a:xfrm>
             <a:off x="504000" y="301320"/>
-            <a:ext cx="9071280" cy="1261800"/>
+            <a:ext cx="9072000" cy="1261800"/>
           </a:xfrm>
           <a:prstGeom prst="rect">
             <a:avLst/>
@@ -4824,6 +6315,20 @@
           <a:bodyPr lIns="0" rIns="0" tIns="0" bIns="0" anchor="ctr"/>
           <a:p>
             <a:pPr algn="ctr"/>
+            <a:r>
+              <a:rPr b="0" lang="en-US" sz="4400" spc="-1" strike="noStrike">
+                <a:solidFill>
+                  <a:srgbClr val="000000"/>
+                </a:solidFill>
+                <a:uFill>
+                  <a:solidFill>
+                    <a:srgbClr val="ffffff"/>
+                  </a:solidFill>
+                </a:uFill>
+                <a:latin typeface="Arial"/>
+              </a:rPr>
+              <a:t>Click to edit the title text format</a:t>
+            </a:r>
             <a:endParaRPr b="0" lang="en-US" sz="4400" spc="-1" strike="noStrike">
               <a:solidFill>
                 <a:srgbClr val="000000"/>
@@ -4850,8 +6355,8 @@
         </p:nvSpPr>
         <p:spPr>
           <a:xfrm>
-            <a:off x="504000" y="1769040"/>
-            <a:ext cx="9071280" cy="4384080"/>
+            <a:off x="504000" y="1768680"/>
+            <a:ext cx="9072000" cy="4384080"/>
           </a:xfrm>
           <a:prstGeom prst="rect">
             <a:avLst/>
@@ -4869,7 +6374,7 @@
               <a:buChar char=""/>
             </a:pPr>
             <a:r>
-              <a:rPr b="0" lang="en-US" sz="1800" spc="-1" strike="noStrike">
+              <a:rPr b="0" lang="en-US" sz="3200" spc="-1" strike="noStrike">
                 <a:solidFill>
                   <a:srgbClr val="000000"/>
                 </a:solidFill>
@@ -4882,7 +6387,7 @@
               </a:rPr>
               <a:t>Click to edit the outline text format</a:t>
             </a:r>
-            <a:endParaRPr b="0" lang="en-US" sz="1800" spc="-1" strike="noStrike">
+            <a:endParaRPr b="0" lang="en-US" sz="3200" spc="-1" strike="noStrike">
               <a:solidFill>
                 <a:srgbClr val="000000"/>
               </a:solidFill>
@@ -4904,7 +6409,7 @@
               <a:buChar char=""/>
             </a:pPr>
             <a:r>
-              <a:rPr b="0" lang="en-US" sz="1800" spc="-1" strike="noStrike">
+              <a:rPr b="0" lang="en-US" sz="2800" spc="-1" strike="noStrike">
                 <a:solidFill>
                   <a:srgbClr val="000000"/>
                 </a:solidFill>
@@ -4917,7 +6422,7 @@
               </a:rPr>
               <a:t>Second Outline Level</a:t>
             </a:r>
-            <a:endParaRPr b="0" lang="en-US" sz="1800" spc="-1" strike="noStrike">
+            <a:endParaRPr b="0" lang="en-US" sz="2800" spc="-1" strike="noStrike">
               <a:solidFill>
                 <a:srgbClr val="000000"/>
               </a:solidFill>
@@ -4939,7 +6444,7 @@
               <a:buChar char=""/>
             </a:pPr>
             <a:r>
-              <a:rPr b="0" lang="en-US" sz="1800" spc="-1" strike="noStrike">
+              <a:rPr b="0" lang="en-US" sz="2400" spc="-1" strike="noStrike">
                 <a:solidFill>
                   <a:srgbClr val="000000"/>
                 </a:solidFill>
@@ -4952,7 +6457,7 @@
               </a:rPr>
               <a:t>Third Outline Level</a:t>
             </a:r>
-            <a:endParaRPr b="0" lang="en-US" sz="1800" spc="-1" strike="noStrike">
+            <a:endParaRPr b="0" lang="en-US" sz="2400" spc="-1" strike="noStrike">
               <a:solidFill>
                 <a:srgbClr val="000000"/>
               </a:solidFill>
@@ -4974,7 +6479,7 @@
               <a:buChar char=""/>
             </a:pPr>
             <a:r>
-              <a:rPr b="0" lang="en-US" sz="1800" spc="-1" strike="noStrike">
+              <a:rPr b="0" lang="en-US" sz="2000" spc="-1" strike="noStrike">
                 <a:solidFill>
                   <a:srgbClr val="000000"/>
                 </a:solidFill>
@@ -4987,7 +6492,7 @@
               </a:rPr>
               <a:t>Fourth Outline Level</a:t>
             </a:r>
-            <a:endParaRPr b="0" lang="en-US" sz="1800" spc="-1" strike="noStrike">
+            <a:endParaRPr b="0" lang="en-US" sz="2000" spc="-1" strike="noStrike">
               <a:solidFill>
                 <a:srgbClr val="000000"/>
               </a:solidFill>
@@ -5009,7 +6514,7 @@
               <a:buChar char=""/>
             </a:pPr>
             <a:r>
-              <a:rPr b="0" lang="en-US" sz="1800" spc="-1" strike="noStrike">
+              <a:rPr b="0" lang="en-US" sz="2000" spc="-1" strike="noStrike">
                 <a:solidFill>
                   <a:srgbClr val="000000"/>
                 </a:solidFill>
@@ -5022,7 +6527,7 @@
               </a:rPr>
               <a:t>Fifth Outline Level</a:t>
             </a:r>
-            <a:endParaRPr b="0" lang="en-US" sz="1800" spc="-1" strike="noStrike">
+            <a:endParaRPr b="0" lang="en-US" sz="2000" spc="-1" strike="noStrike">
               <a:solidFill>
                 <a:srgbClr val="000000"/>
               </a:solidFill>
@@ -5044,7 +6549,7 @@
               <a:buChar char=""/>
             </a:pPr>
             <a:r>
-              <a:rPr b="0" lang="en-US" sz="1800" spc="-1" strike="noStrike">
+              <a:rPr b="0" lang="en-US" sz="2000" spc="-1" strike="noStrike">
                 <a:solidFill>
                   <a:srgbClr val="000000"/>
                 </a:solidFill>
@@ -5057,7 +6562,7 @@
               </a:rPr>
               <a:t>Sixth Outline Level</a:t>
             </a:r>
-            <a:endParaRPr b="0" lang="en-US" sz="1800" spc="-1" strike="noStrike">
+            <a:endParaRPr b="0" lang="en-US" sz="2000" spc="-1" strike="noStrike">
               <a:solidFill>
                 <a:srgbClr val="000000"/>
               </a:solidFill>
@@ -5079,7 +6584,7 @@
               <a:buChar char=""/>
             </a:pPr>
             <a:r>
-              <a:rPr b="0" lang="en-US" sz="1800" spc="-1" strike="noStrike">
+              <a:rPr b="0" lang="en-US" sz="2000" spc="-1" strike="noStrike">
                 <a:solidFill>
                   <a:srgbClr val="000000"/>
                 </a:solidFill>
@@ -5092,7 +6597,7 @@
               </a:rPr>
               <a:t>Seventh Outline Level</a:t>
             </a:r>
-            <a:endParaRPr b="0" lang="en-US" sz="1800" spc="-1" strike="noStrike">
+            <a:endParaRPr b="0" lang="en-US" sz="2000" spc="-1" strike="noStrike">
               <a:solidFill>
                 <a:srgbClr val="000000"/>
               </a:solidFill>
@@ -5156,7 +6661,7 @@
         <p:spPr>
           <a:xfrm>
             <a:off x="504000" y="301320"/>
-            <a:ext cx="9071280" cy="1261800"/>
+            <a:ext cx="9072000" cy="1261800"/>
           </a:xfrm>
           <a:prstGeom prst="rect">
             <a:avLst/>
@@ -5166,6 +6671,20 @@
           <a:bodyPr lIns="0" rIns="0" tIns="0" bIns="0" anchor="ctr"/>
           <a:p>
             <a:pPr algn="ctr"/>
+            <a:r>
+              <a:rPr b="0" lang="en-US" sz="4400" spc="-1" strike="noStrike">
+                <a:solidFill>
+                  <a:srgbClr val="000000"/>
+                </a:solidFill>
+                <a:uFill>
+                  <a:solidFill>
+                    <a:srgbClr val="ffffff"/>
+                  </a:solidFill>
+                </a:uFill>
+                <a:latin typeface="Arial"/>
+              </a:rPr>
+              <a:t>Click to edit the title text format</a:t>
+            </a:r>
             <a:endParaRPr b="0" lang="en-US" sz="4400" spc="-1" strike="noStrike">
               <a:solidFill>
                 <a:srgbClr val="000000"/>
@@ -5464,6 +6983,348 @@
     <p:sldLayoutId id="2147483684" r:id="rId11"/>
     <p:sldLayoutId id="2147483685" r:id="rId12"/>
     <p:sldLayoutId id="2147483686" r:id="rId13"/>
+  </p:sldLayoutIdLst>
+</p:sldMaster>
+</file>
+
+<file path=ppt/slideMasters/slideMaster4.xml><?xml version="1.0" encoding="utf-8"?>
+<p:sldMaster xmlns:a="http://schemas.openxmlformats.org/drawingml/2006/main" xmlns:p="http://schemas.openxmlformats.org/presentationml/2006/main" xmlns:r="http://schemas.openxmlformats.org/officeDocument/2006/relationships" xmlns:p14="http://schemas.microsoft.com/office/powerpoint/2010/main" xmlns:p15="http://schemas.microsoft.com/office/powerpoint/2012/main" xmlns:mc="http://schemas.openxmlformats.org/markup-compatibility/2006">
+  <p:cSld>
+    <p:spTree>
+      <p:nvGrpSpPr>
+        <p:cNvPr id="1" name=""/>
+        <p:cNvGrpSpPr/>
+        <p:nvPr/>
+      </p:nvGrpSpPr>
+      <p:grpSpPr>
+        <a:xfrm>
+          <a:off x="0" y="0"/>
+          <a:ext cx="0" cy="0"/>
+          <a:chOff x="0" y="0"/>
+          <a:chExt cx="0" cy="0"/>
+        </a:xfrm>
+      </p:grpSpPr>
+      <p:sp>
+        <p:nvSpPr>
+          <p:cNvPr id="108" name="PlaceHolder 1"/>
+          <p:cNvSpPr>
+            <a:spLocks noGrp="1"/>
+          </p:cNvSpPr>
+          <p:nvPr>
+            <p:ph type="title"/>
+          </p:nvPr>
+        </p:nvSpPr>
+        <p:spPr>
+          <a:xfrm>
+            <a:off x="504000" y="301320"/>
+            <a:ext cx="9071640" cy="1261440"/>
+          </a:xfrm>
+          <a:prstGeom prst="rect">
+            <a:avLst/>
+          </a:prstGeom>
+        </p:spPr>
+        <p:txBody>
+          <a:bodyPr lIns="0" rIns="0" tIns="0" bIns="0" anchor="ctr"/>
+          <a:p>
+            <a:pPr algn="ctr"/>
+            <a:endParaRPr b="0" lang="en-US" sz="4400" spc="-1" strike="noStrike">
+              <a:solidFill>
+                <a:srgbClr val="000000"/>
+              </a:solidFill>
+              <a:uFill>
+                <a:solidFill>
+                  <a:srgbClr val="ffffff"/>
+                </a:solidFill>
+              </a:uFill>
+              <a:latin typeface="Arial"/>
+            </a:endParaRPr>
+          </a:p>
+        </p:txBody>
+      </p:sp>
+      <p:sp>
+        <p:nvSpPr>
+          <p:cNvPr id="109" name="PlaceHolder 2"/>
+          <p:cNvSpPr>
+            <a:spLocks noGrp="1"/>
+          </p:cNvSpPr>
+          <p:nvPr>
+            <p:ph type="body"/>
+          </p:nvPr>
+        </p:nvSpPr>
+        <p:spPr>
+          <a:xfrm>
+            <a:off x="504000" y="1768680"/>
+            <a:ext cx="9072000" cy="4384080"/>
+          </a:xfrm>
+          <a:prstGeom prst="rect">
+            <a:avLst/>
+          </a:prstGeom>
+        </p:spPr>
+        <p:txBody>
+          <a:bodyPr lIns="0" rIns="0" tIns="0" bIns="0"/>
+          <a:p>
+            <a:pPr marL="432000" indent="-324000">
+              <a:buClr>
+                <a:srgbClr val="000000"/>
+              </a:buClr>
+              <a:buSzPct val="45000"/>
+              <a:buFont typeface="Wingdings" charset="2"/>
+              <a:buChar char=""/>
+            </a:pPr>
+            <a:r>
+              <a:rPr b="0" lang="en-US" sz="3200" spc="-1" strike="noStrike">
+                <a:solidFill>
+                  <a:srgbClr val="000000"/>
+                </a:solidFill>
+                <a:uFill>
+                  <a:solidFill>
+                    <a:srgbClr val="ffffff"/>
+                  </a:solidFill>
+                </a:uFill>
+                <a:latin typeface="Arial"/>
+              </a:rPr>
+              <a:t>Click to edit the outline text format</a:t>
+            </a:r>
+            <a:endParaRPr b="0" lang="en-US" sz="3200" spc="-1" strike="noStrike">
+              <a:solidFill>
+                <a:srgbClr val="000000"/>
+              </a:solidFill>
+              <a:uFill>
+                <a:solidFill>
+                  <a:srgbClr val="ffffff"/>
+                </a:solidFill>
+              </a:uFill>
+              <a:latin typeface="Arial"/>
+            </a:endParaRPr>
+          </a:p>
+          <a:p>
+            <a:pPr lvl="1" marL="864000" indent="-324000">
+              <a:buClr>
+                <a:srgbClr val="000000"/>
+              </a:buClr>
+              <a:buSzPct val="75000"/>
+              <a:buFont typeface="Symbol" charset="2"/>
+              <a:buChar char=""/>
+            </a:pPr>
+            <a:r>
+              <a:rPr b="0" lang="en-US" sz="2800" spc="-1" strike="noStrike">
+                <a:solidFill>
+                  <a:srgbClr val="000000"/>
+                </a:solidFill>
+                <a:uFill>
+                  <a:solidFill>
+                    <a:srgbClr val="ffffff"/>
+                  </a:solidFill>
+                </a:uFill>
+                <a:latin typeface="Arial"/>
+              </a:rPr>
+              <a:t>Second Outline Level</a:t>
+            </a:r>
+            <a:endParaRPr b="0" lang="en-US" sz="2800" spc="-1" strike="noStrike">
+              <a:solidFill>
+                <a:srgbClr val="000000"/>
+              </a:solidFill>
+              <a:uFill>
+                <a:solidFill>
+                  <a:srgbClr val="ffffff"/>
+                </a:solidFill>
+              </a:uFill>
+              <a:latin typeface="Arial"/>
+            </a:endParaRPr>
+          </a:p>
+          <a:p>
+            <a:pPr lvl="2" marL="1296000" indent="-288000">
+              <a:buClr>
+                <a:srgbClr val="000000"/>
+              </a:buClr>
+              <a:buSzPct val="45000"/>
+              <a:buFont typeface="Wingdings" charset="2"/>
+              <a:buChar char=""/>
+            </a:pPr>
+            <a:r>
+              <a:rPr b="0" lang="en-US" sz="2400" spc="-1" strike="noStrike">
+                <a:solidFill>
+                  <a:srgbClr val="000000"/>
+                </a:solidFill>
+                <a:uFill>
+                  <a:solidFill>
+                    <a:srgbClr val="ffffff"/>
+                  </a:solidFill>
+                </a:uFill>
+                <a:latin typeface="Arial"/>
+              </a:rPr>
+              <a:t>Third Outline Level</a:t>
+            </a:r>
+            <a:endParaRPr b="0" lang="en-US" sz="2400" spc="-1" strike="noStrike">
+              <a:solidFill>
+                <a:srgbClr val="000000"/>
+              </a:solidFill>
+              <a:uFill>
+                <a:solidFill>
+                  <a:srgbClr val="ffffff"/>
+                </a:solidFill>
+              </a:uFill>
+              <a:latin typeface="Arial"/>
+            </a:endParaRPr>
+          </a:p>
+          <a:p>
+            <a:pPr lvl="3" marL="1728000" indent="-216000">
+              <a:buClr>
+                <a:srgbClr val="000000"/>
+              </a:buClr>
+              <a:buSzPct val="75000"/>
+              <a:buFont typeface="Symbol" charset="2"/>
+              <a:buChar char=""/>
+            </a:pPr>
+            <a:r>
+              <a:rPr b="0" lang="en-US" sz="2000" spc="-1" strike="noStrike">
+                <a:solidFill>
+                  <a:srgbClr val="000000"/>
+                </a:solidFill>
+                <a:uFill>
+                  <a:solidFill>
+                    <a:srgbClr val="ffffff"/>
+                  </a:solidFill>
+                </a:uFill>
+                <a:latin typeface="Arial"/>
+              </a:rPr>
+              <a:t>Fourth Outline Level</a:t>
+            </a:r>
+            <a:endParaRPr b="0" lang="en-US" sz="2000" spc="-1" strike="noStrike">
+              <a:solidFill>
+                <a:srgbClr val="000000"/>
+              </a:solidFill>
+              <a:uFill>
+                <a:solidFill>
+                  <a:srgbClr val="ffffff"/>
+                </a:solidFill>
+              </a:uFill>
+              <a:latin typeface="Arial"/>
+            </a:endParaRPr>
+          </a:p>
+          <a:p>
+            <a:pPr lvl="4" marL="2160000" indent="-216000">
+              <a:buClr>
+                <a:srgbClr val="000000"/>
+              </a:buClr>
+              <a:buSzPct val="45000"/>
+              <a:buFont typeface="Wingdings" charset="2"/>
+              <a:buChar char=""/>
+            </a:pPr>
+            <a:r>
+              <a:rPr b="0" lang="en-US" sz="2000" spc="-1" strike="noStrike">
+                <a:solidFill>
+                  <a:srgbClr val="000000"/>
+                </a:solidFill>
+                <a:uFill>
+                  <a:solidFill>
+                    <a:srgbClr val="ffffff"/>
+                  </a:solidFill>
+                </a:uFill>
+                <a:latin typeface="Arial"/>
+              </a:rPr>
+              <a:t>Fifth Outline Level</a:t>
+            </a:r>
+            <a:endParaRPr b="0" lang="en-US" sz="2000" spc="-1" strike="noStrike">
+              <a:solidFill>
+                <a:srgbClr val="000000"/>
+              </a:solidFill>
+              <a:uFill>
+                <a:solidFill>
+                  <a:srgbClr val="ffffff"/>
+                </a:solidFill>
+              </a:uFill>
+              <a:latin typeface="Arial"/>
+            </a:endParaRPr>
+          </a:p>
+          <a:p>
+            <a:pPr lvl="5" marL="2592000" indent="-216000">
+              <a:buClr>
+                <a:srgbClr val="000000"/>
+              </a:buClr>
+              <a:buSzPct val="45000"/>
+              <a:buFont typeface="Wingdings" charset="2"/>
+              <a:buChar char=""/>
+            </a:pPr>
+            <a:r>
+              <a:rPr b="0" lang="en-US" sz="2000" spc="-1" strike="noStrike">
+                <a:solidFill>
+                  <a:srgbClr val="000000"/>
+                </a:solidFill>
+                <a:uFill>
+                  <a:solidFill>
+                    <a:srgbClr val="ffffff"/>
+                  </a:solidFill>
+                </a:uFill>
+                <a:latin typeface="Arial"/>
+              </a:rPr>
+              <a:t>Sixth Outline Level</a:t>
+            </a:r>
+            <a:endParaRPr b="0" lang="en-US" sz="2000" spc="-1" strike="noStrike">
+              <a:solidFill>
+                <a:srgbClr val="000000"/>
+              </a:solidFill>
+              <a:uFill>
+                <a:solidFill>
+                  <a:srgbClr val="ffffff"/>
+                </a:solidFill>
+              </a:uFill>
+              <a:latin typeface="Arial"/>
+            </a:endParaRPr>
+          </a:p>
+          <a:p>
+            <a:pPr lvl="6" marL="3024000" indent="-216000">
+              <a:buClr>
+                <a:srgbClr val="000000"/>
+              </a:buClr>
+              <a:buSzPct val="45000"/>
+              <a:buFont typeface="Wingdings" charset="2"/>
+              <a:buChar char=""/>
+            </a:pPr>
+            <a:r>
+              <a:rPr b="0" lang="en-US" sz="2000" spc="-1" strike="noStrike">
+                <a:solidFill>
+                  <a:srgbClr val="000000"/>
+                </a:solidFill>
+                <a:uFill>
+                  <a:solidFill>
+                    <a:srgbClr val="ffffff"/>
+                  </a:solidFill>
+                </a:uFill>
+                <a:latin typeface="Arial"/>
+              </a:rPr>
+              <a:t>Seventh Outline Level</a:t>
+            </a:r>
+            <a:endParaRPr b="0" lang="en-US" sz="2000" spc="-1" strike="noStrike">
+              <a:solidFill>
+                <a:srgbClr val="000000"/>
+              </a:solidFill>
+              <a:uFill>
+                <a:solidFill>
+                  <a:srgbClr val="ffffff"/>
+                </a:solidFill>
+              </a:uFill>
+              <a:latin typeface="Arial"/>
+            </a:endParaRPr>
+          </a:p>
+        </p:txBody>
+      </p:sp>
+    </p:spTree>
+  </p:cSld>
+  <p:clrMap bg1="lt1" bg2="lt2" tx1="dk1" tx2="dk2" accent1="accent1" accent2="accent2" accent3="accent3" accent4="accent4" accent5="accent5" accent6="accent6" hlink="hlink" folHlink="folHlink"/>
+  <p:sldLayoutIdLst>
+    <p:sldLayoutId id="2147483688" r:id="rId2"/>
+    <p:sldLayoutId id="2147483689" r:id="rId3"/>
+    <p:sldLayoutId id="2147483690" r:id="rId4"/>
+    <p:sldLayoutId id="2147483691" r:id="rId5"/>
+    <p:sldLayoutId id="2147483692" r:id="rId6"/>
+    <p:sldLayoutId id="2147483693" r:id="rId7"/>
+    <p:sldLayoutId id="2147483694" r:id="rId8"/>
+    <p:sldLayoutId id="2147483695" r:id="rId9"/>
+    <p:sldLayoutId id="2147483696" r:id="rId10"/>
+    <p:sldLayoutId id="2147483697" r:id="rId11"/>
+    <p:sldLayoutId id="2147483698" r:id="rId12"/>
+    <p:sldLayoutId id="2147483699" r:id="rId13"/>
   </p:sldLayoutIdLst>
 </p:sldMaster>
 </file>
@@ -5487,14 +7348,14 @@
       </p:grpSpPr>
       <p:sp>
         <p:nvSpPr>
-          <p:cNvPr id="108" name="CustomShape 1"/>
+          <p:cNvPr id="144" name="CustomShape 1"/>
           <p:cNvSpPr/>
           <p:nvPr/>
         </p:nvSpPr>
         <p:spPr>
           <a:xfrm>
             <a:off x="504000" y="301320"/>
-            <a:ext cx="9071280" cy="1261800"/>
+            <a:ext cx="9070560" cy="1261080"/>
           </a:xfrm>
           <a:prstGeom prst="rect">
             <a:avLst/>
@@ -5529,6 +7390,7 @@
                   </a:solidFill>
                 </a:uFill>
                 <a:latin typeface="Arial"/>
+                <a:ea typeface="DejaVu Sans"/>
               </a:rPr>
               <a:t>Simple pub and sub</a:t>
             </a:r>
@@ -5548,14 +7410,14 @@
       </p:sp>
       <p:sp>
         <p:nvSpPr>
-          <p:cNvPr id="109" name="CustomShape 2"/>
+          <p:cNvPr id="145" name="CustomShape 2"/>
           <p:cNvSpPr/>
           <p:nvPr/>
         </p:nvSpPr>
         <p:spPr>
           <a:xfrm>
             <a:off x="504000" y="1769040"/>
-            <a:ext cx="9071280" cy="4384080"/>
+            <a:ext cx="9070560" cy="4383360"/>
           </a:xfrm>
           <a:prstGeom prst="rect">
             <a:avLst/>
@@ -5590,6 +7452,7 @@
                   </a:solidFill>
                 </a:uFill>
                 <a:latin typeface="Arial"/>
+                <a:ea typeface="DejaVu Sans"/>
               </a:rPr>
               <a:t>Terlebih dahulu membuat workspace dan package seperti pada tutorial sebelumnya</a:t>
             </a:r>
@@ -5658,14 +7521,14 @@
       </p:grpSpPr>
       <p:sp>
         <p:nvSpPr>
-          <p:cNvPr id="110" name="CustomShape 1"/>
+          <p:cNvPr id="146" name="CustomShape 1"/>
           <p:cNvSpPr/>
           <p:nvPr/>
         </p:nvSpPr>
         <p:spPr>
           <a:xfrm>
             <a:off x="504000" y="301320"/>
-            <a:ext cx="9071280" cy="1261800"/>
+            <a:ext cx="9070560" cy="1261080"/>
           </a:xfrm>
           <a:prstGeom prst="rect">
             <a:avLst/>
@@ -5700,6 +7563,7 @@
                   </a:solidFill>
                 </a:uFill>
                 <a:latin typeface="Arial"/>
+                <a:ea typeface="DejaVu Sans"/>
               </a:rPr>
               <a:t>Membuat source code</a:t>
             </a:r>
@@ -5719,14 +7583,14 @@
       </p:sp>
       <p:sp>
         <p:nvSpPr>
-          <p:cNvPr id="111" name="CustomShape 2"/>
+          <p:cNvPr id="147" name="CustomShape 2"/>
           <p:cNvSpPr/>
           <p:nvPr/>
         </p:nvSpPr>
         <p:spPr>
           <a:xfrm>
             <a:off x="822960" y="4297680"/>
-            <a:ext cx="5211720" cy="1096920"/>
+            <a:ext cx="5211000" cy="1096200"/>
           </a:xfrm>
           <a:prstGeom prst="rect">
             <a:avLst/>
@@ -5749,14 +7613,14 @@
       </p:sp>
       <p:sp>
         <p:nvSpPr>
-          <p:cNvPr id="112" name="CustomShape 3"/>
+          <p:cNvPr id="148" name="CustomShape 3"/>
           <p:cNvSpPr/>
           <p:nvPr/>
         </p:nvSpPr>
         <p:spPr>
           <a:xfrm>
             <a:off x="504000" y="1769040"/>
-            <a:ext cx="9071280" cy="4384080"/>
+            <a:ext cx="9070560" cy="4383360"/>
           </a:xfrm>
           <a:prstGeom prst="rect">
             <a:avLst/>
@@ -5775,7 +7639,7 @@
         <p:txBody>
           <a:bodyPr lIns="0" rIns="0" tIns="0" bIns="0"/>
           <a:p>
-            <a:pPr marL="432000" indent="-323640">
+            <a:pPr marL="432000" indent="-322920">
               <a:lnSpc>
                 <a:spcPct val="100000"/>
               </a:lnSpc>
@@ -5797,6 +7661,7 @@
                   </a:solidFill>
                 </a:uFill>
                 <a:latin typeface="Arial"/>
+                <a:ea typeface="DejaVu Sans"/>
               </a:rPr>
               <a:t>Buat source code pada folder src pada package</a:t>
             </a:r>
@@ -5813,7 +7678,7 @@
             </a:endParaRPr>
           </a:p>
           <a:p>
-            <a:pPr marL="432000" indent="-323640">
+            <a:pPr marL="432000" indent="-322920">
               <a:lnSpc>
                 <a:spcPct val="100000"/>
               </a:lnSpc>
@@ -5835,6 +7700,7 @@
                   </a:solidFill>
                 </a:uFill>
                 <a:latin typeface="Arial"/>
+                <a:ea typeface="DejaVu Sans"/>
               </a:rPr>
               <a:t> </a:t>
             </a:r>
@@ -5851,7 +7717,7 @@
             </a:endParaRPr>
           </a:p>
           <a:p>
-            <a:pPr marL="432000" indent="-323640">
+            <a:pPr marL="432000" indent="-322920">
               <a:lnSpc>
                 <a:spcPct val="100000"/>
               </a:lnSpc>
@@ -5873,6 +7739,7 @@
                   </a:solidFill>
                 </a:uFill>
                 <a:latin typeface="Arial"/>
+                <a:ea typeface="DejaVu Sans"/>
               </a:rPr>
               <a:t> </a:t>
             </a:r>
@@ -5889,7 +7756,7 @@
             </a:endParaRPr>
           </a:p>
           <a:p>
-            <a:pPr marL="432000" indent="-323640">
+            <a:pPr marL="432000" indent="-322920">
               <a:lnSpc>
                 <a:spcPct val="100000"/>
               </a:lnSpc>
@@ -5911,6 +7778,7 @@
                   </a:solidFill>
                 </a:uFill>
                 <a:latin typeface="Arial"/>
+                <a:ea typeface="DejaVu Sans"/>
               </a:rPr>
               <a:t>masuk kedalam package</a:t>
             </a:r>
@@ -5927,7 +7795,7 @@
             </a:endParaRPr>
           </a:p>
           <a:p>
-            <a:pPr marL="432000" indent="-323640">
+            <a:pPr marL="432000" indent="-322920">
               <a:lnSpc>
                 <a:spcPct val="100000"/>
               </a:lnSpc>
@@ -5949,6 +7817,7 @@
                   </a:solidFill>
                 </a:uFill>
                 <a:latin typeface="Arial"/>
+                <a:ea typeface="DejaVu Sans"/>
               </a:rPr>
               <a:t>cd src</a:t>
             </a:r>
@@ -5965,7 +7834,7 @@
             </a:endParaRPr>
           </a:p>
           <a:p>
-            <a:pPr marL="432000" indent="-323640">
+            <a:pPr marL="432000" indent="-322920">
               <a:lnSpc>
                 <a:spcPct val="100000"/>
               </a:lnSpc>
@@ -5987,6 +7856,7 @@
                   </a:solidFill>
                 </a:uFill>
                 <a:latin typeface="Arial"/>
+                <a:ea typeface="DejaVu Sans"/>
               </a:rPr>
               <a:t>geany first.cpp second.cpp</a:t>
             </a:r>
@@ -6055,14 +7925,14 @@
       </p:grpSpPr>
       <p:sp>
         <p:nvSpPr>
-          <p:cNvPr id="113" name="CustomShape 1"/>
+          <p:cNvPr id="149" name="CustomShape 1"/>
           <p:cNvSpPr/>
           <p:nvPr/>
         </p:nvSpPr>
         <p:spPr>
           <a:xfrm>
             <a:off x="504000" y="301320"/>
-            <a:ext cx="9071280" cy="1261800"/>
+            <a:ext cx="9070560" cy="1261080"/>
           </a:xfrm>
           <a:prstGeom prst="rect">
             <a:avLst/>
@@ -6097,6 +7967,7 @@
                   </a:solidFill>
                 </a:uFill>
                 <a:latin typeface="Arial"/>
+                <a:ea typeface="DejaVu Sans"/>
               </a:rPr>
               <a:t>Pada first.cpp</a:t>
             </a:r>
@@ -6116,14 +7987,14 @@
       </p:sp>
       <p:sp>
         <p:nvSpPr>
-          <p:cNvPr id="114" name="CustomShape 2"/>
+          <p:cNvPr id="150" name="CustomShape 2"/>
           <p:cNvSpPr/>
           <p:nvPr/>
         </p:nvSpPr>
         <p:spPr>
           <a:xfrm>
             <a:off x="989640" y="1283400"/>
-            <a:ext cx="8154000" cy="5032080"/>
+            <a:ext cx="8153280" cy="5031360"/>
           </a:xfrm>
           <a:prstGeom prst="rect">
             <a:avLst/>
@@ -6153,6 +8024,7 @@
                   </a:solidFill>
                 </a:uFill>
                 <a:latin typeface="Arial"/>
+                <a:ea typeface="DejaVu Sans"/>
               </a:rPr>
               <a:t>#include &lt;ros/ros.h&gt;</a:t>
             </a:r>
@@ -6180,6 +8052,7 @@
                   </a:solidFill>
                 </a:uFill>
                 <a:latin typeface="Arial"/>
+                <a:ea typeface="DejaVu Sans"/>
               </a:rPr>
               <a:t>#include &lt;iostream&gt;</a:t>
             </a:r>
@@ -6207,6 +8080,7 @@
                   </a:solidFill>
                 </a:uFill>
                 <a:latin typeface="Arial"/>
+                <a:ea typeface="DejaVu Sans"/>
               </a:rPr>
               <a:t>#include &lt;stdio.h&gt;</a:t>
             </a:r>
@@ -6234,6 +8108,7 @@
                   </a:solidFill>
                 </a:uFill>
                 <a:latin typeface="Arial"/>
+                <a:ea typeface="DejaVu Sans"/>
               </a:rPr>
               <a:t>#include &lt;std_msgs/Int16.h&gt;</a:t>
             </a:r>
@@ -6261,6 +8136,7 @@
                   </a:solidFill>
                 </a:uFill>
                 <a:latin typeface="Arial"/>
+                <a:ea typeface="DejaVu Sans"/>
               </a:rPr>
               <a:t>#include &lt;std_msgs/Float32.h&gt;</a:t>
             </a:r>
@@ -6301,6 +8177,7 @@
                   </a:solidFill>
                 </a:uFill>
                 <a:latin typeface="Arial"/>
+                <a:ea typeface="DejaVu Sans"/>
               </a:rPr>
               <a:t>using namespace std;</a:t>
             </a:r>
@@ -6328,6 +8205,7 @@
                   </a:solidFill>
                 </a:uFill>
                 <a:latin typeface="Arial"/>
+                <a:ea typeface="DejaVu Sans"/>
               </a:rPr>
               <a:t>int one = 1;</a:t>
             </a:r>
@@ -6355,6 +8233,7 @@
                   </a:solidFill>
                 </a:uFill>
                 <a:latin typeface="Arial"/>
+                <a:ea typeface="DejaVu Sans"/>
               </a:rPr>
               <a:t>float phi;</a:t>
             </a:r>
@@ -6395,6 +8274,7 @@
                   </a:solidFill>
                 </a:uFill>
                 <a:latin typeface="Arial"/>
+                <a:ea typeface="DejaVu Sans"/>
               </a:rPr>
               <a:t>std_msgs::Int16 num;</a:t>
             </a:r>
@@ -6435,6 +8315,7 @@
                   </a:solidFill>
                 </a:uFill>
                 <a:latin typeface="Arial"/>
+                <a:ea typeface="DejaVu Sans"/>
               </a:rPr>
               <a:t>void number_cb</a:t>
             </a:r>
@@ -6449,6 +8330,7 @@
                   </a:solidFill>
                 </a:uFill>
                 <a:latin typeface="Arial"/>
+                <a:ea typeface="DejaVu Sans"/>
               </a:rPr>
               <a:t>	</a:t>
             </a:r>
@@ -6463,6 +8345,7 @@
                   </a:solidFill>
                 </a:uFill>
                 <a:latin typeface="Arial"/>
+                <a:ea typeface="DejaVu Sans"/>
               </a:rPr>
               <a:t>(const std_msgs::Float32&amp; number);</a:t>
             </a:r>
@@ -6503,6 +8386,7 @@
                   </a:solidFill>
                 </a:uFill>
                 <a:latin typeface="Arial"/>
+                <a:ea typeface="DejaVu Sans"/>
               </a:rPr>
               <a:t>int main(int argc, char **argv)</a:t>
             </a:r>
@@ -6530,6 +8414,7 @@
                   </a:solidFill>
                 </a:uFill>
                 <a:latin typeface="Arial"/>
+                <a:ea typeface="DejaVu Sans"/>
               </a:rPr>
               <a:t>{</a:t>
             </a:r>
@@ -6557,6 +8442,7 @@
                   </a:solidFill>
                 </a:uFill>
                 <a:latin typeface="Arial"/>
+                <a:ea typeface="DejaVu Sans"/>
               </a:rPr>
               <a:t>	</a:t>
             </a:r>
@@ -6571,6 +8457,7 @@
                   </a:solidFill>
                 </a:uFill>
                 <a:latin typeface="Arial"/>
+                <a:ea typeface="DejaVu Sans"/>
               </a:rPr>
               <a:t>ros::init(argc, argv, "node_controller");</a:t>
             </a:r>
@@ -6598,6 +8485,7 @@
                   </a:solidFill>
                 </a:uFill>
                 <a:latin typeface="Arial"/>
+                <a:ea typeface="DejaVu Sans"/>
               </a:rPr>
               <a:t>	</a:t>
             </a:r>
@@ -6612,6 +8500,7 @@
                   </a:solidFill>
                 </a:uFill>
                 <a:latin typeface="Arial"/>
+                <a:ea typeface="DejaVu Sans"/>
               </a:rPr>
               <a:t>ros::NodeHandle nh;</a:t>
             </a:r>
@@ -6639,6 +8528,7 @@
                   </a:solidFill>
                 </a:uFill>
                 <a:latin typeface="Arial"/>
+                <a:ea typeface="DejaVu Sans"/>
               </a:rPr>
               <a:t>	</a:t>
             </a:r>
@@ -6666,6 +8556,7 @@
                   </a:solidFill>
                 </a:uFill>
                 <a:latin typeface="Arial"/>
+                <a:ea typeface="DejaVu Sans"/>
               </a:rPr>
               <a:t>	</a:t>
             </a:r>
@@ -6680,6 +8571,7 @@
                   </a:solidFill>
                 </a:uFill>
                 <a:latin typeface="Arial"/>
+                <a:ea typeface="DejaVu Sans"/>
               </a:rPr>
               <a:t>ros::Publisher pub_number = nh.advertise&lt;std_msgs::Int16&gt;("int", 1, true);</a:t>
             </a:r>
@@ -6707,6 +8599,7 @@
                   </a:solidFill>
                 </a:uFill>
                 <a:latin typeface="Arial"/>
+                <a:ea typeface="DejaVu Sans"/>
               </a:rPr>
               <a:t>	</a:t>
             </a:r>
@@ -6721,6 +8614,7 @@
                   </a:solidFill>
                 </a:uFill>
                 <a:latin typeface="Arial"/>
+                <a:ea typeface="DejaVu Sans"/>
               </a:rPr>
               <a:t>ros::Subscriber sub_number = nh.subscribe("float", 1, number_cb);</a:t>
             </a:r>
@@ -6748,6 +8642,7 @@
                   </a:solidFill>
                 </a:uFill>
                 <a:latin typeface="Arial"/>
+                <a:ea typeface="DejaVu Sans"/>
               </a:rPr>
               <a:t>	</a:t>
             </a:r>
@@ -6775,6 +8670,7 @@
                   </a:solidFill>
                 </a:uFill>
                 <a:latin typeface="Arial"/>
+                <a:ea typeface="DejaVu Sans"/>
               </a:rPr>
               <a:t>	</a:t>
             </a:r>
@@ -6789,6 +8685,7 @@
                   </a:solidFill>
                 </a:uFill>
                 <a:latin typeface="Arial"/>
+                <a:ea typeface="DejaVu Sans"/>
               </a:rPr>
               <a:t>while(ros::ok()){</a:t>
             </a:r>
@@ -6816,6 +8713,7 @@
                   </a:solidFill>
                 </a:uFill>
                 <a:latin typeface="Arial"/>
+                <a:ea typeface="DejaVu Sans"/>
               </a:rPr>
               <a:t>	</a:t>
             </a:r>
@@ -6830,6 +8728,7 @@
                   </a:solidFill>
                 </a:uFill>
                 <a:latin typeface="Arial"/>
+                <a:ea typeface="DejaVu Sans"/>
               </a:rPr>
               <a:t>	</a:t>
             </a:r>
@@ -6844,6 +8743,7 @@
                   </a:solidFill>
                 </a:uFill>
                 <a:latin typeface="Arial"/>
+                <a:ea typeface="DejaVu Sans"/>
               </a:rPr>
               <a:t>ros::spinOnce();</a:t>
             </a:r>
@@ -6871,6 +8771,7 @@
                   </a:solidFill>
                 </a:uFill>
                 <a:latin typeface="Arial"/>
+                <a:ea typeface="DejaVu Sans"/>
               </a:rPr>
               <a:t>	</a:t>
             </a:r>
@@ -6885,6 +8786,7 @@
                   </a:solidFill>
                 </a:uFill>
                 <a:latin typeface="Arial"/>
+                <a:ea typeface="DejaVu Sans"/>
               </a:rPr>
               <a:t>	</a:t>
             </a:r>
@@ -6899,6 +8801,7 @@
                   </a:solidFill>
                 </a:uFill>
                 <a:latin typeface="Arial"/>
+                <a:ea typeface="DejaVu Sans"/>
               </a:rPr>
               <a:t>num.data = one;</a:t>
             </a:r>
@@ -6926,6 +8829,7 @@
                   </a:solidFill>
                 </a:uFill>
                 <a:latin typeface="Arial"/>
+                <a:ea typeface="DejaVu Sans"/>
               </a:rPr>
               <a:t>	</a:t>
             </a:r>
@@ -6940,6 +8844,7 @@
                   </a:solidFill>
                 </a:uFill>
                 <a:latin typeface="Arial"/>
+                <a:ea typeface="DejaVu Sans"/>
               </a:rPr>
               <a:t>	</a:t>
             </a:r>
@@ -6954,6 +8859,7 @@
                   </a:solidFill>
                 </a:uFill>
                 <a:latin typeface="Arial"/>
+                <a:ea typeface="DejaVu Sans"/>
               </a:rPr>
               <a:t>pub_number.publish(num);</a:t>
             </a:r>
@@ -6981,6 +8887,7 @@
                   </a:solidFill>
                 </a:uFill>
                 <a:latin typeface="Arial"/>
+                <a:ea typeface="DejaVu Sans"/>
               </a:rPr>
               <a:t>	</a:t>
             </a:r>
@@ -6995,6 +8902,7 @@
                   </a:solidFill>
                 </a:uFill>
                 <a:latin typeface="Arial"/>
+                <a:ea typeface="DejaVu Sans"/>
               </a:rPr>
               <a:t>	</a:t>
             </a:r>
@@ -7009,6 +8917,7 @@
                   </a:solidFill>
                 </a:uFill>
                 <a:latin typeface="Arial"/>
+                <a:ea typeface="DejaVu Sans"/>
               </a:rPr>
               <a:t>cout&lt;&lt;"[first] I publish number "&lt;&lt;one&lt;&lt;endl;</a:t>
             </a:r>
@@ -7036,6 +8945,7 @@
                   </a:solidFill>
                 </a:uFill>
                 <a:latin typeface="Arial"/>
+                <a:ea typeface="DejaVu Sans"/>
               </a:rPr>
               <a:t>	</a:t>
             </a:r>
@@ -7050,6 +8960,7 @@
                   </a:solidFill>
                 </a:uFill>
                 <a:latin typeface="Arial"/>
+                <a:ea typeface="DejaVu Sans"/>
               </a:rPr>
               <a:t>	</a:t>
             </a:r>
@@ -7064,6 +8975,7 @@
                   </a:solidFill>
                 </a:uFill>
                 <a:latin typeface="Arial"/>
+                <a:ea typeface="DejaVu Sans"/>
               </a:rPr>
               <a:t>cout&lt;&lt;"[first] I subscribe number "&lt;&lt;phi&lt;&lt;endl;</a:t>
             </a:r>
@@ -7091,6 +9003,7 @@
                   </a:solidFill>
                 </a:uFill>
                 <a:latin typeface="Arial"/>
+                <a:ea typeface="DejaVu Sans"/>
               </a:rPr>
               <a:t>	</a:t>
             </a:r>
@@ -7105,6 +9018,7 @@
                   </a:solidFill>
                 </a:uFill>
                 <a:latin typeface="Arial"/>
+                <a:ea typeface="DejaVu Sans"/>
               </a:rPr>
               <a:t>	</a:t>
             </a:r>
@@ -7119,6 +9033,7 @@
                   </a:solidFill>
                 </a:uFill>
                 <a:latin typeface="Arial"/>
+                <a:ea typeface="DejaVu Sans"/>
               </a:rPr>
               <a:t>sleep(2);</a:t>
             </a:r>
@@ -7146,6 +9061,7 @@
                   </a:solidFill>
                 </a:uFill>
                 <a:latin typeface="Arial"/>
+                <a:ea typeface="DejaVu Sans"/>
               </a:rPr>
               <a:t>	</a:t>
             </a:r>
@@ -7160,6 +9076,7 @@
                   </a:solidFill>
                 </a:uFill>
                 <a:latin typeface="Arial"/>
+                <a:ea typeface="DejaVu Sans"/>
               </a:rPr>
               <a:t>}</a:t>
             </a:r>
@@ -7187,6 +9104,7 @@
                   </a:solidFill>
                 </a:uFill>
                 <a:latin typeface="Arial"/>
+                <a:ea typeface="DejaVu Sans"/>
               </a:rPr>
               <a:t>}</a:t>
             </a:r>
@@ -7227,6 +9145,7 @@
                   </a:solidFill>
                 </a:uFill>
                 <a:latin typeface="Arial"/>
+                <a:ea typeface="DejaVu Sans"/>
               </a:rPr>
               <a:t>void number_cb</a:t>
             </a:r>
@@ -7241,6 +9160,7 @@
                   </a:solidFill>
                 </a:uFill>
                 <a:latin typeface="Arial"/>
+                <a:ea typeface="DejaVu Sans"/>
               </a:rPr>
               <a:t>	</a:t>
             </a:r>
@@ -7255,6 +9175,7 @@
                   </a:solidFill>
                 </a:uFill>
                 <a:latin typeface="Arial"/>
+                <a:ea typeface="DejaVu Sans"/>
               </a:rPr>
               <a:t>(const std_msgs::Float32&amp; number){</a:t>
             </a:r>
@@ -7282,6 +9203,7 @@
                   </a:solidFill>
                 </a:uFill>
                 <a:latin typeface="Arial"/>
+                <a:ea typeface="DejaVu Sans"/>
               </a:rPr>
               <a:t>	</a:t>
             </a:r>
@@ -7296,6 +9218,7 @@
                   </a:solidFill>
                 </a:uFill>
                 <a:latin typeface="Arial"/>
+                <a:ea typeface="DejaVu Sans"/>
               </a:rPr>
               <a:t>	</a:t>
             </a:r>
@@ -7310,6 +9233,7 @@
                   </a:solidFill>
                 </a:uFill>
                 <a:latin typeface="Arial"/>
+                <a:ea typeface="DejaVu Sans"/>
               </a:rPr>
               <a:t>phi = number.data;</a:t>
             </a:r>
@@ -7337,6 +9261,7 @@
                   </a:solidFill>
                 </a:uFill>
                 <a:latin typeface="Arial"/>
+                <a:ea typeface="DejaVu Sans"/>
               </a:rPr>
               <a:t>}</a:t>
             </a:r>
@@ -7418,14 +9343,14 @@
       </p:grpSpPr>
       <p:sp>
         <p:nvSpPr>
-          <p:cNvPr id="115" name="CustomShape 1"/>
+          <p:cNvPr id="151" name="CustomShape 1"/>
           <p:cNvSpPr/>
           <p:nvPr/>
         </p:nvSpPr>
         <p:spPr>
           <a:xfrm>
             <a:off x="504000" y="301320"/>
-            <a:ext cx="9071280" cy="1261800"/>
+            <a:ext cx="9070560" cy="1261080"/>
           </a:xfrm>
           <a:prstGeom prst="rect">
             <a:avLst/>
@@ -7460,6 +9385,7 @@
                   </a:solidFill>
                 </a:uFill>
                 <a:latin typeface="Arial"/>
+                <a:ea typeface="DejaVu Sans"/>
               </a:rPr>
               <a:t>Pada second.cpp</a:t>
             </a:r>
@@ -7479,14 +9405,14 @@
       </p:sp>
       <p:sp>
         <p:nvSpPr>
-          <p:cNvPr id="116" name="CustomShape 2"/>
+          <p:cNvPr id="152" name="CustomShape 2"/>
           <p:cNvSpPr/>
           <p:nvPr/>
         </p:nvSpPr>
         <p:spPr>
           <a:xfrm>
             <a:off x="781200" y="1283400"/>
-            <a:ext cx="8597520" cy="5940000"/>
+            <a:ext cx="8596800" cy="5939280"/>
           </a:xfrm>
           <a:prstGeom prst="rect">
             <a:avLst/>
@@ -7516,6 +9442,7 @@
                   </a:solidFill>
                 </a:uFill>
                 <a:latin typeface="Arial"/>
+                <a:ea typeface="DejaVu Sans"/>
               </a:rPr>
               <a:t>#include &lt;ros/ros.h&gt;</a:t>
             </a:r>
@@ -7543,6 +9470,7 @@
                   </a:solidFill>
                 </a:uFill>
                 <a:latin typeface="Arial"/>
+                <a:ea typeface="DejaVu Sans"/>
               </a:rPr>
               <a:t>#include &lt;iostream&gt;</a:t>
             </a:r>
@@ -7570,6 +9498,7 @@
                   </a:solidFill>
                 </a:uFill>
                 <a:latin typeface="Arial"/>
+                <a:ea typeface="DejaVu Sans"/>
               </a:rPr>
               <a:t>#include &lt;stdio.h&gt;</a:t>
             </a:r>
@@ -7597,6 +9526,7 @@
                   </a:solidFill>
                 </a:uFill>
                 <a:latin typeface="Arial"/>
+                <a:ea typeface="DejaVu Sans"/>
               </a:rPr>
               <a:t>#include &lt;std_msgs/Int16.h&gt;</a:t>
             </a:r>
@@ -7624,6 +9554,7 @@
                   </a:solidFill>
                 </a:uFill>
                 <a:latin typeface="Arial"/>
+                <a:ea typeface="DejaVu Sans"/>
               </a:rPr>
               <a:t>#include &lt;std_msgs/Float32.h&gt;</a:t>
             </a:r>
@@ -7664,6 +9595,7 @@
                   </a:solidFill>
                 </a:uFill>
                 <a:latin typeface="Arial"/>
+                <a:ea typeface="DejaVu Sans"/>
               </a:rPr>
               <a:t>using namespace std;</a:t>
             </a:r>
@@ -7691,6 +9623,7 @@
                   </a:solidFill>
                 </a:uFill>
                 <a:latin typeface="Arial"/>
+                <a:ea typeface="DejaVu Sans"/>
               </a:rPr>
               <a:t>int one;</a:t>
             </a:r>
@@ -7718,6 +9651,7 @@
                   </a:solidFill>
                 </a:uFill>
                 <a:latin typeface="Arial"/>
+                <a:ea typeface="DejaVu Sans"/>
               </a:rPr>
               <a:t>float phi = 3.14;</a:t>
             </a:r>
@@ -7758,6 +9692,7 @@
                   </a:solidFill>
                 </a:uFill>
                 <a:latin typeface="Arial"/>
+                <a:ea typeface="DejaVu Sans"/>
               </a:rPr>
               <a:t>std_msgs::Float32 num;</a:t>
             </a:r>
@@ -7798,6 +9733,7 @@
                   </a:solidFill>
                 </a:uFill>
                 <a:latin typeface="Arial"/>
+                <a:ea typeface="DejaVu Sans"/>
               </a:rPr>
               <a:t>void number_cb</a:t>
             </a:r>
@@ -7812,6 +9748,7 @@
                   </a:solidFill>
                 </a:uFill>
                 <a:latin typeface="Arial"/>
+                <a:ea typeface="DejaVu Sans"/>
               </a:rPr>
               <a:t>	</a:t>
             </a:r>
@@ -7826,6 +9763,7 @@
                   </a:solidFill>
                 </a:uFill>
                 <a:latin typeface="Arial"/>
+                <a:ea typeface="DejaVu Sans"/>
               </a:rPr>
               <a:t>(const std_msgs::Int16&amp; number);</a:t>
             </a:r>
@@ -7866,6 +9804,7 @@
                   </a:solidFill>
                 </a:uFill>
                 <a:latin typeface="Arial"/>
+                <a:ea typeface="DejaVu Sans"/>
               </a:rPr>
               <a:t>int main(int argc, char **argv)</a:t>
             </a:r>
@@ -7893,6 +9832,7 @@
                   </a:solidFill>
                 </a:uFill>
                 <a:latin typeface="Arial"/>
+                <a:ea typeface="DejaVu Sans"/>
               </a:rPr>
               <a:t>{</a:t>
             </a:r>
@@ -7920,6 +9860,7 @@
                   </a:solidFill>
                 </a:uFill>
                 <a:latin typeface="Arial"/>
+                <a:ea typeface="DejaVu Sans"/>
               </a:rPr>
               <a:t>	</a:t>
             </a:r>
@@ -7934,6 +9875,7 @@
                   </a:solidFill>
                 </a:uFill>
                 <a:latin typeface="Arial"/>
+                <a:ea typeface="DejaVu Sans"/>
               </a:rPr>
               <a:t>ros::init(argc, argv, "node_controller");</a:t>
             </a:r>
@@ -7961,6 +9903,7 @@
                   </a:solidFill>
                 </a:uFill>
                 <a:latin typeface="Arial"/>
+                <a:ea typeface="DejaVu Sans"/>
               </a:rPr>
               <a:t>	</a:t>
             </a:r>
@@ -7975,6 +9918,7 @@
                   </a:solidFill>
                 </a:uFill>
                 <a:latin typeface="Arial"/>
+                <a:ea typeface="DejaVu Sans"/>
               </a:rPr>
               <a:t>ros::NodeHandle nh;</a:t>
             </a:r>
@@ -8002,6 +9946,7 @@
                   </a:solidFill>
                 </a:uFill>
                 <a:latin typeface="Arial"/>
+                <a:ea typeface="DejaVu Sans"/>
               </a:rPr>
               <a:t>	</a:t>
             </a:r>
@@ -8029,6 +9974,7 @@
                   </a:solidFill>
                 </a:uFill>
                 <a:latin typeface="Arial"/>
+                <a:ea typeface="DejaVu Sans"/>
               </a:rPr>
               <a:t>	</a:t>
             </a:r>
@@ -8043,6 +9989,7 @@
                   </a:solidFill>
                 </a:uFill>
                 <a:latin typeface="Arial"/>
+                <a:ea typeface="DejaVu Sans"/>
               </a:rPr>
               <a:t>ros::Publisher pub_number = nh.advertise&lt;std_msgs::Float32&gt;("float", 1, true);</a:t>
             </a:r>
@@ -8070,6 +10017,7 @@
                   </a:solidFill>
                 </a:uFill>
                 <a:latin typeface="Arial"/>
+                <a:ea typeface="DejaVu Sans"/>
               </a:rPr>
               <a:t>	</a:t>
             </a:r>
@@ -8084,6 +10032,7 @@
                   </a:solidFill>
                 </a:uFill>
                 <a:latin typeface="Arial"/>
+                <a:ea typeface="DejaVu Sans"/>
               </a:rPr>
               <a:t>ros::Subscriber sub_number = nh.subscribe("int", 1, number_cb);</a:t>
             </a:r>
@@ -8111,6 +10060,7 @@
                   </a:solidFill>
                 </a:uFill>
                 <a:latin typeface="Arial"/>
+                <a:ea typeface="DejaVu Sans"/>
               </a:rPr>
               <a:t>	</a:t>
             </a:r>
@@ -8138,6 +10088,7 @@
                   </a:solidFill>
                 </a:uFill>
                 <a:latin typeface="Arial"/>
+                <a:ea typeface="DejaVu Sans"/>
               </a:rPr>
               <a:t>	</a:t>
             </a:r>
@@ -8152,6 +10103,7 @@
                   </a:solidFill>
                 </a:uFill>
                 <a:latin typeface="Arial"/>
+                <a:ea typeface="DejaVu Sans"/>
               </a:rPr>
               <a:t>while(ros::ok()){</a:t>
             </a:r>
@@ -8179,6 +10131,7 @@
                   </a:solidFill>
                 </a:uFill>
                 <a:latin typeface="Arial"/>
+                <a:ea typeface="DejaVu Sans"/>
               </a:rPr>
               <a:t>	</a:t>
             </a:r>
@@ -8193,6 +10146,7 @@
                   </a:solidFill>
                 </a:uFill>
                 <a:latin typeface="Arial"/>
+                <a:ea typeface="DejaVu Sans"/>
               </a:rPr>
               <a:t>	</a:t>
             </a:r>
@@ -8207,6 +10161,7 @@
                   </a:solidFill>
                 </a:uFill>
                 <a:latin typeface="Arial"/>
+                <a:ea typeface="DejaVu Sans"/>
               </a:rPr>
               <a:t>ros::spinOnce();</a:t>
             </a:r>
@@ -8234,6 +10189,7 @@
                   </a:solidFill>
                 </a:uFill>
                 <a:latin typeface="Arial"/>
+                <a:ea typeface="DejaVu Sans"/>
               </a:rPr>
               <a:t>	</a:t>
             </a:r>
@@ -8248,6 +10204,7 @@
                   </a:solidFill>
                 </a:uFill>
                 <a:latin typeface="Arial"/>
+                <a:ea typeface="DejaVu Sans"/>
               </a:rPr>
               <a:t>	</a:t>
             </a:r>
@@ -8262,6 +10219,7 @@
                   </a:solidFill>
                 </a:uFill>
                 <a:latin typeface="Arial"/>
+                <a:ea typeface="DejaVu Sans"/>
               </a:rPr>
               <a:t>num.data = phi;</a:t>
             </a:r>
@@ -8289,6 +10247,7 @@
                   </a:solidFill>
                 </a:uFill>
                 <a:latin typeface="Arial"/>
+                <a:ea typeface="DejaVu Sans"/>
               </a:rPr>
               <a:t>	</a:t>
             </a:r>
@@ -8303,6 +10262,7 @@
                   </a:solidFill>
                 </a:uFill>
                 <a:latin typeface="Arial"/>
+                <a:ea typeface="DejaVu Sans"/>
               </a:rPr>
               <a:t>	</a:t>
             </a:r>
@@ -8317,6 +10277,7 @@
                   </a:solidFill>
                 </a:uFill>
                 <a:latin typeface="Arial"/>
+                <a:ea typeface="DejaVu Sans"/>
               </a:rPr>
               <a:t>pub_number.publish(num);</a:t>
             </a:r>
@@ -8344,6 +10305,7 @@
                   </a:solidFill>
                 </a:uFill>
                 <a:latin typeface="Arial"/>
+                <a:ea typeface="DejaVu Sans"/>
               </a:rPr>
               <a:t>	</a:t>
             </a:r>
@@ -8358,6 +10320,7 @@
                   </a:solidFill>
                 </a:uFill>
                 <a:latin typeface="Arial"/>
+                <a:ea typeface="DejaVu Sans"/>
               </a:rPr>
               <a:t>	</a:t>
             </a:r>
@@ -8372,6 +10335,7 @@
                   </a:solidFill>
                 </a:uFill>
                 <a:latin typeface="Arial"/>
+                <a:ea typeface="DejaVu Sans"/>
               </a:rPr>
               <a:t>cout&lt;&lt;"[second] I publish number "&lt;&lt;phi&lt;&lt;endl;</a:t>
             </a:r>
@@ -8399,6 +10363,7 @@
                   </a:solidFill>
                 </a:uFill>
                 <a:latin typeface="Arial"/>
+                <a:ea typeface="DejaVu Sans"/>
               </a:rPr>
               <a:t>	</a:t>
             </a:r>
@@ -8413,6 +10378,7 @@
                   </a:solidFill>
                 </a:uFill>
                 <a:latin typeface="Arial"/>
+                <a:ea typeface="DejaVu Sans"/>
               </a:rPr>
               <a:t>	</a:t>
             </a:r>
@@ -8427,6 +10393,7 @@
                   </a:solidFill>
                 </a:uFill>
                 <a:latin typeface="Arial"/>
+                <a:ea typeface="DejaVu Sans"/>
               </a:rPr>
               <a:t>cout&lt;&lt;"[second] I subscribe number "&lt;&lt;one&lt;&lt;endl;</a:t>
             </a:r>
@@ -8454,6 +10421,7 @@
                   </a:solidFill>
                 </a:uFill>
                 <a:latin typeface="Arial"/>
+                <a:ea typeface="DejaVu Sans"/>
               </a:rPr>
               <a:t>	</a:t>
             </a:r>
@@ -8468,6 +10436,7 @@
                   </a:solidFill>
                 </a:uFill>
                 <a:latin typeface="Arial"/>
+                <a:ea typeface="DejaVu Sans"/>
               </a:rPr>
               <a:t>	</a:t>
             </a:r>
@@ -8482,6 +10451,7 @@
                   </a:solidFill>
                 </a:uFill>
                 <a:latin typeface="Arial"/>
+                <a:ea typeface="DejaVu Sans"/>
               </a:rPr>
               <a:t>sleep(2);</a:t>
             </a:r>
@@ -8509,6 +10479,7 @@
                   </a:solidFill>
                 </a:uFill>
                 <a:latin typeface="Arial"/>
+                <a:ea typeface="DejaVu Sans"/>
               </a:rPr>
               <a:t>	</a:t>
             </a:r>
@@ -8523,6 +10494,7 @@
                   </a:solidFill>
                 </a:uFill>
                 <a:latin typeface="Arial"/>
+                <a:ea typeface="DejaVu Sans"/>
               </a:rPr>
               <a:t>}</a:t>
             </a:r>
@@ -8550,6 +10522,7 @@
                   </a:solidFill>
                 </a:uFill>
                 <a:latin typeface="Arial"/>
+                <a:ea typeface="DejaVu Sans"/>
               </a:rPr>
               <a:t>}</a:t>
             </a:r>
@@ -8590,6 +10563,7 @@
                   </a:solidFill>
                 </a:uFill>
                 <a:latin typeface="Arial"/>
+                <a:ea typeface="DejaVu Sans"/>
               </a:rPr>
               <a:t>void number_cb</a:t>
             </a:r>
@@ -8604,6 +10578,7 @@
                   </a:solidFill>
                 </a:uFill>
                 <a:latin typeface="Arial"/>
+                <a:ea typeface="DejaVu Sans"/>
               </a:rPr>
               <a:t>	</a:t>
             </a:r>
@@ -8618,6 +10593,7 @@
                   </a:solidFill>
                 </a:uFill>
                 <a:latin typeface="Arial"/>
+                <a:ea typeface="DejaVu Sans"/>
               </a:rPr>
               <a:t>(const std_msgs::Int16&amp; number){</a:t>
             </a:r>
@@ -8645,6 +10621,7 @@
                   </a:solidFill>
                 </a:uFill>
                 <a:latin typeface="Arial"/>
+                <a:ea typeface="DejaVu Sans"/>
               </a:rPr>
               <a:t>	</a:t>
             </a:r>
@@ -8659,6 +10636,7 @@
                   </a:solidFill>
                 </a:uFill>
                 <a:latin typeface="Arial"/>
+                <a:ea typeface="DejaVu Sans"/>
               </a:rPr>
               <a:t>	</a:t>
             </a:r>
@@ -8673,6 +10651,7 @@
                   </a:solidFill>
                 </a:uFill>
                 <a:latin typeface="Arial"/>
+                <a:ea typeface="DejaVu Sans"/>
               </a:rPr>
               <a:t>one = number.data;</a:t>
             </a:r>
@@ -8700,6 +10679,7 @@
                   </a:solidFill>
                 </a:uFill>
                 <a:latin typeface="Arial"/>
+                <a:ea typeface="DejaVu Sans"/>
               </a:rPr>
               <a:t>}</a:t>
             </a:r>
@@ -8781,14 +10761,14 @@
       </p:grpSpPr>
       <p:sp>
         <p:nvSpPr>
-          <p:cNvPr id="117" name="CustomShape 1"/>
+          <p:cNvPr id="153" name="CustomShape 1"/>
           <p:cNvSpPr/>
           <p:nvPr/>
         </p:nvSpPr>
         <p:spPr>
           <a:xfrm>
             <a:off x="504000" y="301320"/>
-            <a:ext cx="9071280" cy="1261800"/>
+            <a:ext cx="9070560" cy="1261080"/>
           </a:xfrm>
           <a:prstGeom prst="rect">
             <a:avLst/>
@@ -8823,6 +10803,7 @@
                   </a:solidFill>
                 </a:uFill>
                 <a:latin typeface="Arial"/>
+                <a:ea typeface="DejaVu Sans"/>
               </a:rPr>
               <a:t>Pada CMakeList</a:t>
             </a:r>
@@ -8842,14 +10823,14 @@
       </p:sp>
       <p:sp>
         <p:nvSpPr>
-          <p:cNvPr id="118" name="CustomShape 2"/>
+          <p:cNvPr id="154" name="CustomShape 2"/>
           <p:cNvSpPr/>
           <p:nvPr/>
         </p:nvSpPr>
         <p:spPr>
           <a:xfrm>
             <a:off x="2429280" y="2247480"/>
-            <a:ext cx="5301000" cy="1370160"/>
+            <a:ext cx="5300280" cy="1369440"/>
           </a:xfrm>
           <a:prstGeom prst="rect">
             <a:avLst/>
@@ -8879,6 +10860,7 @@
                   </a:solidFill>
                 </a:uFill>
                 <a:latin typeface="Arial"/>
+                <a:ea typeface="DejaVu Sans"/>
               </a:rPr>
               <a:t>add_executable(first src/first.cpp)</a:t>
             </a:r>
@@ -8906,6 +10888,7 @@
                   </a:solidFill>
                 </a:uFill>
                 <a:latin typeface="Arial"/>
+                <a:ea typeface="DejaVu Sans"/>
               </a:rPr>
               <a:t>target_link_libraries(first ${catkin_LIBRARIES})</a:t>
             </a:r>
@@ -8946,6 +10929,7 @@
                   </a:solidFill>
                 </a:uFill>
                 <a:latin typeface="Arial"/>
+                <a:ea typeface="DejaVu Sans"/>
               </a:rPr>
               <a:t>add_executable(second src/second.cpp)</a:t>
             </a:r>
@@ -8973,6 +10957,7 @@
                   </a:solidFill>
                 </a:uFill>
                 <a:latin typeface="Arial"/>
+                <a:ea typeface="DejaVu Sans"/>
               </a:rPr>
               <a:t>target_link_libraries(second ${catkin_LIBRARIES})</a:t>
             </a:r>
@@ -9041,14 +11026,14 @@
       </p:grpSpPr>
       <p:sp>
         <p:nvSpPr>
-          <p:cNvPr id="119" name="CustomShape 1"/>
+          <p:cNvPr id="155" name="CustomShape 1"/>
           <p:cNvSpPr/>
           <p:nvPr/>
         </p:nvSpPr>
         <p:spPr>
           <a:xfrm>
             <a:off x="504000" y="301320"/>
-            <a:ext cx="9071280" cy="1261800"/>
+            <a:ext cx="9070560" cy="1261080"/>
           </a:xfrm>
           <a:prstGeom prst="rect">
             <a:avLst/>
@@ -9083,6 +11068,7 @@
                   </a:solidFill>
                 </a:uFill>
                 <a:latin typeface="Arial"/>
+                <a:ea typeface="DejaVu Sans"/>
               </a:rPr>
               <a:t>Membuat launch file</a:t>
             </a:r>
@@ -9102,14 +11088,14 @@
       </p:sp>
       <p:sp>
         <p:nvSpPr>
-          <p:cNvPr id="120" name="CustomShape 2"/>
+          <p:cNvPr id="156" name="CustomShape 2"/>
           <p:cNvSpPr/>
           <p:nvPr/>
         </p:nvSpPr>
         <p:spPr>
           <a:xfrm>
-            <a:off x="1097280" y="2286000"/>
-            <a:ext cx="2102760" cy="731160"/>
+            <a:off x="1097280" y="3109680"/>
+            <a:ext cx="2102040" cy="730440"/>
           </a:xfrm>
           <a:prstGeom prst="rect">
             <a:avLst/>
@@ -9132,21 +11118,25 @@
       </p:sp>
       <p:sp>
         <p:nvSpPr>
-          <p:cNvPr id="121" name="CustomShape 3"/>
+          <p:cNvPr id="157" name="CustomShape 3"/>
           <p:cNvSpPr/>
           <p:nvPr/>
         </p:nvSpPr>
         <p:spPr>
           <a:xfrm>
-            <a:off x="1018800" y="2196360"/>
-            <a:ext cx="8121960" cy="2649600"/>
-          </a:xfrm>
-          <a:prstGeom prst="rect">
-            <a:avLst/>
-          </a:prstGeom>
-          <a:noFill/>
+            <a:off x="1005840" y="4663440"/>
+            <a:ext cx="8124840" cy="1737000"/>
+          </a:xfrm>
+          <a:prstGeom prst="rect">
+            <a:avLst/>
+          </a:prstGeom>
+          <a:solidFill>
+            <a:srgbClr val="729fcf"/>
+          </a:solidFill>
           <a:ln>
-            <a:noFill/>
+            <a:solidFill>
+              <a:srgbClr val="3465a4"/>
+            </a:solidFill>
           </a:ln>
         </p:spPr>
         <p:style>
@@ -9155,6 +11145,32 @@
           <a:effectRef idx="0"/>
           <a:fontRef idx="minor"/>
         </p:style>
+      </p:sp>
+      <p:sp>
+        <p:nvSpPr>
+          <p:cNvPr id="158" name="CustomShape 4"/>
+          <p:cNvSpPr/>
+          <p:nvPr/>
+        </p:nvSpPr>
+        <p:spPr>
+          <a:xfrm>
+            <a:off x="1018800" y="2196360"/>
+            <a:ext cx="8121240" cy="2648880"/>
+          </a:xfrm>
+          <a:prstGeom prst="rect">
+            <a:avLst/>
+          </a:prstGeom>
+          <a:noFill/>
+          <a:ln>
+            <a:noFill/>
+          </a:ln>
+        </p:spPr>
+        <p:style>
+          <a:lnRef idx="0"/>
+          <a:fillRef idx="0"/>
+          <a:effectRef idx="0"/>
+          <a:fontRef idx="minor"/>
+        </p:style>
         <p:txBody>
           <a:bodyPr lIns="90000" rIns="90000" tIns="45000" bIns="45000"/>
           <a:p>
@@ -9169,6 +11185,61 @@
                   </a:solidFill>
                 </a:uFill>
                 <a:latin typeface="Arial"/>
+                <a:ea typeface="DejaVu Sans"/>
+              </a:rPr>
+              <a:t>Launch file digunakan untuk menjalankan beberapa node secara bersamaan</a:t>
+            </a:r>
+            <a:endParaRPr b="0" lang="en-US" sz="1800" spc="-1" strike="noStrike">
+              <a:solidFill>
+                <a:srgbClr val="000000"/>
+              </a:solidFill>
+              <a:uFill>
+                <a:solidFill>
+                  <a:srgbClr val="ffffff"/>
+                </a:solidFill>
+              </a:uFill>
+              <a:latin typeface="Arial"/>
+            </a:endParaRPr>
+          </a:p>
+          <a:p>
+            <a:endParaRPr b="0" lang="en-US" sz="1800" spc="-1" strike="noStrike">
+              <a:solidFill>
+                <a:srgbClr val="000000"/>
+              </a:solidFill>
+              <a:uFill>
+                <a:solidFill>
+                  <a:srgbClr val="ffffff"/>
+                </a:solidFill>
+              </a:uFill>
+              <a:latin typeface="Arial"/>
+            </a:endParaRPr>
+          </a:p>
+          <a:p>
+            <a:endParaRPr b="0" lang="en-US" sz="1800" spc="-1" strike="noStrike">
+              <a:solidFill>
+                <a:srgbClr val="000000"/>
+              </a:solidFill>
+              <a:uFill>
+                <a:solidFill>
+                  <a:srgbClr val="ffffff"/>
+                </a:solidFill>
+              </a:uFill>
+              <a:latin typeface="Arial"/>
+            </a:endParaRPr>
+          </a:p>
+          <a:p>
+            <a:r>
+              <a:rPr b="0" lang="en-US" sz="1800" spc="-1" strike="noStrike">
+                <a:solidFill>
+                  <a:srgbClr val="000000"/>
+                </a:solidFill>
+                <a:uFill>
+                  <a:solidFill>
+                    <a:srgbClr val="ffffff"/>
+                  </a:solidFill>
+                </a:uFill>
+                <a:latin typeface="Arial"/>
+                <a:ea typeface="DejaVu Sans"/>
               </a:rPr>
               <a:t>Cd ..</a:t>
             </a:r>
@@ -9196,6 +11267,7 @@
                   </a:solidFill>
                 </a:uFill>
                 <a:latin typeface="Arial"/>
+                <a:ea typeface="DejaVu Sans"/>
               </a:rPr>
               <a:t>Mkdir launch</a:t>
             </a:r>
@@ -9223,6 +11295,7 @@
                   </a:solidFill>
                 </a:uFill>
                 <a:latin typeface="Arial"/>
+                <a:ea typeface="DejaVu Sans"/>
               </a:rPr>
               <a:t>Geany test.launch</a:t>
             </a:r>
@@ -9263,6 +11336,48 @@
                   </a:solidFill>
                 </a:uFill>
                 <a:latin typeface="Arial"/>
+                <a:ea typeface="DejaVu Sans"/>
+              </a:rPr>
+              <a:t>Tambahkan codingan berikut ke test.launch</a:t>
+            </a:r>
+            <a:endParaRPr b="0" lang="en-US" sz="1800" spc="-1" strike="noStrike">
+              <a:solidFill>
+                <a:srgbClr val="000000"/>
+              </a:solidFill>
+              <a:uFill>
+                <a:solidFill>
+                  <a:srgbClr val="ffffff"/>
+                </a:solidFill>
+              </a:uFill>
+              <a:latin typeface="Arial"/>
+            </a:endParaRPr>
+          </a:p>
+          <a:p>
+            <a:endParaRPr b="0" lang="en-US" sz="1800" spc="-1" strike="noStrike">
+              <a:solidFill>
+                <a:srgbClr val="000000"/>
+              </a:solidFill>
+              <a:uFill>
+                <a:solidFill>
+                  <a:srgbClr val="ffffff"/>
+                </a:solidFill>
+              </a:uFill>
+              <a:latin typeface="Arial"/>
+            </a:endParaRPr>
+          </a:p>
+          <a:p>
+            <a:r>
+              <a:rPr b="0" lang="en-US" sz="1800" spc="-1" strike="noStrike">
+                <a:solidFill>
+                  <a:srgbClr val="000000"/>
+                </a:solidFill>
+                <a:uFill>
+                  <a:solidFill>
+                    <a:srgbClr val="ffffff"/>
+                  </a:solidFill>
+                </a:uFill>
+                <a:latin typeface="Arial"/>
+                <a:ea typeface="DejaVu Sans"/>
               </a:rPr>
               <a:t>&lt;launch&gt;</a:t>
             </a:r>
@@ -9303,6 +11418,7 @@
                   </a:solidFill>
                 </a:uFill>
                 <a:latin typeface="Arial"/>
+                <a:ea typeface="DejaVu Sans"/>
               </a:rPr>
               <a:t>	</a:t>
             </a:r>
@@ -9317,6 +11433,7 @@
                   </a:solidFill>
                 </a:uFill>
                 <a:latin typeface="Arial"/>
+                <a:ea typeface="DejaVu Sans"/>
               </a:rPr>
               <a:t>&lt;node name="first" pkg="tutorial_ai" output="screen" type="first" /&gt;</a:t>
             </a:r>
@@ -9344,6 +11461,7 @@
                   </a:solidFill>
                 </a:uFill>
                 <a:latin typeface="Arial"/>
+                <a:ea typeface="DejaVu Sans"/>
               </a:rPr>
               <a:t>	</a:t>
             </a:r>
@@ -9358,6 +11476,7 @@
                   </a:solidFill>
                 </a:uFill>
                 <a:latin typeface="Arial"/>
+                <a:ea typeface="DejaVu Sans"/>
               </a:rPr>
               <a:t>&lt;node name="second" pkg="tutorial_ai" output="screen" type="second" /&gt;</a:t>
             </a:r>
@@ -9385,6 +11504,7 @@
                   </a:solidFill>
                 </a:uFill>
                 <a:latin typeface="Arial"/>
+                <a:ea typeface="DejaVu Sans"/>
               </a:rPr>
               <a:t>	</a:t>
             </a:r>
@@ -9412,6 +11532,7 @@
                   </a:solidFill>
                 </a:uFill>
                 <a:latin typeface="Arial"/>
+                <a:ea typeface="DejaVu Sans"/>
               </a:rPr>
               <a:t>&lt;/launch&gt;</a:t>
             </a:r>
@@ -9480,14 +11601,14 @@
       </p:grpSpPr>
       <p:sp>
         <p:nvSpPr>
-          <p:cNvPr id="122" name="CustomShape 1"/>
+          <p:cNvPr id="159" name="CustomShape 1"/>
           <p:cNvSpPr/>
           <p:nvPr/>
         </p:nvSpPr>
         <p:spPr>
           <a:xfrm>
             <a:off x="504000" y="301320"/>
-            <a:ext cx="9071280" cy="1261800"/>
+            <a:ext cx="9070560" cy="1261080"/>
           </a:xfrm>
           <a:prstGeom prst="rect">
             <a:avLst/>
@@ -9523,7 +11644,7 @@
                 </a:uFill>
                 <a:latin typeface="Arial"/>
               </a:rPr>
-              <a:t>catkin_make</a:t>
+              <a:t>Lokasi directory launch</a:t>
             </a:r>
             <a:endParaRPr b="0" lang="en-US" sz="1800" spc="-1" strike="noStrike">
               <a:solidFill>
@@ -9539,323 +11660,29 @@
           </a:p>
         </p:txBody>
       </p:sp>
-      <p:sp>
-        <p:nvSpPr>
-          <p:cNvPr id="123" name="CustomShape 2"/>
-          <p:cNvSpPr/>
+      <p:pic>
+        <p:nvPicPr>
+          <p:cNvPr id="160" name="" descr=""/>
+          <p:cNvPicPr/>
           <p:nvPr/>
-        </p:nvSpPr>
-        <p:spPr>
-          <a:xfrm>
-            <a:off x="914400" y="1769040"/>
-            <a:ext cx="2651400" cy="1156680"/>
-          </a:xfrm>
-          <a:prstGeom prst="rect">
-            <a:avLst/>
-          </a:prstGeom>
-          <a:solidFill>
-            <a:srgbClr val="729fcf"/>
-          </a:solidFill>
-          <a:ln>
-            <a:solidFill>
-              <a:srgbClr val="3465a4"/>
-            </a:solidFill>
-          </a:ln>
-        </p:spPr>
-        <p:style>
-          <a:lnRef idx="0"/>
-          <a:fillRef idx="0"/>
-          <a:effectRef idx="0"/>
-          <a:fontRef idx="minor"/>
-        </p:style>
-      </p:sp>
-      <p:sp>
-        <p:nvSpPr>
-          <p:cNvPr id="124" name="CustomShape 3"/>
-          <p:cNvSpPr/>
-          <p:nvPr/>
-        </p:nvSpPr>
-        <p:spPr>
-          <a:xfrm>
-            <a:off x="822960" y="4114800"/>
-            <a:ext cx="5943240" cy="731160"/>
-          </a:xfrm>
-          <a:prstGeom prst="rect">
-            <a:avLst/>
-          </a:prstGeom>
-          <a:solidFill>
-            <a:srgbClr val="729fcf"/>
-          </a:solidFill>
-          <a:ln>
-            <a:solidFill>
-              <a:srgbClr val="3465a4"/>
-            </a:solidFill>
-          </a:ln>
-        </p:spPr>
-        <p:style>
-          <a:lnRef idx="0"/>
-          <a:fillRef idx="0"/>
-          <a:effectRef idx="0"/>
-          <a:fontRef idx="minor"/>
-        </p:style>
-      </p:sp>
-      <p:sp>
-        <p:nvSpPr>
-          <p:cNvPr id="125" name="CustomShape 4"/>
-          <p:cNvSpPr/>
-          <p:nvPr/>
-        </p:nvSpPr>
-        <p:spPr>
-          <a:xfrm>
-            <a:off x="504000" y="1769040"/>
-            <a:ext cx="9071280" cy="4384080"/>
-          </a:xfrm>
-          <a:prstGeom prst="rect">
-            <a:avLst/>
-          </a:prstGeom>
-          <a:noFill/>
+        </p:nvPicPr>
+        <p:blipFill>
+          <a:blip r:embed="rId1"/>
+          <a:stretch/>
+        </p:blipFill>
+        <p:spPr>
+          <a:xfrm>
+            <a:off x="160920" y="1736640"/>
+            <a:ext cx="10080000" cy="5669640"/>
+          </a:xfrm>
+          <a:prstGeom prst="rect">
+            <a:avLst/>
+          </a:prstGeom>
           <a:ln>
             <a:noFill/>
           </a:ln>
         </p:spPr>
-        <p:style>
-          <a:lnRef idx="0"/>
-          <a:fillRef idx="0"/>
-          <a:effectRef idx="0"/>
-          <a:fontRef idx="minor"/>
-        </p:style>
-        <p:txBody>
-          <a:bodyPr lIns="0" rIns="0" tIns="0" bIns="0"/>
-          <a:p>
-            <a:pPr marL="432000" indent="-323640">
-              <a:lnSpc>
-                <a:spcPct val="100000"/>
-              </a:lnSpc>
-              <a:buClr>
-                <a:srgbClr val="000000"/>
-              </a:buClr>
-              <a:buSzPct val="45000"/>
-              <a:buFont typeface="Wingdings" charset="2"/>
-              <a:buChar char=""/>
-            </a:pPr>
-            <a:r>
-              <a:rPr b="0" lang="en-US" sz="3200" spc="-1" strike="noStrike">
-                <a:solidFill>
-                  <a:srgbClr val="000000"/>
-                </a:solidFill>
-                <a:uFill>
-                  <a:solidFill>
-                    <a:srgbClr val="ffffff"/>
-                  </a:solidFill>
-                </a:uFill>
-                <a:latin typeface="Arial"/>
-              </a:rPr>
-              <a:t>Cd ../../..</a:t>
-            </a:r>
-            <a:endParaRPr b="0" lang="en-US" sz="1800" spc="-1" strike="noStrike">
-              <a:solidFill>
-                <a:srgbClr val="000000"/>
-              </a:solidFill>
-              <a:uFill>
-                <a:solidFill>
-                  <a:srgbClr val="ffffff"/>
-                </a:solidFill>
-              </a:uFill>
-              <a:latin typeface="Arial"/>
-            </a:endParaRPr>
-          </a:p>
-          <a:p>
-            <a:pPr marL="432000" indent="-323640">
-              <a:lnSpc>
-                <a:spcPct val="100000"/>
-              </a:lnSpc>
-              <a:buClr>
-                <a:srgbClr val="000000"/>
-              </a:buClr>
-              <a:buSzPct val="45000"/>
-              <a:buFont typeface="Wingdings" charset="2"/>
-              <a:buChar char=""/>
-            </a:pPr>
-            <a:r>
-              <a:rPr b="0" lang="en-US" sz="3200" spc="-1" strike="noStrike">
-                <a:solidFill>
-                  <a:srgbClr val="000000"/>
-                </a:solidFill>
-                <a:uFill>
-                  <a:solidFill>
-                    <a:srgbClr val="ffffff"/>
-                  </a:solidFill>
-                </a:uFill>
-                <a:latin typeface="Arial"/>
-              </a:rPr>
-              <a:t>catkin_make</a:t>
-            </a:r>
-            <a:endParaRPr b="0" lang="en-US" sz="1800" spc="-1" strike="noStrike">
-              <a:solidFill>
-                <a:srgbClr val="000000"/>
-              </a:solidFill>
-              <a:uFill>
-                <a:solidFill>
-                  <a:srgbClr val="ffffff"/>
-                </a:solidFill>
-              </a:uFill>
-              <a:latin typeface="Arial"/>
-            </a:endParaRPr>
-          </a:p>
-          <a:p>
-            <a:pPr marL="432000" indent="-323640">
-              <a:lnSpc>
-                <a:spcPct val="100000"/>
-              </a:lnSpc>
-              <a:buClr>
-                <a:srgbClr val="000000"/>
-              </a:buClr>
-              <a:buSzPct val="45000"/>
-              <a:buFont typeface="Wingdings" charset="2"/>
-              <a:buChar char=""/>
-            </a:pPr>
-            <a:r>
-              <a:rPr b="0" lang="en-US" sz="3200" spc="-1" strike="noStrike">
-                <a:solidFill>
-                  <a:srgbClr val="000000"/>
-                </a:solidFill>
-                <a:uFill>
-                  <a:solidFill>
-                    <a:srgbClr val="ffffff"/>
-                  </a:solidFill>
-                </a:uFill>
-                <a:latin typeface="Arial"/>
-              </a:rPr>
-              <a:t> </a:t>
-            </a:r>
-            <a:endParaRPr b="0" lang="en-US" sz="1800" spc="-1" strike="noStrike">
-              <a:solidFill>
-                <a:srgbClr val="000000"/>
-              </a:solidFill>
-              <a:uFill>
-                <a:solidFill>
-                  <a:srgbClr val="ffffff"/>
-                </a:solidFill>
-              </a:uFill>
-              <a:latin typeface="Arial"/>
-            </a:endParaRPr>
-          </a:p>
-          <a:p>
-            <a:pPr marL="432000" indent="-323640">
-              <a:lnSpc>
-                <a:spcPct val="100000"/>
-              </a:lnSpc>
-              <a:buClr>
-                <a:srgbClr val="000000"/>
-              </a:buClr>
-              <a:buSzPct val="45000"/>
-              <a:buFont typeface="Wingdings" charset="2"/>
-              <a:buChar char=""/>
-            </a:pPr>
-            <a:r>
-              <a:rPr b="0" lang="en-US" sz="3200" spc="-1" strike="noStrike">
-                <a:solidFill>
-                  <a:srgbClr val="000000"/>
-                </a:solidFill>
-                <a:uFill>
-                  <a:solidFill>
-                    <a:srgbClr val="ffffff"/>
-                  </a:solidFill>
-                </a:uFill>
-                <a:latin typeface="Arial"/>
-              </a:rPr>
-              <a:t> </a:t>
-            </a:r>
-            <a:endParaRPr b="0" lang="en-US" sz="1800" spc="-1" strike="noStrike">
-              <a:solidFill>
-                <a:srgbClr val="000000"/>
-              </a:solidFill>
-              <a:uFill>
-                <a:solidFill>
-                  <a:srgbClr val="ffffff"/>
-                </a:solidFill>
-              </a:uFill>
-              <a:latin typeface="Arial"/>
-            </a:endParaRPr>
-          </a:p>
-          <a:p>
-            <a:pPr marL="432000" indent="-323640">
-              <a:lnSpc>
-                <a:spcPct val="100000"/>
-              </a:lnSpc>
-              <a:buClr>
-                <a:srgbClr val="000000"/>
-              </a:buClr>
-              <a:buSzPct val="45000"/>
-              <a:buFont typeface="Wingdings" charset="2"/>
-              <a:buChar char=""/>
-            </a:pPr>
-            <a:r>
-              <a:rPr b="0" lang="en-US" sz="3200" spc="-1" strike="noStrike">
-                <a:solidFill>
-                  <a:srgbClr val="000000"/>
-                </a:solidFill>
-                <a:uFill>
-                  <a:solidFill>
-                    <a:srgbClr val="ffffff"/>
-                  </a:solidFill>
-                </a:uFill>
-                <a:latin typeface="Arial"/>
-              </a:rPr>
-              <a:t> </a:t>
-            </a:r>
-            <a:endParaRPr b="0" lang="en-US" sz="1800" spc="-1" strike="noStrike">
-              <a:solidFill>
-                <a:srgbClr val="000000"/>
-              </a:solidFill>
-              <a:uFill>
-                <a:solidFill>
-                  <a:srgbClr val="ffffff"/>
-                </a:solidFill>
-              </a:uFill>
-              <a:latin typeface="Arial"/>
-            </a:endParaRPr>
-          </a:p>
-          <a:p>
-            <a:pPr marL="432000" indent="-323640">
-              <a:lnSpc>
-                <a:spcPct val="100000"/>
-              </a:lnSpc>
-              <a:buClr>
-                <a:srgbClr val="000000"/>
-              </a:buClr>
-              <a:buSzPct val="45000"/>
-              <a:buFont typeface="Wingdings" charset="2"/>
-              <a:buChar char=""/>
-            </a:pPr>
-            <a:r>
-              <a:rPr b="0" lang="en-US" sz="3200" spc="-1" strike="noStrike">
-                <a:solidFill>
-                  <a:srgbClr val="000000"/>
-                </a:solidFill>
-                <a:uFill>
-                  <a:solidFill>
-                    <a:srgbClr val="ffffff"/>
-                  </a:solidFill>
-                </a:uFill>
-                <a:latin typeface="Arial"/>
-              </a:rPr>
-              <a:t>roslaunch tutorial_ai test.launch</a:t>
-            </a:r>
-            <a:endParaRPr b="0" lang="en-US" sz="1800" spc="-1" strike="noStrike">
-              <a:solidFill>
-                <a:srgbClr val="000000"/>
-              </a:solidFill>
-              <a:uFill>
-                <a:solidFill>
-                  <a:srgbClr val="ffffff"/>
-                </a:solidFill>
-              </a:uFill>
-              <a:latin typeface="Arial"/>
-            </a:endParaRPr>
-          </a:p>
-        </p:txBody>
-      </p:sp>
+      </p:pic>
     </p:spTree>
   </p:cSld>
   <p:timing>
@@ -9865,6 +11692,629 @@
           <p:childTnLst>
             <p:seq>
               <p:cTn id="14" nodeType="mainSeq"/>
+              <p:prevCondLst>
+                <p:cond delay="0" evt="onPrev">
+                  <p:tgtEl>
+                    <p:sldTgt/>
+                  </p:tgtEl>
+                </p:cond>
+              </p:prevCondLst>
+              <p:nextCondLst>
+                <p:cond delay="0" evt="onNext">
+                  <p:tgtEl>
+                    <p:sldTgt/>
+                  </p:tgtEl>
+                </p:cond>
+              </p:nextCondLst>
+            </p:seq>
+          </p:childTnLst>
+        </p:cTn>
+      </p:par>
+    </p:tnLst>
+  </p:timing>
+</p:sld>
+</file>
+
+<file path=ppt/slides/slide8.xml><?xml version="1.0" encoding="utf-8"?>
+<p:sld xmlns:a="http://schemas.openxmlformats.org/drawingml/2006/main" xmlns:p="http://schemas.openxmlformats.org/presentationml/2006/main" xmlns:r="http://schemas.openxmlformats.org/officeDocument/2006/relationships" xmlns:p14="http://schemas.microsoft.com/office/powerpoint/2010/main" xmlns:p15="http://schemas.microsoft.com/office/powerpoint/2012/main" xmlns:mc="http://schemas.openxmlformats.org/markup-compatibility/2006">
+  <p:cSld>
+    <p:spTree>
+      <p:nvGrpSpPr>
+        <p:cNvPr id="1" name=""/>
+        <p:cNvGrpSpPr/>
+        <p:nvPr/>
+      </p:nvGrpSpPr>
+      <p:grpSpPr>
+        <a:xfrm>
+          <a:off x="0" y="0"/>
+          <a:ext cx="0" cy="0"/>
+          <a:chOff x="0" y="0"/>
+          <a:chExt cx="0" cy="0"/>
+        </a:xfrm>
+      </p:grpSpPr>
+      <p:sp>
+        <p:nvSpPr>
+          <p:cNvPr id="161" name="CustomShape 1"/>
+          <p:cNvSpPr/>
+          <p:nvPr/>
+        </p:nvSpPr>
+        <p:spPr>
+          <a:xfrm>
+            <a:off x="504000" y="301320"/>
+            <a:ext cx="9070560" cy="1261080"/>
+          </a:xfrm>
+          <a:prstGeom prst="rect">
+            <a:avLst/>
+          </a:prstGeom>
+          <a:noFill/>
+          <a:ln>
+            <a:noFill/>
+          </a:ln>
+        </p:spPr>
+        <p:style>
+          <a:lnRef idx="0"/>
+          <a:fillRef idx="0"/>
+          <a:effectRef idx="0"/>
+          <a:fontRef idx="minor"/>
+        </p:style>
+        <p:txBody>
+          <a:bodyPr lIns="0" rIns="0" tIns="0" bIns="0" anchor="ctr"/>
+          <a:p>
+            <a:pPr algn="ctr">
+              <a:lnSpc>
+                <a:spcPct val="100000"/>
+              </a:lnSpc>
+            </a:pPr>
+            <a:r>
+              <a:rPr b="0" lang="en-US" sz="4400" spc="-1" strike="noStrike">
+                <a:solidFill>
+                  <a:srgbClr val="000000"/>
+                </a:solidFill>
+                <a:uFill>
+                  <a:solidFill>
+                    <a:srgbClr val="ffffff"/>
+                  </a:solidFill>
+                </a:uFill>
+                <a:latin typeface="Arial"/>
+                <a:ea typeface="DejaVu Sans"/>
+              </a:rPr>
+              <a:t>catkin_make</a:t>
+            </a:r>
+            <a:endParaRPr b="0" lang="en-US" sz="1800" spc="-1" strike="noStrike">
+              <a:solidFill>
+                <a:srgbClr val="000000"/>
+              </a:solidFill>
+              <a:uFill>
+                <a:solidFill>
+                  <a:srgbClr val="ffffff"/>
+                </a:solidFill>
+              </a:uFill>
+              <a:latin typeface="Arial"/>
+            </a:endParaRPr>
+          </a:p>
+        </p:txBody>
+      </p:sp>
+      <p:sp>
+        <p:nvSpPr>
+          <p:cNvPr id="162" name="CustomShape 2"/>
+          <p:cNvSpPr/>
+          <p:nvPr/>
+        </p:nvSpPr>
+        <p:spPr>
+          <a:xfrm>
+            <a:off x="914400" y="1769040"/>
+            <a:ext cx="2650680" cy="1155960"/>
+          </a:xfrm>
+          <a:prstGeom prst="rect">
+            <a:avLst/>
+          </a:prstGeom>
+          <a:solidFill>
+            <a:srgbClr val="729fcf"/>
+          </a:solidFill>
+          <a:ln>
+            <a:solidFill>
+              <a:srgbClr val="3465a4"/>
+            </a:solidFill>
+          </a:ln>
+        </p:spPr>
+        <p:style>
+          <a:lnRef idx="0"/>
+          <a:fillRef idx="0"/>
+          <a:effectRef idx="0"/>
+          <a:fontRef idx="minor"/>
+        </p:style>
+      </p:sp>
+      <p:sp>
+        <p:nvSpPr>
+          <p:cNvPr id="163" name="CustomShape 3"/>
+          <p:cNvSpPr/>
+          <p:nvPr/>
+        </p:nvSpPr>
+        <p:spPr>
+          <a:xfrm>
+            <a:off x="822960" y="4572000"/>
+            <a:ext cx="5942520" cy="730440"/>
+          </a:xfrm>
+          <a:prstGeom prst="rect">
+            <a:avLst/>
+          </a:prstGeom>
+          <a:solidFill>
+            <a:srgbClr val="729fcf"/>
+          </a:solidFill>
+          <a:ln>
+            <a:solidFill>
+              <a:srgbClr val="3465a4"/>
+            </a:solidFill>
+          </a:ln>
+        </p:spPr>
+        <p:style>
+          <a:lnRef idx="0"/>
+          <a:fillRef idx="0"/>
+          <a:effectRef idx="0"/>
+          <a:fontRef idx="minor"/>
+        </p:style>
+      </p:sp>
+      <p:sp>
+        <p:nvSpPr>
+          <p:cNvPr id="164" name="CustomShape 4"/>
+          <p:cNvSpPr/>
+          <p:nvPr/>
+        </p:nvSpPr>
+        <p:spPr>
+          <a:xfrm>
+            <a:off x="504000" y="1769040"/>
+            <a:ext cx="9070560" cy="4383360"/>
+          </a:xfrm>
+          <a:prstGeom prst="rect">
+            <a:avLst/>
+          </a:prstGeom>
+          <a:noFill/>
+          <a:ln>
+            <a:noFill/>
+          </a:ln>
+        </p:spPr>
+        <p:style>
+          <a:lnRef idx="0"/>
+          <a:fillRef idx="0"/>
+          <a:effectRef idx="0"/>
+          <a:fontRef idx="minor"/>
+        </p:style>
+        <p:txBody>
+          <a:bodyPr lIns="0" rIns="0" tIns="0" bIns="0"/>
+          <a:p>
+            <a:pPr marL="432000" indent="-322920">
+              <a:lnSpc>
+                <a:spcPct val="100000"/>
+              </a:lnSpc>
+              <a:buClr>
+                <a:srgbClr val="000000"/>
+              </a:buClr>
+              <a:buSzPct val="45000"/>
+              <a:buFont typeface="Wingdings" charset="2"/>
+              <a:buChar char=""/>
+            </a:pPr>
+            <a:r>
+              <a:rPr b="0" lang="en-US" sz="3200" spc="-1" strike="noStrike">
+                <a:solidFill>
+                  <a:srgbClr val="000000"/>
+                </a:solidFill>
+                <a:uFill>
+                  <a:solidFill>
+                    <a:srgbClr val="ffffff"/>
+                  </a:solidFill>
+                </a:uFill>
+                <a:latin typeface="Arial"/>
+                <a:ea typeface="DejaVu Sans"/>
+              </a:rPr>
+              <a:t>Cd ../../..</a:t>
+            </a:r>
+            <a:endParaRPr b="0" lang="en-US" sz="1800" spc="-1" strike="noStrike">
+              <a:solidFill>
+                <a:srgbClr val="000000"/>
+              </a:solidFill>
+              <a:uFill>
+                <a:solidFill>
+                  <a:srgbClr val="ffffff"/>
+                </a:solidFill>
+              </a:uFill>
+              <a:latin typeface="Arial"/>
+            </a:endParaRPr>
+          </a:p>
+          <a:p>
+            <a:pPr marL="432000" indent="-322920">
+              <a:lnSpc>
+                <a:spcPct val="100000"/>
+              </a:lnSpc>
+              <a:buClr>
+                <a:srgbClr val="000000"/>
+              </a:buClr>
+              <a:buSzPct val="45000"/>
+              <a:buFont typeface="Wingdings" charset="2"/>
+              <a:buChar char=""/>
+            </a:pPr>
+            <a:r>
+              <a:rPr b="0" lang="en-US" sz="3200" spc="-1" strike="noStrike">
+                <a:solidFill>
+                  <a:srgbClr val="000000"/>
+                </a:solidFill>
+                <a:uFill>
+                  <a:solidFill>
+                    <a:srgbClr val="ffffff"/>
+                  </a:solidFill>
+                </a:uFill>
+                <a:latin typeface="Arial"/>
+                <a:ea typeface="DejaVu Sans"/>
+              </a:rPr>
+              <a:t>catkin_make</a:t>
+            </a:r>
+            <a:endParaRPr b="0" lang="en-US" sz="1800" spc="-1" strike="noStrike">
+              <a:solidFill>
+                <a:srgbClr val="000000"/>
+              </a:solidFill>
+              <a:uFill>
+                <a:solidFill>
+                  <a:srgbClr val="ffffff"/>
+                </a:solidFill>
+              </a:uFill>
+              <a:latin typeface="Arial"/>
+            </a:endParaRPr>
+          </a:p>
+          <a:p>
+            <a:pPr marL="432000" indent="-322920">
+              <a:lnSpc>
+                <a:spcPct val="100000"/>
+              </a:lnSpc>
+              <a:buClr>
+                <a:srgbClr val="000000"/>
+              </a:buClr>
+              <a:buSzPct val="45000"/>
+              <a:buFont typeface="Wingdings" charset="2"/>
+              <a:buChar char=""/>
+            </a:pPr>
+            <a:r>
+              <a:rPr b="0" lang="en-US" sz="3200" spc="-1" strike="noStrike">
+                <a:solidFill>
+                  <a:srgbClr val="000000"/>
+                </a:solidFill>
+                <a:uFill>
+                  <a:solidFill>
+                    <a:srgbClr val="ffffff"/>
+                  </a:solidFill>
+                </a:uFill>
+                <a:latin typeface="Arial"/>
+                <a:ea typeface="DejaVu Sans"/>
+              </a:rPr>
+              <a:t> </a:t>
+            </a:r>
+            <a:endParaRPr b="0" lang="en-US" sz="1800" spc="-1" strike="noStrike">
+              <a:solidFill>
+                <a:srgbClr val="000000"/>
+              </a:solidFill>
+              <a:uFill>
+                <a:solidFill>
+                  <a:srgbClr val="ffffff"/>
+                </a:solidFill>
+              </a:uFill>
+              <a:latin typeface="Arial"/>
+            </a:endParaRPr>
+          </a:p>
+          <a:p>
+            <a:pPr marL="432000" indent="-322920">
+              <a:lnSpc>
+                <a:spcPct val="100000"/>
+              </a:lnSpc>
+              <a:buClr>
+                <a:srgbClr val="000000"/>
+              </a:buClr>
+              <a:buSzPct val="45000"/>
+              <a:buFont typeface="Wingdings" charset="2"/>
+              <a:buChar char=""/>
+            </a:pPr>
+            <a:r>
+              <a:rPr b="0" lang="en-US" sz="3200" spc="-1" strike="noStrike">
+                <a:solidFill>
+                  <a:srgbClr val="000000"/>
+                </a:solidFill>
+                <a:uFill>
+                  <a:solidFill>
+                    <a:srgbClr val="ffffff"/>
+                  </a:solidFill>
+                </a:uFill>
+                <a:latin typeface="Arial"/>
+                <a:ea typeface="DejaVu Sans"/>
+              </a:rPr>
+              <a:t> </a:t>
+            </a:r>
+            <a:endParaRPr b="0" lang="en-US" sz="1800" spc="-1" strike="noStrike">
+              <a:solidFill>
+                <a:srgbClr val="000000"/>
+              </a:solidFill>
+              <a:uFill>
+                <a:solidFill>
+                  <a:srgbClr val="ffffff"/>
+                </a:solidFill>
+              </a:uFill>
+              <a:latin typeface="Arial"/>
+            </a:endParaRPr>
+          </a:p>
+          <a:p>
+            <a:pPr marL="432000" indent="-322920">
+              <a:lnSpc>
+                <a:spcPct val="100000"/>
+              </a:lnSpc>
+              <a:buClr>
+                <a:srgbClr val="000000"/>
+              </a:buClr>
+              <a:buSzPct val="45000"/>
+              <a:buFont typeface="Wingdings" charset="2"/>
+              <a:buChar char=""/>
+            </a:pPr>
+            <a:r>
+              <a:rPr b="0" lang="en-US" sz="3200" spc="-1" strike="noStrike">
+                <a:solidFill>
+                  <a:srgbClr val="000000"/>
+                </a:solidFill>
+                <a:uFill>
+                  <a:solidFill>
+                    <a:srgbClr val="ffffff"/>
+                  </a:solidFill>
+                </a:uFill>
+                <a:latin typeface="Arial"/>
+                <a:ea typeface="DejaVu Sans"/>
+              </a:rPr>
+              <a:t>kemudian jalankan launch dengan perintah</a:t>
+            </a:r>
+            <a:endParaRPr b="0" lang="en-US" sz="1800" spc="-1" strike="noStrike">
+              <a:solidFill>
+                <a:srgbClr val="000000"/>
+              </a:solidFill>
+              <a:uFill>
+                <a:solidFill>
+                  <a:srgbClr val="ffffff"/>
+                </a:solidFill>
+              </a:uFill>
+              <a:latin typeface="Arial"/>
+            </a:endParaRPr>
+          </a:p>
+          <a:p>
+            <a:pPr marL="432000" indent="-322920">
+              <a:lnSpc>
+                <a:spcPct val="100000"/>
+              </a:lnSpc>
+              <a:buClr>
+                <a:srgbClr val="000000"/>
+              </a:buClr>
+              <a:buSzPct val="45000"/>
+              <a:buFont typeface="Wingdings" charset="2"/>
+              <a:buChar char=""/>
+            </a:pPr>
+            <a:r>
+              <a:rPr b="0" lang="en-US" sz="3200" spc="-1" strike="noStrike">
+                <a:solidFill>
+                  <a:srgbClr val="000000"/>
+                </a:solidFill>
+                <a:uFill>
+                  <a:solidFill>
+                    <a:srgbClr val="ffffff"/>
+                  </a:solidFill>
+                </a:uFill>
+                <a:latin typeface="Arial"/>
+                <a:ea typeface="DejaVu Sans"/>
+              </a:rPr>
+              <a:t> </a:t>
+            </a:r>
+            <a:endParaRPr b="0" lang="en-US" sz="1800" spc="-1" strike="noStrike">
+              <a:solidFill>
+                <a:srgbClr val="000000"/>
+              </a:solidFill>
+              <a:uFill>
+                <a:solidFill>
+                  <a:srgbClr val="ffffff"/>
+                </a:solidFill>
+              </a:uFill>
+              <a:latin typeface="Arial"/>
+            </a:endParaRPr>
+          </a:p>
+          <a:p>
+            <a:pPr marL="432000" indent="-322920">
+              <a:lnSpc>
+                <a:spcPct val="100000"/>
+              </a:lnSpc>
+              <a:buClr>
+                <a:srgbClr val="000000"/>
+              </a:buClr>
+              <a:buSzPct val="45000"/>
+              <a:buFont typeface="Wingdings" charset="2"/>
+              <a:buChar char=""/>
+            </a:pPr>
+            <a:r>
+              <a:rPr b="0" lang="en-US" sz="3200" spc="-1" strike="noStrike">
+                <a:solidFill>
+                  <a:srgbClr val="000000"/>
+                </a:solidFill>
+                <a:uFill>
+                  <a:solidFill>
+                    <a:srgbClr val="ffffff"/>
+                  </a:solidFill>
+                </a:uFill>
+                <a:latin typeface="Arial"/>
+                <a:ea typeface="DejaVu Sans"/>
+              </a:rPr>
+              <a:t>roslaunch tutorial_ai test.launch</a:t>
+            </a:r>
+            <a:endParaRPr b="0" lang="en-US" sz="1800" spc="-1" strike="noStrike">
+              <a:solidFill>
+                <a:srgbClr val="000000"/>
+              </a:solidFill>
+              <a:uFill>
+                <a:solidFill>
+                  <a:srgbClr val="ffffff"/>
+                </a:solidFill>
+              </a:uFill>
+              <a:latin typeface="Arial"/>
+            </a:endParaRPr>
+          </a:p>
+          <a:p>
+            <a:pPr marL="432000" indent="-322920">
+              <a:lnSpc>
+                <a:spcPct val="100000"/>
+              </a:lnSpc>
+              <a:buClr>
+                <a:srgbClr val="000000"/>
+              </a:buClr>
+              <a:buSzPct val="45000"/>
+              <a:buFont typeface="Wingdings" charset="2"/>
+              <a:buChar char=""/>
+            </a:pPr>
+            <a:r>
+              <a:rPr b="0" lang="en-US" sz="3200" spc="-1" strike="noStrike">
+                <a:solidFill>
+                  <a:srgbClr val="000000"/>
+                </a:solidFill>
+                <a:uFill>
+                  <a:solidFill>
+                    <a:srgbClr val="ffffff"/>
+                  </a:solidFill>
+                </a:uFill>
+                <a:latin typeface="Arial"/>
+                <a:ea typeface="DejaVu Sans"/>
+              </a:rPr>
+              <a:t> </a:t>
+            </a:r>
+            <a:endParaRPr b="0" lang="en-US" sz="1800" spc="-1" strike="noStrike">
+              <a:solidFill>
+                <a:srgbClr val="000000"/>
+              </a:solidFill>
+              <a:uFill>
+                <a:solidFill>
+                  <a:srgbClr val="ffffff"/>
+                </a:solidFill>
+              </a:uFill>
+              <a:latin typeface="Arial"/>
+            </a:endParaRPr>
+          </a:p>
+          <a:p>
+            <a:pPr marL="432000" indent="-322920">
+              <a:lnSpc>
+                <a:spcPct val="100000"/>
+              </a:lnSpc>
+              <a:buClr>
+                <a:srgbClr val="000000"/>
+              </a:buClr>
+              <a:buSzPct val="45000"/>
+              <a:buFont typeface="Wingdings" charset="2"/>
+              <a:buChar char=""/>
+            </a:pPr>
+            <a:r>
+              <a:rPr b="0" lang="en-US" sz="3200" spc="-1" strike="noStrike">
+                <a:solidFill>
+                  <a:srgbClr val="000000"/>
+                </a:solidFill>
+                <a:uFill>
+                  <a:solidFill>
+                    <a:srgbClr val="ffffff"/>
+                  </a:solidFill>
+                </a:uFill>
+                <a:latin typeface="Arial"/>
+                <a:ea typeface="DejaVu Sans"/>
+              </a:rPr>
+              <a:t>roslaunch &lt;nama package&gt; &lt;nama launch&gt;</a:t>
+            </a:r>
+            <a:endParaRPr b="0" lang="en-US" sz="1800" spc="-1" strike="noStrike">
+              <a:solidFill>
+                <a:srgbClr val="000000"/>
+              </a:solidFill>
+              <a:uFill>
+                <a:solidFill>
+                  <a:srgbClr val="ffffff"/>
+                </a:solidFill>
+              </a:uFill>
+              <a:latin typeface="Arial"/>
+            </a:endParaRPr>
+          </a:p>
+        </p:txBody>
+      </p:sp>
+    </p:spTree>
+  </p:cSld>
+  <p:timing>
+    <p:tnLst>
+      <p:par>
+        <p:cTn id="15" dur="indefinite" restart="never" nodeType="tmRoot">
+          <p:childTnLst>
+            <p:seq>
+              <p:cTn id="16" nodeType="mainSeq"/>
+              <p:prevCondLst>
+                <p:cond delay="0" evt="onPrev">
+                  <p:tgtEl>
+                    <p:sldTgt/>
+                  </p:tgtEl>
+                </p:cond>
+              </p:prevCondLst>
+              <p:nextCondLst>
+                <p:cond delay="0" evt="onNext">
+                  <p:tgtEl>
+                    <p:sldTgt/>
+                  </p:tgtEl>
+                </p:cond>
+              </p:nextCondLst>
+            </p:seq>
+          </p:childTnLst>
+        </p:cTn>
+      </p:par>
+    </p:tnLst>
+  </p:timing>
+</p:sld>
+</file>
+
+<file path=ppt/slides/slide9.xml><?xml version="1.0" encoding="utf-8"?>
+<p:sld xmlns:a="http://schemas.openxmlformats.org/drawingml/2006/main" xmlns:p="http://schemas.openxmlformats.org/presentationml/2006/main" xmlns:r="http://schemas.openxmlformats.org/officeDocument/2006/relationships" xmlns:p14="http://schemas.microsoft.com/office/powerpoint/2010/main" xmlns:p15="http://schemas.microsoft.com/office/powerpoint/2012/main" xmlns:mc="http://schemas.openxmlformats.org/markup-compatibility/2006">
+  <p:cSld>
+    <p:spTree>
+      <p:nvGrpSpPr>
+        <p:cNvPr id="1" name=""/>
+        <p:cNvGrpSpPr/>
+        <p:nvPr/>
+      </p:nvGrpSpPr>
+      <p:grpSpPr>
+        <a:xfrm>
+          <a:off x="0" y="0"/>
+          <a:ext cx="0" cy="0"/>
+          <a:chOff x="0" y="0"/>
+          <a:chExt cx="0" cy="0"/>
+        </a:xfrm>
+      </p:grpSpPr>
+      <p:pic>
+        <p:nvPicPr>
+          <p:cNvPr id="165" name="" descr=""/>
+          <p:cNvPicPr/>
+          <p:nvPr/>
+        </p:nvPicPr>
+        <p:blipFill>
+          <a:blip r:embed="rId1"/>
+          <a:stretch/>
+        </p:blipFill>
+        <p:spPr>
+          <a:xfrm>
+            <a:off x="0" y="1188000"/>
+            <a:ext cx="10080000" cy="5669640"/>
+          </a:xfrm>
+          <a:prstGeom prst="rect">
+            <a:avLst/>
+          </a:prstGeom>
+          <a:ln>
+            <a:noFill/>
+          </a:ln>
+        </p:spPr>
+      </p:pic>
+    </p:spTree>
+  </p:cSld>
+  <p:timing>
+    <p:tnLst>
+      <p:par>
+        <p:cTn id="17" dur="indefinite" restart="never" nodeType="tmRoot">
+          <p:childTnLst>
+            <p:seq>
+              <p:cTn id="18" nodeType="mainSeq"/>
               <p:prevCondLst>
                 <p:cond delay="0" evt="onPrev">
                   <p:tgtEl>
@@ -10555,4 +13005,227 @@
     </a:fmtScheme>
   </a:themeElements>
 </a:theme>
+</file>
+
+<file path=ppt/theme/theme4.xml><?xml version="1.0" encoding="utf-8"?>
+<a:theme xmlns:a="http://schemas.openxmlformats.org/drawingml/2006/main" name="Office Theme">
+  <a:themeElements>
+    <a:clrScheme name="Office">
+      <a:dk1>
+        <a:sysClr val="windowText" lastClr="000000"/>
+      </a:dk1>
+      <a:lt1>
+        <a:sysClr val="window" lastClr="FFFFFF"/>
+      </a:lt1>
+      <a:dk2>
+        <a:srgbClr val="1F497D"/>
+      </a:dk2>
+      <a:lt2>
+        <a:srgbClr val="EEECE1"/>
+      </a:lt2>
+      <a:accent1>
+        <a:srgbClr val="4F81BD"/>
+      </a:accent1>
+      <a:accent2>
+        <a:srgbClr val="C0504D"/>
+      </a:accent2>
+      <a:accent3>
+        <a:srgbClr val="9BBB59"/>
+      </a:accent3>
+      <a:accent4>
+        <a:srgbClr val="8064A2"/>
+      </a:accent4>
+      <a:accent5>
+        <a:srgbClr val="4BACC6"/>
+      </a:accent5>
+      <a:accent6>
+        <a:srgbClr val="F79646"/>
+      </a:accent6>
+      <a:hlink>
+        <a:srgbClr val="0000FF"/>
+      </a:hlink>
+      <a:folHlink>
+        <a:srgbClr val="800080"/>
+      </a:folHlink>
+    </a:clrScheme>
+    <a:fontScheme name="Office">
+      <a:majorFont>
+        <a:latin typeface="Arial"/>
+        <a:ea typeface="DejaVu Sans"/>
+        <a:cs typeface="DejaVu Sans"/>
+      </a:majorFont>
+      <a:minorFont>
+        <a:latin typeface="Arial"/>
+        <a:ea typeface="DejaVu Sans"/>
+        <a:cs typeface="DejaVu Sans"/>
+      </a:minorFont>
+    </a:fontScheme>
+    <a:fmtScheme name="Office">
+      <a:fillStyleLst>
+        <a:solidFill>
+          <a:schemeClr val="phClr"/>
+        </a:solidFill>
+        <a:gradFill rotWithShape="1">
+          <a:gsLst>
+            <a:gs pos="0">
+              <a:schemeClr val="phClr">
+                <a:tint val="50000"/>
+                <a:satMod val="300000"/>
+              </a:schemeClr>
+            </a:gs>
+            <a:gs pos="35000">
+              <a:schemeClr val="phClr">
+                <a:tint val="37000"/>
+                <a:satMod val="300000"/>
+              </a:schemeClr>
+            </a:gs>
+            <a:gs pos="100000">
+              <a:schemeClr val="phClr">
+                <a:tint val="15000"/>
+                <a:satMod val="350000"/>
+              </a:schemeClr>
+            </a:gs>
+          </a:gsLst>
+          <a:lin ang="16200000" scaled="1"/>
+        </a:gradFill>
+        <a:gradFill rotWithShape="1">
+          <a:gsLst>
+            <a:gs pos="0">
+              <a:schemeClr val="phClr">
+                <a:shade val="51000"/>
+                <a:satMod val="130000"/>
+              </a:schemeClr>
+            </a:gs>
+            <a:gs pos="80000">
+              <a:schemeClr val="phClr">
+                <a:shade val="93000"/>
+                <a:satMod val="130000"/>
+              </a:schemeClr>
+            </a:gs>
+            <a:gs pos="100000">
+              <a:schemeClr val="phClr">
+                <a:shade val="94000"/>
+                <a:satMod val="135000"/>
+              </a:schemeClr>
+            </a:gs>
+          </a:gsLst>
+          <a:lin ang="16200000" scaled="0"/>
+        </a:gradFill>
+      </a:fillStyleLst>
+      <a:lnStyleLst>
+        <a:ln w="9525" cap="flat" cmpd="sng" algn="ctr">
+          <a:solidFill>
+            <a:schemeClr val="phClr">
+              <a:shade val="95000"/>
+              <a:satMod val="105000"/>
+            </a:schemeClr>
+          </a:solidFill>
+          <a:prstDash val="solid"/>
+        </a:ln>
+        <a:ln w="25400" cap="flat" cmpd="sng" algn="ctr">
+          <a:solidFill>
+            <a:schemeClr val="phClr"/>
+          </a:solidFill>
+          <a:prstDash val="solid"/>
+        </a:ln>
+        <a:ln w="38100" cap="flat" cmpd="sng" algn="ctr">
+          <a:solidFill>
+            <a:schemeClr val="phClr"/>
+          </a:solidFill>
+          <a:prstDash val="solid"/>
+        </a:ln>
+      </a:lnStyleLst>
+      <a:effectStyleLst>
+        <a:effectStyle>
+          <a:effectLst>
+            <a:outerShdw blurRad="40000" dist="20000" dir="5400000" rotWithShape="0">
+              <a:srgbClr val="000000">
+                <a:alpha val="38000"/>
+              </a:srgbClr>
+            </a:outerShdw>
+          </a:effectLst>
+        </a:effectStyle>
+        <a:effectStyle>
+          <a:effectLst>
+            <a:outerShdw blurRad="40000" dist="23000" dir="5400000" rotWithShape="0">
+              <a:srgbClr val="000000">
+                <a:alpha val="35000"/>
+              </a:srgbClr>
+            </a:outerShdw>
+          </a:effectLst>
+        </a:effectStyle>
+        <a:effectStyle>
+          <a:effectLst>
+            <a:outerShdw blurRad="40000" dist="23000" dir="5400000" rotWithShape="0">
+              <a:srgbClr val="000000">
+                <a:alpha val="35000"/>
+              </a:srgbClr>
+            </a:outerShdw>
+          </a:effectLst>
+          <a:scene3d>
+            <a:camera prst="orthographicFront">
+              <a:rot lat="0" lon="0" rev="0"/>
+            </a:camera>
+            <a:lightRig rig="threePt" dir="t">
+              <a:rot lat="0" lon="0" rev="1200000"/>
+            </a:lightRig>
+          </a:scene3d>
+          <a:sp3d>
+            <a:bevelT w="63500" h="25400"/>
+          </a:sp3d>
+        </a:effectStyle>
+      </a:effectStyleLst>
+      <a:bgFillStyleLst>
+        <a:solidFill>
+          <a:schemeClr val="phClr"/>
+        </a:solidFill>
+        <a:gradFill rotWithShape="1">
+          <a:gsLst>
+            <a:gs pos="0">
+              <a:schemeClr val="phClr">
+                <a:tint val="40000"/>
+                <a:satMod val="350000"/>
+              </a:schemeClr>
+            </a:gs>
+            <a:gs pos="40000">
+              <a:schemeClr val="phClr">
+                <a:tint val="45000"/>
+                <a:shade val="99000"/>
+                <a:satMod val="350000"/>
+              </a:schemeClr>
+            </a:gs>
+            <a:gs pos="100000">
+              <a:schemeClr val="phClr">
+                <a:shade val="20000"/>
+                <a:satMod val="255000"/>
+              </a:schemeClr>
+            </a:gs>
+          </a:gsLst>
+          <a:path path="circle">
+            <a:fillToRect l="50000" t="-80000" r="50000" b="180000"/>
+          </a:path>
+        </a:gradFill>
+        <a:gradFill rotWithShape="1">
+          <a:gsLst>
+            <a:gs pos="0">
+              <a:schemeClr val="phClr">
+                <a:tint val="80000"/>
+                <a:satMod val="300000"/>
+              </a:schemeClr>
+            </a:gs>
+            <a:gs pos="100000">
+              <a:schemeClr val="phClr">
+                <a:shade val="30000"/>
+                <a:satMod val="200000"/>
+              </a:schemeClr>
+            </a:gs>
+          </a:gsLst>
+          <a:path path="circle">
+            <a:fillToRect l="50000" t="50000" r="50000" b="50000"/>
+          </a:path>
+        </a:gradFill>
+      </a:bgFillStyleLst>
+    </a:fmtScheme>
+  </a:themeElements>
+</a:theme>
 </file>